--- a/paper/figures.pptx
+++ b/paper/figures.pptx
@@ -4,11 +4,15 @@
   <p:sldMasterIdLst>
     <p:sldMasterId id="2147483660" r:id="rId1"/>
   </p:sldMasterIdLst>
+  <p:notesMasterIdLst>
+    <p:notesMasterId r:id="rId7"/>
+  </p:notesMasterIdLst>
   <p:sldIdLst>
     <p:sldId id="259" r:id="rId2"/>
     <p:sldId id="257" r:id="rId3"/>
     <p:sldId id="260" r:id="rId4"/>
-    <p:sldId id="258" r:id="rId5"/>
+    <p:sldId id="261" r:id="rId5"/>
+    <p:sldId id="258" r:id="rId6"/>
   </p:sldIdLst>
   <p:sldSz cx="6858000" cy="9906000" type="A4"/>
   <p:notesSz cx="6858000" cy="9144000"/>
@@ -113,6 +117,439 @@
     </p:ext>
   </p:extLst>
 </p:presentation>
+</file>
+
+<file path=ppt/notesMasters/notesMaster1.xml><?xml version="1.0" encoding="utf-8"?>
+<p:notesMaster xmlns:a="http://schemas.openxmlformats.org/drawingml/2006/main" xmlns:r="http://schemas.openxmlformats.org/officeDocument/2006/relationships" xmlns:p="http://schemas.openxmlformats.org/presentationml/2006/main">
+  <p:cSld>
+    <p:bg>
+      <p:bgRef idx="1001">
+        <a:schemeClr val="bg1"/>
+      </p:bgRef>
+    </p:bg>
+    <p:spTree>
+      <p:nvGrpSpPr>
+        <p:cNvPr id="1" name=""/>
+        <p:cNvGrpSpPr/>
+        <p:nvPr/>
+      </p:nvGrpSpPr>
+      <p:grpSpPr>
+        <a:xfrm>
+          <a:off x="0" y="0"/>
+          <a:ext cx="0" cy="0"/>
+          <a:chOff x="0" y="0"/>
+          <a:chExt cx="0" cy="0"/>
+        </a:xfrm>
+      </p:grpSpPr>
+      <p:sp>
+        <p:nvSpPr>
+          <p:cNvPr id="2" name="页眉占位符 1"/>
+          <p:cNvSpPr>
+            <a:spLocks noGrp="1"/>
+          </p:cNvSpPr>
+          <p:nvPr>
+            <p:ph type="hdr" sz="quarter"/>
+          </p:nvPr>
+        </p:nvSpPr>
+        <p:spPr>
+          <a:xfrm>
+            <a:off x="0" y="0"/>
+            <a:ext cx="2971800" cy="458788"/>
+          </a:xfrm>
+          <a:prstGeom prst="rect">
+            <a:avLst/>
+          </a:prstGeom>
+        </p:spPr>
+        <p:txBody>
+          <a:bodyPr vert="horz" lIns="91440" tIns="45720" rIns="91440" bIns="45720" rtlCol="0"/>
+          <a:lstStyle>
+            <a:lvl1pPr algn="l">
+              <a:defRPr sz="1200"/>
+            </a:lvl1pPr>
+          </a:lstStyle>
+          <a:p>
+            <a:endParaRPr kumimoji="1" lang="zh-CN" altLang="en-US"/>
+          </a:p>
+        </p:txBody>
+      </p:sp>
+      <p:sp>
+        <p:nvSpPr>
+          <p:cNvPr id="3" name="日期占位符 2"/>
+          <p:cNvSpPr>
+            <a:spLocks noGrp="1"/>
+          </p:cNvSpPr>
+          <p:nvPr>
+            <p:ph type="dt" idx="1"/>
+          </p:nvPr>
+        </p:nvSpPr>
+        <p:spPr>
+          <a:xfrm>
+            <a:off x="3884613" y="0"/>
+            <a:ext cx="2971800" cy="458788"/>
+          </a:xfrm>
+          <a:prstGeom prst="rect">
+            <a:avLst/>
+          </a:prstGeom>
+        </p:spPr>
+        <p:txBody>
+          <a:bodyPr vert="horz" lIns="91440" tIns="45720" rIns="91440" bIns="45720" rtlCol="0"/>
+          <a:lstStyle>
+            <a:lvl1pPr algn="r">
+              <a:defRPr sz="1200"/>
+            </a:lvl1pPr>
+          </a:lstStyle>
+          <a:p>
+            <a:fld id="{11465B43-A454-F449-8FF6-C40CC22DF8D4}" type="datetimeFigureOut">
+              <a:rPr kumimoji="1" lang="zh-CN" altLang="en-US" smtClean="0"/>
+              <a:t>2020/9/10</a:t>
+            </a:fld>
+            <a:endParaRPr kumimoji="1" lang="zh-CN" altLang="en-US"/>
+          </a:p>
+        </p:txBody>
+      </p:sp>
+      <p:sp>
+        <p:nvSpPr>
+          <p:cNvPr id="4" name="幻灯片图像占位符 3"/>
+          <p:cNvSpPr>
+            <a:spLocks noGrp="1" noRot="1" noChangeAspect="1"/>
+          </p:cNvSpPr>
+          <p:nvPr>
+            <p:ph type="sldImg" idx="2"/>
+          </p:nvPr>
+        </p:nvSpPr>
+        <p:spPr>
+          <a:xfrm>
+            <a:off x="2360613" y="1143000"/>
+            <a:ext cx="2136775" cy="3086100"/>
+          </a:xfrm>
+          <a:prstGeom prst="rect">
+            <a:avLst/>
+          </a:prstGeom>
+          <a:noFill/>
+          <a:ln w="12700">
+            <a:solidFill>
+              <a:prstClr val="black"/>
+            </a:solidFill>
+          </a:ln>
+        </p:spPr>
+        <p:txBody>
+          <a:bodyPr vert="horz" lIns="91440" tIns="45720" rIns="91440" bIns="45720" rtlCol="0" anchor="ctr"/>
+          <a:lstStyle/>
+          <a:p>
+            <a:endParaRPr lang="zh-CN" altLang="en-US"/>
+          </a:p>
+        </p:txBody>
+      </p:sp>
+      <p:sp>
+        <p:nvSpPr>
+          <p:cNvPr id="5" name="备注占位符 4"/>
+          <p:cNvSpPr>
+            <a:spLocks noGrp="1"/>
+          </p:cNvSpPr>
+          <p:nvPr>
+            <p:ph type="body" sz="quarter" idx="3"/>
+          </p:nvPr>
+        </p:nvSpPr>
+        <p:spPr>
+          <a:xfrm>
+            <a:off x="685800" y="4400550"/>
+            <a:ext cx="5486400" cy="3600450"/>
+          </a:xfrm>
+          <a:prstGeom prst="rect">
+            <a:avLst/>
+          </a:prstGeom>
+        </p:spPr>
+        <p:txBody>
+          <a:bodyPr vert="horz" lIns="91440" tIns="45720" rIns="91440" bIns="45720" rtlCol="0"/>
+          <a:lstStyle/>
+          <a:p>
+            <a:pPr lvl="0"/>
+            <a:r>
+              <a:rPr kumimoji="1" lang="zh-CN" altLang="en-US"/>
+              <a:t>单击此处编辑母版文本样式</a:t>
+            </a:r>
+          </a:p>
+          <a:p>
+            <a:pPr lvl="1"/>
+            <a:r>
+              <a:rPr kumimoji="1" lang="zh-CN" altLang="en-US"/>
+              <a:t>二级</a:t>
+            </a:r>
+          </a:p>
+          <a:p>
+            <a:pPr lvl="2"/>
+            <a:r>
+              <a:rPr kumimoji="1" lang="zh-CN" altLang="en-US"/>
+              <a:t>三级</a:t>
+            </a:r>
+          </a:p>
+          <a:p>
+            <a:pPr lvl="3"/>
+            <a:r>
+              <a:rPr kumimoji="1" lang="zh-CN" altLang="en-US"/>
+              <a:t>四级</a:t>
+            </a:r>
+          </a:p>
+          <a:p>
+            <a:pPr lvl="4"/>
+            <a:r>
+              <a:rPr kumimoji="1" lang="zh-CN" altLang="en-US"/>
+              <a:t>五级</a:t>
+            </a:r>
+          </a:p>
+        </p:txBody>
+      </p:sp>
+      <p:sp>
+        <p:nvSpPr>
+          <p:cNvPr id="6" name="页脚占位符 5"/>
+          <p:cNvSpPr>
+            <a:spLocks noGrp="1"/>
+          </p:cNvSpPr>
+          <p:nvPr>
+            <p:ph type="ftr" sz="quarter" idx="4"/>
+          </p:nvPr>
+        </p:nvSpPr>
+        <p:spPr>
+          <a:xfrm>
+            <a:off x="0" y="8685213"/>
+            <a:ext cx="2971800" cy="458787"/>
+          </a:xfrm>
+          <a:prstGeom prst="rect">
+            <a:avLst/>
+          </a:prstGeom>
+        </p:spPr>
+        <p:txBody>
+          <a:bodyPr vert="horz" lIns="91440" tIns="45720" rIns="91440" bIns="45720" rtlCol="0" anchor="b"/>
+          <a:lstStyle>
+            <a:lvl1pPr algn="l">
+              <a:defRPr sz="1200"/>
+            </a:lvl1pPr>
+          </a:lstStyle>
+          <a:p>
+            <a:endParaRPr kumimoji="1" lang="zh-CN" altLang="en-US"/>
+          </a:p>
+        </p:txBody>
+      </p:sp>
+      <p:sp>
+        <p:nvSpPr>
+          <p:cNvPr id="7" name="灯片编号占位符 6"/>
+          <p:cNvSpPr>
+            <a:spLocks noGrp="1"/>
+          </p:cNvSpPr>
+          <p:nvPr>
+            <p:ph type="sldNum" sz="quarter" idx="5"/>
+          </p:nvPr>
+        </p:nvSpPr>
+        <p:spPr>
+          <a:xfrm>
+            <a:off x="3884613" y="8685213"/>
+            <a:ext cx="2971800" cy="458787"/>
+          </a:xfrm>
+          <a:prstGeom prst="rect">
+            <a:avLst/>
+          </a:prstGeom>
+        </p:spPr>
+        <p:txBody>
+          <a:bodyPr vert="horz" lIns="91440" tIns="45720" rIns="91440" bIns="45720" rtlCol="0" anchor="b"/>
+          <a:lstStyle>
+            <a:lvl1pPr algn="r">
+              <a:defRPr sz="1200"/>
+            </a:lvl1pPr>
+          </a:lstStyle>
+          <a:p>
+            <a:fld id="{9780FD37-3003-D74F-9DA1-C7C1C97FED29}" type="slidenum">
+              <a:rPr kumimoji="1" lang="zh-CN" altLang="en-US" smtClean="0"/>
+              <a:t>‹#›</a:t>
+            </a:fld>
+            <a:endParaRPr kumimoji="1" lang="zh-CN" altLang="en-US"/>
+          </a:p>
+        </p:txBody>
+      </p:sp>
+    </p:spTree>
+    <p:extLst>
+      <p:ext uri="{BB962C8B-B14F-4D97-AF65-F5344CB8AC3E}">
+        <p14:creationId xmlns:p14="http://schemas.microsoft.com/office/powerpoint/2010/main" val="3393558287"/>
+      </p:ext>
+    </p:extLst>
+  </p:cSld>
+  <p:clrMap bg1="lt1" tx1="dk1" bg2="lt2" tx2="dk2" accent1="accent1" accent2="accent2" accent3="accent3" accent4="accent4" accent5="accent5" accent6="accent6" hlink="hlink" folHlink="folHlink"/>
+  <p:notesStyle>
+    <a:lvl1pPr marL="0" algn="l" defTabSz="914400" rtl="0" eaLnBrk="1" latinLnBrk="0" hangingPunct="1">
+      <a:defRPr sz="1200" kern="1200">
+        <a:solidFill>
+          <a:schemeClr val="tx1"/>
+        </a:solidFill>
+        <a:latin typeface="+mn-lt"/>
+        <a:ea typeface="+mn-ea"/>
+        <a:cs typeface="+mn-cs"/>
+      </a:defRPr>
+    </a:lvl1pPr>
+    <a:lvl2pPr marL="457200" algn="l" defTabSz="914400" rtl="0" eaLnBrk="1" latinLnBrk="0" hangingPunct="1">
+      <a:defRPr sz="1200" kern="1200">
+        <a:solidFill>
+          <a:schemeClr val="tx1"/>
+        </a:solidFill>
+        <a:latin typeface="+mn-lt"/>
+        <a:ea typeface="+mn-ea"/>
+        <a:cs typeface="+mn-cs"/>
+      </a:defRPr>
+    </a:lvl2pPr>
+    <a:lvl3pPr marL="914400" algn="l" defTabSz="914400" rtl="0" eaLnBrk="1" latinLnBrk="0" hangingPunct="1">
+      <a:defRPr sz="1200" kern="1200">
+        <a:solidFill>
+          <a:schemeClr val="tx1"/>
+        </a:solidFill>
+        <a:latin typeface="+mn-lt"/>
+        <a:ea typeface="+mn-ea"/>
+        <a:cs typeface="+mn-cs"/>
+      </a:defRPr>
+    </a:lvl3pPr>
+    <a:lvl4pPr marL="1371600" algn="l" defTabSz="914400" rtl="0" eaLnBrk="1" latinLnBrk="0" hangingPunct="1">
+      <a:defRPr sz="1200" kern="1200">
+        <a:solidFill>
+          <a:schemeClr val="tx1"/>
+        </a:solidFill>
+        <a:latin typeface="+mn-lt"/>
+        <a:ea typeface="+mn-ea"/>
+        <a:cs typeface="+mn-cs"/>
+      </a:defRPr>
+    </a:lvl4pPr>
+    <a:lvl5pPr marL="1828800" algn="l" defTabSz="914400" rtl="0" eaLnBrk="1" latinLnBrk="0" hangingPunct="1">
+      <a:defRPr sz="1200" kern="1200">
+        <a:solidFill>
+          <a:schemeClr val="tx1"/>
+        </a:solidFill>
+        <a:latin typeface="+mn-lt"/>
+        <a:ea typeface="+mn-ea"/>
+        <a:cs typeface="+mn-cs"/>
+      </a:defRPr>
+    </a:lvl5pPr>
+    <a:lvl6pPr marL="2286000" algn="l" defTabSz="914400" rtl="0" eaLnBrk="1" latinLnBrk="0" hangingPunct="1">
+      <a:defRPr sz="1200" kern="1200">
+        <a:solidFill>
+          <a:schemeClr val="tx1"/>
+        </a:solidFill>
+        <a:latin typeface="+mn-lt"/>
+        <a:ea typeface="+mn-ea"/>
+        <a:cs typeface="+mn-cs"/>
+      </a:defRPr>
+    </a:lvl6pPr>
+    <a:lvl7pPr marL="2743200" algn="l" defTabSz="914400" rtl="0" eaLnBrk="1" latinLnBrk="0" hangingPunct="1">
+      <a:defRPr sz="1200" kern="1200">
+        <a:solidFill>
+          <a:schemeClr val="tx1"/>
+        </a:solidFill>
+        <a:latin typeface="+mn-lt"/>
+        <a:ea typeface="+mn-ea"/>
+        <a:cs typeface="+mn-cs"/>
+      </a:defRPr>
+    </a:lvl7pPr>
+    <a:lvl8pPr marL="3200400" algn="l" defTabSz="914400" rtl="0" eaLnBrk="1" latinLnBrk="0" hangingPunct="1">
+      <a:defRPr sz="1200" kern="1200">
+        <a:solidFill>
+          <a:schemeClr val="tx1"/>
+        </a:solidFill>
+        <a:latin typeface="+mn-lt"/>
+        <a:ea typeface="+mn-ea"/>
+        <a:cs typeface="+mn-cs"/>
+      </a:defRPr>
+    </a:lvl8pPr>
+    <a:lvl9pPr marL="3657600" algn="l" defTabSz="914400" rtl="0" eaLnBrk="1" latinLnBrk="0" hangingPunct="1">
+      <a:defRPr sz="1200" kern="1200">
+        <a:solidFill>
+          <a:schemeClr val="tx1"/>
+        </a:solidFill>
+        <a:latin typeface="+mn-lt"/>
+        <a:ea typeface="+mn-ea"/>
+        <a:cs typeface="+mn-cs"/>
+      </a:defRPr>
+    </a:lvl9pPr>
+  </p:notesStyle>
+</p:notesMaster>
+</file>
+
+<file path=ppt/notesSlides/notesSlide1.xml><?xml version="1.0" encoding="utf-8"?>
+<p:notes xmlns:a="http://schemas.openxmlformats.org/drawingml/2006/main" xmlns:r="http://schemas.openxmlformats.org/officeDocument/2006/relationships" xmlns:p="http://schemas.openxmlformats.org/presentationml/2006/main">
+  <p:cSld>
+    <p:spTree>
+      <p:nvGrpSpPr>
+        <p:cNvPr id="1" name=""/>
+        <p:cNvGrpSpPr/>
+        <p:nvPr/>
+      </p:nvGrpSpPr>
+      <p:grpSpPr>
+        <a:xfrm>
+          <a:off x="0" y="0"/>
+          <a:ext cx="0" cy="0"/>
+          <a:chOff x="0" y="0"/>
+          <a:chExt cx="0" cy="0"/>
+        </a:xfrm>
+      </p:grpSpPr>
+      <p:sp>
+        <p:nvSpPr>
+          <p:cNvPr id="2" name="幻灯片图像占位符 1"/>
+          <p:cNvSpPr>
+            <a:spLocks noGrp="1" noRot="1" noChangeAspect="1"/>
+          </p:cNvSpPr>
+          <p:nvPr>
+            <p:ph type="sldImg"/>
+          </p:nvPr>
+        </p:nvSpPr>
+        <p:spPr/>
+      </p:sp>
+      <p:sp>
+        <p:nvSpPr>
+          <p:cNvPr id="3" name="备注占位符 2"/>
+          <p:cNvSpPr>
+            <a:spLocks noGrp="1"/>
+          </p:cNvSpPr>
+          <p:nvPr>
+            <p:ph type="body" idx="1"/>
+          </p:nvPr>
+        </p:nvSpPr>
+        <p:spPr/>
+        <p:txBody>
+          <a:bodyPr/>
+          <a:lstStyle/>
+          <a:p>
+            <a:endParaRPr kumimoji="1" lang="zh-CN" altLang="en-US" dirty="0"/>
+          </a:p>
+        </p:txBody>
+      </p:sp>
+      <p:sp>
+        <p:nvSpPr>
+          <p:cNvPr id="4" name="灯片编号占位符 3"/>
+          <p:cNvSpPr>
+            <a:spLocks noGrp="1"/>
+          </p:cNvSpPr>
+          <p:nvPr>
+            <p:ph type="sldNum" sz="quarter" idx="5"/>
+          </p:nvPr>
+        </p:nvSpPr>
+        <p:spPr/>
+        <p:txBody>
+          <a:bodyPr/>
+          <a:lstStyle/>
+          <a:p>
+            <a:fld id="{9780FD37-3003-D74F-9DA1-C7C1C97FED29}" type="slidenum">
+              <a:rPr kumimoji="1" lang="zh-CN" altLang="en-US" smtClean="0"/>
+              <a:t>3</a:t>
+            </a:fld>
+            <a:endParaRPr kumimoji="1" lang="zh-CN" altLang="en-US"/>
+          </a:p>
+        </p:txBody>
+      </p:sp>
+    </p:spTree>
+    <p:extLst>
+      <p:ext uri="{BB962C8B-B14F-4D97-AF65-F5344CB8AC3E}">
+        <p14:creationId xmlns:p14="http://schemas.microsoft.com/office/powerpoint/2010/main" val="3501130046"/>
+      </p:ext>
+    </p:extLst>
+  </p:cSld>
+  <p:clrMapOvr>
+    <a:masterClrMapping/>
+  </p:clrMapOvr>
+</p:notes>
 </file>
 
 <file path=ppt/slideLayouts/slideLayout1.xml><?xml version="1.0" encoding="utf-8"?>
@@ -7413,6 +7850,66 @@
           </a:p>
         </p:txBody>
       </p:sp>
+      <p:sp>
+        <p:nvSpPr>
+          <p:cNvPr id="5" name="文本框 4">
+            <a:extLst>
+              <a:ext uri="{FF2B5EF4-FFF2-40B4-BE49-F238E27FC236}">
+                <a16:creationId xmlns:a16="http://schemas.microsoft.com/office/drawing/2014/main" id="{0410F8DA-1E9B-9049-9674-3C024092EC90}"/>
+              </a:ext>
+            </a:extLst>
+          </p:cNvPr>
+          <p:cNvSpPr txBox="1"/>
+          <p:nvPr/>
+        </p:nvSpPr>
+        <p:spPr>
+          <a:xfrm>
+            <a:off x="303769" y="7553007"/>
+            <a:ext cx="6250461" cy="246221"/>
+          </a:xfrm>
+          <a:prstGeom prst="rect">
+            <a:avLst/>
+          </a:prstGeom>
+          <a:noFill/>
+        </p:spPr>
+        <p:txBody>
+          <a:bodyPr wrap="square" rtlCol="0">
+            <a:spAutoFit/>
+          </a:bodyPr>
+          <a:lstStyle/>
+          <a:p>
+            <a:r>
+              <a:rPr kumimoji="1" lang="en-US" altLang="zh-CN" sz="1000" dirty="0">
+                <a:latin typeface="Arial" charset="0"/>
+                <a:ea typeface="Arial" charset="0"/>
+                <a:cs typeface="Arial" charset="0"/>
+              </a:rPr>
+              <a:t>Table S1. Feature comparison of </a:t>
+            </a:r>
+            <a:r>
+              <a:rPr kumimoji="1" lang="en-US" altLang="zh-CN" sz="1000" dirty="0" err="1">
+                <a:latin typeface="Arial" charset="0"/>
+                <a:ea typeface="Arial" charset="0"/>
+                <a:cs typeface="Arial" charset="0"/>
+              </a:rPr>
+              <a:t>Sigflow</a:t>
+            </a:r>
+            <a:r>
+              <a:rPr kumimoji="1" lang="en-US" altLang="zh-CN" sz="1000" dirty="0">
+                <a:latin typeface="Arial" charset="0"/>
+                <a:ea typeface="Arial" charset="0"/>
+                <a:cs typeface="Arial" charset="0"/>
+              </a:rPr>
+              <a:t> and some common used mutational signature analysis tools.</a:t>
+            </a:r>
+            <a:endParaRPr kumimoji="1" lang="zh-CN" altLang="en-US" sz="1000" dirty="0">
+              <a:latin typeface="Arial" charset="0"/>
+              <a:ea typeface="Arial" charset="0"/>
+              <a:cs typeface="Arial" charset="0"/>
+            </a:endParaRPr>
+          </a:p>
+        </p:txBody>
+      </p:sp>
     </p:spTree>
     <p:extLst>
       <p:ext uri="{BB962C8B-B14F-4D97-AF65-F5344CB8AC3E}">
@@ -7482,7 +7979,7 @@
         <p:spPr>
           <a:xfrm>
             <a:off x="5402424" y="1922106"/>
-            <a:ext cx="1031051" cy="369332"/>
+            <a:ext cx="1184940" cy="369332"/>
           </a:xfrm>
           <a:prstGeom prst="rect">
             <a:avLst/>
@@ -7517,7 +8014,7 @@
                 <a:ea typeface="Arial" charset="0"/>
                 <a:cs typeface="Arial" charset="0"/>
               </a:rPr>
-              <a:t>1</a:t>
+              <a:t>S1</a:t>
             </a:r>
             <a:endParaRPr kumimoji="1" lang="zh-CN" altLang="en-US" dirty="0">
               <a:latin typeface="Arial" charset="0"/>
@@ -7573,7 +8070,7 @@
         </p:nvSpPr>
         <p:spPr>
           <a:xfrm>
-            <a:off x="3545757" y="3161475"/>
+            <a:off x="736184" y="4289054"/>
             <a:ext cx="447558" cy="246221"/>
           </a:xfrm>
           <a:prstGeom prst="rect">
@@ -7611,7 +8108,7 @@
         </p:nvSpPr>
         <p:spPr>
           <a:xfrm>
-            <a:off x="739230" y="4289054"/>
+            <a:off x="3563210" y="3157552"/>
             <a:ext cx="312906" cy="246221"/>
           </a:xfrm>
           <a:prstGeom prst="rect">
@@ -8041,7 +8538,23 @@
                 <a:ea typeface="Arial" charset="0"/>
                 <a:cs typeface="Arial" charset="0"/>
               </a:rPr>
-              <a:t>Fig 1.</a:t>
+              <a:t>Fig. S1. Example signature profile generated by </a:t>
+            </a:r>
+            <a:r>
+              <a:rPr kumimoji="1" lang="en-US" altLang="zh-CN" sz="1000" dirty="0" err="1">
+                <a:latin typeface="Arial" charset="0"/>
+                <a:ea typeface="Arial" charset="0"/>
+                <a:cs typeface="Arial" charset="0"/>
+              </a:rPr>
+              <a:t>Sigflow</a:t>
+            </a:r>
+            <a:r>
+              <a:rPr kumimoji="1" lang="en-US" altLang="zh-CN" sz="1000" dirty="0">
+                <a:latin typeface="Arial" charset="0"/>
+                <a:ea typeface="Arial" charset="0"/>
+                <a:cs typeface="Arial" charset="0"/>
+              </a:rPr>
+              <a:t>.</a:t>
             </a:r>
             <a:r>
               <a:rPr kumimoji="1" lang="zh-CN" altLang="en-US" sz="1000" dirty="0">
@@ -8073,7 +8586,7 @@
                 <a:ea typeface="Arial" charset="0"/>
                 <a:cs typeface="Arial" charset="0"/>
               </a:rPr>
-              <a:t>5</a:t>
+              <a:t>3</a:t>
             </a:r>
             <a:r>
               <a:rPr kumimoji="1" lang="zh-CN" altLang="en-US" sz="1000" dirty="0">
@@ -8121,7 +8634,7 @@
                 <a:ea typeface="Arial" charset="0"/>
                 <a:cs typeface="Arial" charset="0"/>
               </a:rPr>
-              <a:t>four</a:t>
+              <a:t>three types</a:t>
             </a:r>
             <a:r>
               <a:rPr kumimoji="1" lang="zh-CN" altLang="en-US" sz="1000" dirty="0">
@@ -8137,7 +8650,7 @@
                 <a:ea typeface="Arial" charset="0"/>
                 <a:cs typeface="Arial" charset="0"/>
               </a:rPr>
-              <a:t>types</a:t>
+              <a:t>of</a:t>
             </a:r>
             <a:r>
               <a:rPr kumimoji="1" lang="zh-CN" altLang="en-US" sz="1000" dirty="0">
@@ -8153,7 +8666,7 @@
                 <a:ea typeface="Arial" charset="0"/>
                 <a:cs typeface="Arial" charset="0"/>
               </a:rPr>
-              <a:t>of</a:t>
+              <a:t>mutational</a:t>
             </a:r>
             <a:r>
               <a:rPr kumimoji="1" lang="zh-CN" altLang="en-US" sz="1000" dirty="0">
@@ -8169,7 +8682,7 @@
                 <a:ea typeface="Arial" charset="0"/>
                 <a:cs typeface="Arial" charset="0"/>
               </a:rPr>
-              <a:t>mutational</a:t>
+              <a:t>signatures including (A) SBS, (B) ID and (C) DBS</a:t>
             </a:r>
             <a:r>
               <a:rPr kumimoji="1" lang="zh-CN" altLang="en-US" sz="1000" dirty="0">
@@ -8185,7 +8698,7 @@
                 <a:ea typeface="Arial" charset="0"/>
                 <a:cs typeface="Arial" charset="0"/>
               </a:rPr>
-              <a:t>signatures</a:t>
+              <a:t>catalogued</a:t>
             </a:r>
             <a:r>
               <a:rPr kumimoji="1" lang="zh-CN" altLang="en-US" sz="1000" dirty="0">
@@ -8201,7 +8714,7 @@
                 <a:ea typeface="Arial" charset="0"/>
                 <a:cs typeface="Arial" charset="0"/>
               </a:rPr>
-              <a:t>catalogued</a:t>
+              <a:t>in</a:t>
             </a:r>
             <a:r>
               <a:rPr kumimoji="1" lang="zh-CN" altLang="en-US" sz="1000" dirty="0">
@@ -8217,7 +8730,7 @@
                 <a:ea typeface="Arial" charset="0"/>
                 <a:cs typeface="Arial" charset="0"/>
               </a:rPr>
-              <a:t>in</a:t>
+              <a:t>COSMIC</a:t>
             </a:r>
             <a:r>
               <a:rPr kumimoji="1" lang="zh-CN" altLang="en-US" sz="1000" dirty="0">
@@ -8233,7 +8746,7 @@
                 <a:ea typeface="Arial" charset="0"/>
                 <a:cs typeface="Arial" charset="0"/>
               </a:rPr>
-              <a:t>COSMIC</a:t>
+              <a:t>signature</a:t>
             </a:r>
             <a:r>
               <a:rPr kumimoji="1" lang="zh-CN" altLang="en-US" sz="1000" dirty="0">
@@ -8249,7 +8762,7 @@
                 <a:ea typeface="Arial" charset="0"/>
                 <a:cs typeface="Arial" charset="0"/>
               </a:rPr>
-              <a:t>signature</a:t>
+              <a:t>v3 database</a:t>
             </a:r>
             <a:r>
               <a:rPr kumimoji="1" lang="zh-CN" altLang="en-US" sz="1000" dirty="0">
@@ -8265,7 +8778,24 @@
                 <a:ea typeface="Arial" charset="0"/>
                 <a:cs typeface="Arial" charset="0"/>
               </a:rPr>
-              <a:t>database</a:t>
+              <a:t>(</a:t>
+            </a:r>
+            <a:r>
+              <a:rPr kumimoji="1" lang="en-US" altLang="zh-CN" sz="1000" dirty="0">
+                <a:latin typeface="Arial" charset="0"/>
+                <a:ea typeface="Arial" charset="0"/>
+                <a:cs typeface="Arial" charset="0"/>
+                <a:hlinkClick r:id="rId3"/>
+              </a:rPr>
+              <a:t>https://cancer.sanger.ac.uk/cosmic/signatures</a:t>
+            </a:r>
+            <a:r>
+              <a:rPr kumimoji="1" lang="en-US" altLang="zh-CN" sz="1000" dirty="0">
+                <a:latin typeface="Arial" charset="0"/>
+                <a:ea typeface="Arial" charset="0"/>
+                <a:cs typeface="Arial" charset="0"/>
+              </a:rPr>
+              <a:t>). (D) Profile of two copy number signatures extracted from 10 TCGA samples.</a:t>
             </a:r>
             <a:r>
               <a:rPr kumimoji="1" lang="zh-CN" altLang="en-US" sz="1000" dirty="0">
@@ -8273,6 +8803,22 @@
                 <a:ea typeface="Arial" charset="0"/>
                 <a:cs typeface="Arial" charset="0"/>
               </a:rPr>
+              <a:t>  </a:t>
+            </a:r>
+            <a:r>
+              <a:rPr kumimoji="1" lang="en-US" altLang="zh-CN" sz="1000" dirty="0">
+                <a:latin typeface="Arial" charset="0"/>
+                <a:ea typeface="Arial" charset="0"/>
+                <a:cs typeface="Arial" charset="0"/>
+              </a:rPr>
+              <a:t>Abbr.:</a:t>
+            </a:r>
+            <a:r>
+              <a:rPr kumimoji="1" lang="zh-CN" altLang="en-US" sz="1000" dirty="0">
+                <a:latin typeface="Arial" charset="0"/>
+                <a:ea typeface="Arial" charset="0"/>
+                <a:cs typeface="Arial" charset="0"/>
+              </a:rPr>
               <a:t> </a:t>
             </a:r>
             <a:r>
@@ -8281,7 +8827,7 @@
                 <a:ea typeface="Arial" charset="0"/>
                 <a:cs typeface="Arial" charset="0"/>
               </a:rPr>
-              <a:t>v3</a:t>
+              <a:t>SBS,</a:t>
             </a:r>
             <a:r>
               <a:rPr kumimoji="1" lang="zh-CN" altLang="en-US" sz="1000" dirty="0">
@@ -8297,15 +8843,15 @@
                 <a:ea typeface="Arial" charset="0"/>
                 <a:cs typeface="Arial" charset="0"/>
               </a:rPr>
-              <a:t>(https://</a:t>
-            </a:r>
-            <a:r>
-              <a:rPr kumimoji="1" lang="en-US" altLang="zh-CN" sz="1000" dirty="0" err="1">
-                <a:latin typeface="Arial" charset="0"/>
-                <a:ea typeface="Arial" charset="0"/>
-                <a:cs typeface="Arial" charset="0"/>
-              </a:rPr>
-              <a:t>cancer.sanger.ac.uk</a:t>
+              <a:t>single</a:t>
+            </a:r>
+            <a:r>
+              <a:rPr kumimoji="1" lang="zh-CN" altLang="en-US" sz="1000" dirty="0">
+                <a:latin typeface="Arial" charset="0"/>
+                <a:ea typeface="Arial" charset="0"/>
+                <a:cs typeface="Arial" charset="0"/>
+              </a:rPr>
+              <a:t> </a:t>
             </a:r>
             <a:r>
               <a:rPr kumimoji="1" lang="en-US" altLang="zh-CN" sz="1000" dirty="0">
@@ -8313,7 +8859,7 @@
                 <a:ea typeface="Arial" charset="0"/>
                 <a:cs typeface="Arial" charset="0"/>
               </a:rPr>
-              <a:t>/cosmic/signatures)</a:t>
+              <a:t>base</a:t>
             </a:r>
             <a:r>
               <a:rPr kumimoji="1" lang="zh-CN" altLang="en-US" sz="1000" dirty="0">
@@ -8329,7 +8875,7 @@
                 <a:ea typeface="Arial" charset="0"/>
                 <a:cs typeface="Arial" charset="0"/>
               </a:rPr>
-              <a:t>are</a:t>
+              <a:t>substitution;</a:t>
             </a:r>
             <a:r>
               <a:rPr kumimoji="1" lang="zh-CN" altLang="en-US" sz="1000" dirty="0">
@@ -8345,7 +8891,7 @@
                 <a:ea typeface="Arial" charset="0"/>
                 <a:cs typeface="Arial" charset="0"/>
               </a:rPr>
-              <a:t>visualized</a:t>
+              <a:t>DBS,</a:t>
             </a:r>
             <a:r>
               <a:rPr kumimoji="1" lang="zh-CN" altLang="en-US" sz="1000" dirty="0">
@@ -8361,7 +8907,7 @@
                 <a:ea typeface="Arial" charset="0"/>
                 <a:cs typeface="Arial" charset="0"/>
               </a:rPr>
-              <a:t>by</a:t>
+              <a:t>doublet</a:t>
             </a:r>
             <a:r>
               <a:rPr kumimoji="1" lang="zh-CN" altLang="en-US" sz="1000" dirty="0">
@@ -8372,20 +8918,12 @@
               <a:t> </a:t>
             </a:r>
             <a:r>
-              <a:rPr kumimoji="1" lang="en-US" altLang="zh-CN" sz="1000" dirty="0" err="1">
-                <a:latin typeface="Arial" charset="0"/>
-                <a:ea typeface="Arial" charset="0"/>
-                <a:cs typeface="Arial" charset="0"/>
-              </a:rPr>
-              <a:t>sigminer</a:t>
-            </a:r>
-            <a:r>
               <a:rPr kumimoji="1" lang="en-US" altLang="zh-CN" sz="1000" dirty="0">
                 <a:latin typeface="Arial" charset="0"/>
                 <a:ea typeface="Arial" charset="0"/>
                 <a:cs typeface="Arial" charset="0"/>
               </a:rPr>
-              <a:t>.</a:t>
+              <a:t>base</a:t>
             </a:r>
             <a:r>
               <a:rPr kumimoji="1" lang="zh-CN" altLang="en-US" sz="1000" dirty="0">
@@ -8401,487 +8939,7 @@
                 <a:ea typeface="Arial" charset="0"/>
                 <a:cs typeface="Arial" charset="0"/>
               </a:rPr>
-              <a:t>On</a:t>
-            </a:r>
-            <a:r>
-              <a:rPr kumimoji="1" lang="zh-CN" altLang="en-US" sz="1000" dirty="0">
-                <a:latin typeface="Arial" charset="0"/>
-                <a:ea typeface="Arial" charset="0"/>
-                <a:cs typeface="Arial" charset="0"/>
-              </a:rPr>
-              <a:t> </a:t>
-            </a:r>
-            <a:r>
-              <a:rPr kumimoji="1" lang="en-US" altLang="zh-CN" sz="1000" dirty="0">
-                <a:latin typeface="Arial" charset="0"/>
-                <a:ea typeface="Arial" charset="0"/>
-                <a:cs typeface="Arial" charset="0"/>
-              </a:rPr>
-              <a:t>the</a:t>
-            </a:r>
-            <a:r>
-              <a:rPr kumimoji="1" lang="zh-CN" altLang="en-US" sz="1000" dirty="0">
-                <a:latin typeface="Arial" charset="0"/>
-                <a:ea typeface="Arial" charset="0"/>
-                <a:cs typeface="Arial" charset="0"/>
-              </a:rPr>
-              <a:t> </a:t>
-            </a:r>
-            <a:r>
-              <a:rPr kumimoji="1" lang="en-US" altLang="zh-CN" sz="1000" dirty="0">
-                <a:latin typeface="Arial" charset="0"/>
-                <a:ea typeface="Arial" charset="0"/>
-                <a:cs typeface="Arial" charset="0"/>
-              </a:rPr>
-              <a:t>bottom</a:t>
-            </a:r>
-            <a:r>
-              <a:rPr kumimoji="1" lang="zh-CN" altLang="en-US" sz="1000" dirty="0">
-                <a:latin typeface="Arial" charset="0"/>
-                <a:ea typeface="Arial" charset="0"/>
-                <a:cs typeface="Arial" charset="0"/>
-              </a:rPr>
-              <a:t> </a:t>
-            </a:r>
-            <a:r>
-              <a:rPr kumimoji="1" lang="en-US" altLang="zh-CN" sz="1000" dirty="0">
-                <a:latin typeface="Arial" charset="0"/>
-                <a:ea typeface="Arial" charset="0"/>
-                <a:cs typeface="Arial" charset="0"/>
-              </a:rPr>
-              <a:t>left</a:t>
-            </a:r>
-            <a:r>
-              <a:rPr kumimoji="1" lang="zh-CN" altLang="en-US" sz="1000" dirty="0">
-                <a:latin typeface="Arial" charset="0"/>
-                <a:ea typeface="Arial" charset="0"/>
-                <a:cs typeface="Arial" charset="0"/>
-              </a:rPr>
-              <a:t> </a:t>
-            </a:r>
-            <a:r>
-              <a:rPr kumimoji="1" lang="en-US" altLang="zh-CN" sz="1000" dirty="0">
-                <a:latin typeface="Arial" charset="0"/>
-                <a:ea typeface="Arial" charset="0"/>
-                <a:cs typeface="Arial" charset="0"/>
-              </a:rPr>
-              <a:t>panel,</a:t>
-            </a:r>
-            <a:r>
-              <a:rPr kumimoji="1" lang="zh-CN" altLang="en-US" sz="1000" dirty="0">
-                <a:latin typeface="Arial" charset="0"/>
-                <a:ea typeface="Arial" charset="0"/>
-                <a:cs typeface="Arial" charset="0"/>
-              </a:rPr>
-              <a:t> </a:t>
-            </a:r>
-            <a:r>
-              <a:rPr kumimoji="1" lang="en-US" altLang="zh-CN" sz="1000" dirty="0">
-                <a:latin typeface="Arial" charset="0"/>
-                <a:ea typeface="Arial" charset="0"/>
-                <a:cs typeface="Arial" charset="0"/>
-              </a:rPr>
-              <a:t>transcribed</a:t>
-            </a:r>
-            <a:r>
-              <a:rPr kumimoji="1" lang="zh-CN" altLang="en-US" sz="1000" dirty="0">
-                <a:latin typeface="Arial" charset="0"/>
-                <a:ea typeface="Arial" charset="0"/>
-                <a:cs typeface="Arial" charset="0"/>
-              </a:rPr>
-              <a:t> </a:t>
-            </a:r>
-            <a:r>
-              <a:rPr kumimoji="1" lang="en-US" altLang="zh-CN" sz="1000" dirty="0">
-                <a:latin typeface="Arial" charset="0"/>
-                <a:ea typeface="Arial" charset="0"/>
-                <a:cs typeface="Arial" charset="0"/>
-              </a:rPr>
-              <a:t>strand</a:t>
-            </a:r>
-            <a:r>
-              <a:rPr kumimoji="1" lang="zh-CN" altLang="en-US" sz="1000" dirty="0">
-                <a:latin typeface="Arial" charset="0"/>
-                <a:ea typeface="Arial" charset="0"/>
-                <a:cs typeface="Arial" charset="0"/>
-              </a:rPr>
-              <a:t> </a:t>
-            </a:r>
-            <a:r>
-              <a:rPr kumimoji="1" lang="en-US" altLang="zh-CN" sz="1000" dirty="0">
-                <a:latin typeface="Arial" charset="0"/>
-                <a:ea typeface="Arial" charset="0"/>
-                <a:cs typeface="Arial" charset="0"/>
-              </a:rPr>
-              <a:t>and</a:t>
-            </a:r>
-            <a:r>
-              <a:rPr kumimoji="1" lang="zh-CN" altLang="en-US" sz="1000" dirty="0">
-                <a:latin typeface="Arial" charset="0"/>
-                <a:ea typeface="Arial" charset="0"/>
-                <a:cs typeface="Arial" charset="0"/>
-              </a:rPr>
-              <a:t> </a:t>
-            </a:r>
-            <a:r>
-              <a:rPr kumimoji="1" lang="en-US" altLang="zh-CN" sz="1000" dirty="0" err="1">
-                <a:latin typeface="Arial" charset="0"/>
-                <a:ea typeface="Arial" charset="0"/>
-                <a:cs typeface="Arial" charset="0"/>
-              </a:rPr>
-              <a:t>untranscribed</a:t>
-            </a:r>
-            <a:r>
-              <a:rPr kumimoji="1" lang="zh-CN" altLang="en-US" sz="1000" dirty="0">
-                <a:latin typeface="Arial" charset="0"/>
-                <a:ea typeface="Arial" charset="0"/>
-                <a:cs typeface="Arial" charset="0"/>
-              </a:rPr>
-              <a:t> </a:t>
-            </a:r>
-            <a:r>
-              <a:rPr kumimoji="1" lang="en-US" altLang="zh-CN" sz="1000" dirty="0">
-                <a:latin typeface="Arial" charset="0"/>
-                <a:ea typeface="Arial" charset="0"/>
-                <a:cs typeface="Arial" charset="0"/>
-              </a:rPr>
-              <a:t>strand</a:t>
-            </a:r>
-            <a:r>
-              <a:rPr kumimoji="1" lang="zh-CN" altLang="en-US" sz="1000" dirty="0">
-                <a:latin typeface="Arial" charset="0"/>
-                <a:ea typeface="Arial" charset="0"/>
-                <a:cs typeface="Arial" charset="0"/>
-              </a:rPr>
-              <a:t> </a:t>
-            </a:r>
-            <a:r>
-              <a:rPr kumimoji="1" lang="en-US" altLang="zh-CN" sz="1000" dirty="0">
-                <a:latin typeface="Arial" charset="0"/>
-                <a:ea typeface="Arial" charset="0"/>
-                <a:cs typeface="Arial" charset="0"/>
-              </a:rPr>
-              <a:t>are</a:t>
-            </a:r>
-            <a:r>
-              <a:rPr kumimoji="1" lang="zh-CN" altLang="en-US" sz="1000" dirty="0">
-                <a:latin typeface="Arial" charset="0"/>
-                <a:ea typeface="Arial" charset="0"/>
-                <a:cs typeface="Arial" charset="0"/>
-              </a:rPr>
-              <a:t> </a:t>
-            </a:r>
-            <a:r>
-              <a:rPr kumimoji="1" lang="en-US" altLang="zh-CN" sz="1000" dirty="0">
-                <a:latin typeface="Arial" charset="0"/>
-                <a:ea typeface="Arial" charset="0"/>
-                <a:cs typeface="Arial" charset="0"/>
-              </a:rPr>
-              <a:t>labeled</a:t>
-            </a:r>
-            <a:r>
-              <a:rPr kumimoji="1" lang="zh-CN" altLang="en-US" sz="1000" dirty="0">
-                <a:latin typeface="Arial" charset="0"/>
-                <a:ea typeface="Arial" charset="0"/>
-                <a:cs typeface="Arial" charset="0"/>
-              </a:rPr>
-              <a:t> </a:t>
-            </a:r>
-            <a:r>
-              <a:rPr kumimoji="1" lang="en-US" altLang="zh-CN" sz="1000" dirty="0">
-                <a:latin typeface="Arial" charset="0"/>
-                <a:ea typeface="Arial" charset="0"/>
-                <a:cs typeface="Arial" charset="0"/>
-              </a:rPr>
-              <a:t>by</a:t>
-            </a:r>
-            <a:r>
-              <a:rPr kumimoji="1" lang="zh-CN" altLang="en-US" sz="1000" dirty="0">
-                <a:latin typeface="Arial" charset="0"/>
-                <a:ea typeface="Arial" charset="0"/>
-                <a:cs typeface="Arial" charset="0"/>
-              </a:rPr>
-              <a:t> </a:t>
-            </a:r>
-            <a:r>
-              <a:rPr kumimoji="1" lang="en-US" altLang="zh-CN" sz="1000" dirty="0">
-                <a:latin typeface="Arial" charset="0"/>
-                <a:ea typeface="Arial" charset="0"/>
-                <a:cs typeface="Arial" charset="0"/>
-              </a:rPr>
-              <a:t>dark</a:t>
-            </a:r>
-            <a:r>
-              <a:rPr kumimoji="1" lang="zh-CN" altLang="en-US" sz="1000" dirty="0">
-                <a:latin typeface="Arial" charset="0"/>
-                <a:ea typeface="Arial" charset="0"/>
-                <a:cs typeface="Arial" charset="0"/>
-              </a:rPr>
-              <a:t> </a:t>
-            </a:r>
-            <a:r>
-              <a:rPr kumimoji="1" lang="en-US" altLang="zh-CN" sz="1000" dirty="0">
-                <a:latin typeface="Arial" charset="0"/>
-                <a:ea typeface="Arial" charset="0"/>
-                <a:cs typeface="Arial" charset="0"/>
-              </a:rPr>
-              <a:t>blue</a:t>
-            </a:r>
-            <a:r>
-              <a:rPr kumimoji="1" lang="zh-CN" altLang="en-US" sz="1000" dirty="0">
-                <a:latin typeface="Arial" charset="0"/>
-                <a:ea typeface="Arial" charset="0"/>
-                <a:cs typeface="Arial" charset="0"/>
-              </a:rPr>
-              <a:t> </a:t>
-            </a:r>
-            <a:r>
-              <a:rPr kumimoji="1" lang="en-US" altLang="zh-CN" sz="1000" dirty="0">
-                <a:latin typeface="Arial" charset="0"/>
-                <a:ea typeface="Arial" charset="0"/>
-                <a:cs typeface="Arial" charset="0"/>
-              </a:rPr>
-              <a:t>and</a:t>
-            </a:r>
-            <a:r>
-              <a:rPr kumimoji="1" lang="zh-CN" altLang="en-US" sz="1000" dirty="0">
-                <a:latin typeface="Arial" charset="0"/>
-                <a:ea typeface="Arial" charset="0"/>
-                <a:cs typeface="Arial" charset="0"/>
-              </a:rPr>
-              <a:t> </a:t>
-            </a:r>
-            <a:r>
-              <a:rPr kumimoji="1" lang="en-US" altLang="zh-CN" sz="1000" dirty="0">
-                <a:latin typeface="Arial" charset="0"/>
-                <a:ea typeface="Arial" charset="0"/>
-                <a:cs typeface="Arial" charset="0"/>
-              </a:rPr>
-              <a:t>red,</a:t>
-            </a:r>
-            <a:r>
-              <a:rPr kumimoji="1" lang="zh-CN" altLang="en-US" sz="1000" dirty="0">
-                <a:latin typeface="Arial" charset="0"/>
-                <a:ea typeface="Arial" charset="0"/>
-                <a:cs typeface="Arial" charset="0"/>
-              </a:rPr>
-              <a:t> </a:t>
-            </a:r>
-            <a:r>
-              <a:rPr kumimoji="1" lang="en-US" altLang="zh-CN" sz="1000" dirty="0">
-                <a:latin typeface="Arial" charset="0"/>
-                <a:ea typeface="Arial" charset="0"/>
-                <a:cs typeface="Arial" charset="0"/>
-              </a:rPr>
-              <a:t>respectively.</a:t>
-            </a:r>
-            <a:r>
-              <a:rPr kumimoji="1" lang="zh-CN" altLang="en-US" sz="1000" dirty="0">
-                <a:latin typeface="Arial" charset="0"/>
-                <a:ea typeface="Arial" charset="0"/>
-                <a:cs typeface="Arial" charset="0"/>
-              </a:rPr>
-              <a:t>  </a:t>
-            </a:r>
-            <a:r>
-              <a:rPr kumimoji="1" lang="en-US" altLang="zh-CN" sz="1000" dirty="0">
-                <a:latin typeface="Arial" charset="0"/>
-                <a:ea typeface="Arial" charset="0"/>
-                <a:cs typeface="Arial" charset="0"/>
-              </a:rPr>
-              <a:t>Abbr.:</a:t>
-            </a:r>
-            <a:r>
-              <a:rPr kumimoji="1" lang="zh-CN" altLang="en-US" sz="1000" dirty="0">
-                <a:latin typeface="Arial" charset="0"/>
-                <a:ea typeface="Arial" charset="0"/>
-                <a:cs typeface="Arial" charset="0"/>
-              </a:rPr>
-              <a:t> </a:t>
-            </a:r>
-            <a:r>
-              <a:rPr kumimoji="1" lang="en-US" altLang="zh-CN" sz="1000" dirty="0">
-                <a:latin typeface="Arial" charset="0"/>
-                <a:ea typeface="Arial" charset="0"/>
-                <a:cs typeface="Arial" charset="0"/>
-              </a:rPr>
-              <a:t>SBS,</a:t>
-            </a:r>
-            <a:r>
-              <a:rPr kumimoji="1" lang="zh-CN" altLang="en-US" sz="1000" dirty="0">
-                <a:latin typeface="Arial" charset="0"/>
-                <a:ea typeface="Arial" charset="0"/>
-                <a:cs typeface="Arial" charset="0"/>
-              </a:rPr>
-              <a:t> </a:t>
-            </a:r>
-            <a:r>
-              <a:rPr kumimoji="1" lang="en-US" altLang="zh-CN" sz="1000" dirty="0">
-                <a:latin typeface="Arial" charset="0"/>
-                <a:ea typeface="Arial" charset="0"/>
-                <a:cs typeface="Arial" charset="0"/>
-              </a:rPr>
-              <a:t>single</a:t>
-            </a:r>
-            <a:r>
-              <a:rPr kumimoji="1" lang="zh-CN" altLang="en-US" sz="1000" dirty="0">
-                <a:latin typeface="Arial" charset="0"/>
-                <a:ea typeface="Arial" charset="0"/>
-                <a:cs typeface="Arial" charset="0"/>
-              </a:rPr>
-              <a:t> </a:t>
-            </a:r>
-            <a:r>
-              <a:rPr kumimoji="1" lang="en-US" altLang="zh-CN" sz="1000" dirty="0">
-                <a:latin typeface="Arial" charset="0"/>
-                <a:ea typeface="Arial" charset="0"/>
-                <a:cs typeface="Arial" charset="0"/>
-              </a:rPr>
-              <a:t>base</a:t>
-            </a:r>
-            <a:r>
-              <a:rPr kumimoji="1" lang="zh-CN" altLang="en-US" sz="1000" dirty="0">
-                <a:latin typeface="Arial" charset="0"/>
-                <a:ea typeface="Arial" charset="0"/>
-                <a:cs typeface="Arial" charset="0"/>
-              </a:rPr>
-              <a:t> </a:t>
-            </a:r>
-            <a:r>
-              <a:rPr kumimoji="1" lang="en-US" altLang="zh-CN" sz="1000" dirty="0">
-                <a:latin typeface="Arial" charset="0"/>
-                <a:ea typeface="Arial" charset="0"/>
-                <a:cs typeface="Arial" charset="0"/>
-              </a:rPr>
               <a:t>substitution;</a:t>
-            </a:r>
-            <a:r>
-              <a:rPr kumimoji="1" lang="zh-CN" altLang="en-US" sz="1000" dirty="0">
-                <a:latin typeface="Arial" charset="0"/>
-                <a:ea typeface="Arial" charset="0"/>
-                <a:cs typeface="Arial" charset="0"/>
-              </a:rPr>
-              <a:t> </a:t>
-            </a:r>
-            <a:r>
-              <a:rPr kumimoji="1" lang="en-US" altLang="zh-CN" sz="1000" dirty="0">
-                <a:latin typeface="Arial" charset="0"/>
-                <a:ea typeface="Arial" charset="0"/>
-                <a:cs typeface="Arial" charset="0"/>
-              </a:rPr>
-              <a:t>DBS,</a:t>
-            </a:r>
-            <a:r>
-              <a:rPr kumimoji="1" lang="zh-CN" altLang="en-US" sz="1000" dirty="0">
-                <a:latin typeface="Arial" charset="0"/>
-                <a:ea typeface="Arial" charset="0"/>
-                <a:cs typeface="Arial" charset="0"/>
-              </a:rPr>
-              <a:t> </a:t>
-            </a:r>
-            <a:r>
-              <a:rPr kumimoji="1" lang="en-US" altLang="zh-CN" sz="1000" dirty="0">
-                <a:latin typeface="Arial" charset="0"/>
-                <a:ea typeface="Arial" charset="0"/>
-                <a:cs typeface="Arial" charset="0"/>
-              </a:rPr>
-              <a:t>doublet</a:t>
-            </a:r>
-            <a:r>
-              <a:rPr kumimoji="1" lang="zh-CN" altLang="en-US" sz="1000" dirty="0">
-                <a:latin typeface="Arial" charset="0"/>
-                <a:ea typeface="Arial" charset="0"/>
-                <a:cs typeface="Arial" charset="0"/>
-              </a:rPr>
-              <a:t> </a:t>
-            </a:r>
-            <a:r>
-              <a:rPr kumimoji="1" lang="en-US" altLang="zh-CN" sz="1000" dirty="0">
-                <a:latin typeface="Arial" charset="0"/>
-                <a:ea typeface="Arial" charset="0"/>
-                <a:cs typeface="Arial" charset="0"/>
-              </a:rPr>
-              <a:t>base</a:t>
-            </a:r>
-            <a:r>
-              <a:rPr kumimoji="1" lang="zh-CN" altLang="en-US" sz="1000" dirty="0">
-                <a:latin typeface="Arial" charset="0"/>
-                <a:ea typeface="Arial" charset="0"/>
-                <a:cs typeface="Arial" charset="0"/>
-              </a:rPr>
-              <a:t> </a:t>
-            </a:r>
-            <a:r>
-              <a:rPr kumimoji="1" lang="en-US" altLang="zh-CN" sz="1000" dirty="0">
-                <a:latin typeface="Arial" charset="0"/>
-                <a:ea typeface="Arial" charset="0"/>
-                <a:cs typeface="Arial" charset="0"/>
-              </a:rPr>
-              <a:t>substitution;</a:t>
-            </a:r>
-            <a:r>
-              <a:rPr kumimoji="1" lang="zh-CN" altLang="en-US" sz="1000" dirty="0">
-                <a:latin typeface="Arial" charset="0"/>
-                <a:ea typeface="Arial" charset="0"/>
-                <a:cs typeface="Arial" charset="0"/>
-              </a:rPr>
-              <a:t> </a:t>
-            </a:r>
-            <a:r>
-              <a:rPr kumimoji="1" lang="en-US" altLang="zh-CN" sz="1000" dirty="0">
-                <a:latin typeface="Arial" charset="0"/>
-                <a:ea typeface="Arial" charset="0"/>
-                <a:cs typeface="Arial" charset="0"/>
-              </a:rPr>
-              <a:t>TSB,</a:t>
-            </a:r>
-            <a:r>
-              <a:rPr kumimoji="1" lang="zh-CN" altLang="en-US" sz="1000" dirty="0">
-                <a:latin typeface="Arial" charset="0"/>
-                <a:ea typeface="Arial" charset="0"/>
-                <a:cs typeface="Arial" charset="0"/>
-              </a:rPr>
-              <a:t> </a:t>
-            </a:r>
-            <a:r>
-              <a:rPr kumimoji="1" lang="en-US" altLang="zh-CN" sz="1000" dirty="0">
-                <a:latin typeface="Arial" charset="0"/>
-                <a:ea typeface="Arial" charset="0"/>
-                <a:cs typeface="Arial" charset="0"/>
-              </a:rPr>
-              <a:t>transcriptional</a:t>
-            </a:r>
-            <a:r>
-              <a:rPr kumimoji="1" lang="zh-CN" altLang="en-US" sz="1000" dirty="0">
-                <a:latin typeface="Arial" charset="0"/>
-                <a:ea typeface="Arial" charset="0"/>
-                <a:cs typeface="Arial" charset="0"/>
-              </a:rPr>
-              <a:t> </a:t>
-            </a:r>
-            <a:r>
-              <a:rPr kumimoji="1" lang="en-US" altLang="zh-CN" sz="1000" dirty="0">
-                <a:latin typeface="Arial" charset="0"/>
-                <a:ea typeface="Arial" charset="0"/>
-                <a:cs typeface="Arial" charset="0"/>
-              </a:rPr>
-              <a:t>strand</a:t>
-            </a:r>
-            <a:r>
-              <a:rPr kumimoji="1" lang="zh-CN" altLang="en-US" sz="1000" dirty="0">
-                <a:latin typeface="Arial" charset="0"/>
-                <a:ea typeface="Arial" charset="0"/>
-                <a:cs typeface="Arial" charset="0"/>
-              </a:rPr>
-              <a:t> </a:t>
-            </a:r>
-            <a:r>
-              <a:rPr kumimoji="1" lang="en-US" altLang="zh-CN" sz="1000" dirty="0">
-                <a:latin typeface="Arial" charset="0"/>
-                <a:ea typeface="Arial" charset="0"/>
-                <a:cs typeface="Arial" charset="0"/>
-              </a:rPr>
-              <a:t>bias;</a:t>
             </a:r>
             <a:r>
               <a:rPr kumimoji="1" lang="zh-CN" altLang="en-US" sz="1000" dirty="0">
@@ -9178,7 +9236,7 @@
           </p:nvPr>
         </p:nvPicPr>
         <p:blipFill>
-          <a:blip r:embed="rId2"/>
+          <a:blip r:embed="rId3"/>
           <a:stretch>
             <a:fillRect/>
           </a:stretch>
@@ -9205,7 +9263,7 @@
         <p:spPr>
           <a:xfrm>
             <a:off x="5432904" y="1058506"/>
-            <a:ext cx="1031051" cy="369332"/>
+            <a:ext cx="1184940" cy="369332"/>
           </a:xfrm>
           <a:prstGeom prst="rect">
             <a:avLst/>
@@ -9240,7 +9298,7 @@
                 <a:ea typeface="Arial" charset="0"/>
                 <a:cs typeface="Arial" charset="0"/>
               </a:rPr>
-              <a:t>2</a:t>
+              <a:t>S2</a:t>
             </a:r>
             <a:endParaRPr kumimoji="1" lang="zh-CN" altLang="en-US" dirty="0">
               <a:latin typeface="Arial" charset="0"/>
@@ -9470,6 +9528,158 @@
           </a:p>
         </p:txBody>
       </p:sp>
+      <p:sp>
+        <p:nvSpPr>
+          <p:cNvPr id="12" name="文本框 11">
+            <a:extLst>
+              <a:ext uri="{FF2B5EF4-FFF2-40B4-BE49-F238E27FC236}">
+                <a16:creationId xmlns:a16="http://schemas.microsoft.com/office/drawing/2014/main" id="{E1269946-3116-544E-998E-4B66AD1DD3D0}"/>
+              </a:ext>
+            </a:extLst>
+          </p:cNvPr>
+          <p:cNvSpPr txBox="1"/>
+          <p:nvPr/>
+        </p:nvSpPr>
+        <p:spPr>
+          <a:xfrm>
+            <a:off x="402955" y="5820271"/>
+            <a:ext cx="6250461" cy="2092881"/>
+          </a:xfrm>
+          <a:prstGeom prst="rect">
+            <a:avLst/>
+          </a:prstGeom>
+          <a:noFill/>
+        </p:spPr>
+        <p:txBody>
+          <a:bodyPr wrap="square" rtlCol="0">
+            <a:spAutoFit/>
+          </a:bodyPr>
+          <a:lstStyle/>
+          <a:p>
+            <a:r>
+              <a:rPr kumimoji="1" lang="en-US" altLang="zh-CN" sz="1000" dirty="0">
+                <a:latin typeface="Arial" charset="0"/>
+                <a:ea typeface="Arial" charset="0"/>
+                <a:cs typeface="Arial" charset="0"/>
+              </a:rPr>
+              <a:t>Fig. S2. Performance comparison of SBS signature extraction and fitting between </a:t>
+            </a:r>
+            <a:r>
+              <a:rPr kumimoji="1" lang="en-US" altLang="zh-CN" sz="1000" dirty="0" err="1">
+                <a:latin typeface="Arial" charset="0"/>
+                <a:ea typeface="Arial" charset="0"/>
+                <a:cs typeface="Arial" charset="0"/>
+              </a:rPr>
+              <a:t>Sigflow</a:t>
+            </a:r>
+            <a:r>
+              <a:rPr kumimoji="1" lang="en-US" altLang="zh-CN" sz="1000" dirty="0">
+                <a:latin typeface="Arial" charset="0"/>
+                <a:ea typeface="Arial" charset="0"/>
+                <a:cs typeface="Arial" charset="0"/>
+              </a:rPr>
+              <a:t> and some common used approaches in 214 PCAWG breast tumors. Distribution of (A) error and (B) cosine similarity between observed and reconstructed sample 96 motif mutation spectrum from de-novo extraction. Based on 13 SBS signatures are detected in PCAWG breast tumors (Nature 2020 paper), here all approaches but </a:t>
+            </a:r>
+            <a:r>
+              <a:rPr kumimoji="1" lang="en-US" altLang="zh-CN" sz="1000" dirty="0" err="1">
+                <a:latin typeface="Arial" charset="0"/>
+                <a:ea typeface="Arial" charset="0"/>
+                <a:cs typeface="Arial" charset="0"/>
+              </a:rPr>
+              <a:t>Sigflow:BayesianNMF</a:t>
+            </a:r>
+            <a:r>
+              <a:rPr kumimoji="1" lang="en-US" altLang="zh-CN" sz="1000" dirty="0">
+                <a:latin typeface="Arial" charset="0"/>
+                <a:ea typeface="Arial" charset="0"/>
+                <a:cs typeface="Arial" charset="0"/>
+              </a:rPr>
+              <a:t> were used to de-novo extract 13 signatures and compute and reconstructed mutation spectrum for each tumor. Bayesian NMF approach was started from initial signature 20 and 13 signatures were automatically selected and extracted (see Fig. S3). The de-novo signature extraction is time consuming, so no speed comparison is evaluated here. Distribution of (C) error and (D) cosine similarity between observed and reconstructed sample 96 motif mutation spectrum from reference signature fitting. Reference signatures are all SBS signatures from COSMIC</a:t>
+            </a:r>
+            <a:r>
+              <a:rPr kumimoji="1" lang="zh-CN" altLang="en-US" sz="1000" dirty="0">
+                <a:latin typeface="Arial" charset="0"/>
+                <a:ea typeface="Arial" charset="0"/>
+                <a:cs typeface="Arial" charset="0"/>
+              </a:rPr>
+              <a:t> </a:t>
+            </a:r>
+            <a:r>
+              <a:rPr kumimoji="1" lang="en-US" altLang="zh-CN" sz="1000" dirty="0">
+                <a:latin typeface="Arial" charset="0"/>
+                <a:ea typeface="Arial" charset="0"/>
+                <a:cs typeface="Arial" charset="0"/>
+              </a:rPr>
+              <a:t>signature</a:t>
+            </a:r>
+            <a:r>
+              <a:rPr kumimoji="1" lang="zh-CN" altLang="en-US" sz="1000" dirty="0">
+                <a:latin typeface="Arial" charset="0"/>
+                <a:ea typeface="Arial" charset="0"/>
+                <a:cs typeface="Arial" charset="0"/>
+              </a:rPr>
+              <a:t> </a:t>
+            </a:r>
+            <a:r>
+              <a:rPr kumimoji="1" lang="en-US" altLang="zh-CN" sz="1000" dirty="0">
+                <a:latin typeface="Arial" charset="0"/>
+                <a:ea typeface="Arial" charset="0"/>
+                <a:cs typeface="Arial" charset="0"/>
+              </a:rPr>
+              <a:t>v3 database (</a:t>
+            </a:r>
+            <a:r>
+              <a:rPr kumimoji="1" lang="en-US" altLang="zh-CN" sz="1000" dirty="0">
+                <a:latin typeface="Arial" charset="0"/>
+                <a:ea typeface="Arial" charset="0"/>
+                <a:cs typeface="Arial" charset="0"/>
+                <a:hlinkClick r:id="rId4"/>
+              </a:rPr>
+              <a:t>https://cancer.sanger.ac.uk/cosmic/signatures</a:t>
+            </a:r>
+            <a:r>
+              <a:rPr kumimoji="1" lang="en-US" altLang="zh-CN" sz="1000" dirty="0">
+                <a:latin typeface="Arial" charset="0"/>
+                <a:ea typeface="Arial" charset="0"/>
+                <a:cs typeface="Arial" charset="0"/>
+              </a:rPr>
+              <a:t>). Distribution of fitting time for single sample is shown in (E). The computation was repeated by 100 times and recorded by R package microbenchmark. Here, </a:t>
+            </a:r>
+            <a:r>
+              <a:rPr kumimoji="1" lang="en-US" altLang="zh-CN" sz="1000" dirty="0" err="1">
+                <a:latin typeface="Arial" charset="0"/>
+                <a:ea typeface="Arial" charset="0"/>
+                <a:cs typeface="Arial" charset="0"/>
+              </a:rPr>
+              <a:t>Sigflow</a:t>
+            </a:r>
+            <a:r>
+              <a:rPr kumimoji="1" lang="en-US" altLang="zh-CN" sz="1000" dirty="0">
+                <a:latin typeface="Arial" charset="0"/>
+                <a:ea typeface="Arial" charset="0"/>
+                <a:cs typeface="Arial" charset="0"/>
+              </a:rPr>
+              <a:t> takes extra time to print verbose information, so the speed is slower than </a:t>
+            </a:r>
+            <a:r>
+              <a:rPr kumimoji="1" lang="en-US" altLang="zh-CN" sz="1000" dirty="0" err="1">
+                <a:latin typeface="Arial" charset="0"/>
+                <a:ea typeface="Arial" charset="0"/>
+                <a:cs typeface="Arial" charset="0"/>
+              </a:rPr>
+              <a:t>MutationalPatterns</a:t>
+            </a:r>
+            <a:r>
+              <a:rPr kumimoji="1" lang="en-US" altLang="zh-CN" sz="1000" dirty="0">
+                <a:latin typeface="Arial" charset="0"/>
+                <a:ea typeface="Arial" charset="0"/>
+                <a:cs typeface="Arial" charset="0"/>
+              </a:rPr>
+              <a:t>.</a:t>
+            </a:r>
+          </a:p>
+        </p:txBody>
+      </p:sp>
     </p:spTree>
     <p:extLst>
       <p:ext uri="{BB962C8B-B14F-4D97-AF65-F5344CB8AC3E}">
@@ -9484,6 +9694,4327 @@
 </file>
 
 <file path=ppt/slides/slide4.xml><?xml version="1.0" encoding="utf-8"?>
+<p:sld xmlns:a="http://schemas.openxmlformats.org/drawingml/2006/main" xmlns:r="http://schemas.openxmlformats.org/officeDocument/2006/relationships" xmlns:p="http://schemas.openxmlformats.org/presentationml/2006/main">
+  <p:cSld>
+    <p:spTree>
+      <p:nvGrpSpPr>
+        <p:cNvPr id="1" name=""/>
+        <p:cNvGrpSpPr/>
+        <p:nvPr/>
+      </p:nvGrpSpPr>
+      <p:grpSpPr>
+        <a:xfrm>
+          <a:off x="0" y="0"/>
+          <a:ext cx="0" cy="0"/>
+          <a:chOff x="0" y="0"/>
+          <a:chExt cx="0" cy="0"/>
+        </a:xfrm>
+      </p:grpSpPr>
+      <p:pic>
+        <p:nvPicPr>
+          <p:cNvPr id="5" name="图片 4">
+            <a:extLst>
+              <a:ext uri="{FF2B5EF4-FFF2-40B4-BE49-F238E27FC236}">
+                <a16:creationId xmlns:a16="http://schemas.microsoft.com/office/drawing/2014/main" id="{48E31D8B-C936-C24E-8F2C-C00F7A0ABFB9}"/>
+              </a:ext>
+            </a:extLst>
+          </p:cNvPr>
+          <p:cNvPicPr>
+            <a:picLocks noChangeAspect="1"/>
+          </p:cNvPicPr>
+          <p:nvPr/>
+        </p:nvPicPr>
+        <p:blipFill>
+          <a:blip r:embed="rId2"/>
+          <a:stretch>
+            <a:fillRect/>
+          </a:stretch>
+        </p:blipFill>
+        <p:spPr>
+          <a:xfrm>
+            <a:off x="895701" y="4645825"/>
+            <a:ext cx="5215467" cy="2897482"/>
+          </a:xfrm>
+          <a:prstGeom prst="rect">
+            <a:avLst/>
+          </a:prstGeom>
+        </p:spPr>
+      </p:pic>
+      <p:graphicFrame>
+        <p:nvGraphicFramePr>
+          <p:cNvPr id="6" name="表格 5">
+            <a:extLst>
+              <a:ext uri="{FF2B5EF4-FFF2-40B4-BE49-F238E27FC236}">
+                <a16:creationId xmlns:a16="http://schemas.microsoft.com/office/drawing/2014/main" id="{245343A9-9BF0-304D-9E18-0C8F14B262F3}"/>
+              </a:ext>
+            </a:extLst>
+          </p:cNvPr>
+          <p:cNvGraphicFramePr>
+            <a:graphicFrameLocks noGrp="1"/>
+          </p:cNvGraphicFramePr>
+          <p:nvPr>
+            <p:extLst>
+              <p:ext uri="{D42A27DB-BD31-4B8C-83A1-F6EECF244321}">
+                <p14:modId xmlns:p14="http://schemas.microsoft.com/office/powerpoint/2010/main" val="2168364562"/>
+              </p:ext>
+            </p:extLst>
+          </p:nvPr>
+        </p:nvGraphicFramePr>
+        <p:xfrm>
+          <a:off x="895701" y="1800141"/>
+          <a:ext cx="1912000" cy="2631678"/>
+        </p:xfrm>
+        <a:graphic>
+          <a:graphicData uri="http://schemas.openxmlformats.org/drawingml/2006/table">
+            <a:tbl>
+              <a:tblPr/>
+              <a:tblGrid>
+                <a:gridCol w="270743">
+                  <a:extLst>
+                    <a:ext uri="{9D8B030D-6E8A-4147-A177-3AD203B41FA5}">
+                      <a16:colId xmlns:a16="http://schemas.microsoft.com/office/drawing/2014/main" val="1792608337"/>
+                    </a:ext>
+                  </a:extLst>
+                </a:gridCol>
+                <a:gridCol w="709082">
+                  <a:extLst>
+                    <a:ext uri="{9D8B030D-6E8A-4147-A177-3AD203B41FA5}">
+                      <a16:colId xmlns:a16="http://schemas.microsoft.com/office/drawing/2014/main" val="3336584429"/>
+                    </a:ext>
+                  </a:extLst>
+                </a:gridCol>
+                <a:gridCol w="932175">
+                  <a:extLst>
+                    <a:ext uri="{9D8B030D-6E8A-4147-A177-3AD203B41FA5}">
+                      <a16:colId xmlns:a16="http://schemas.microsoft.com/office/drawing/2014/main" val="298614047"/>
+                    </a:ext>
+                  </a:extLst>
+                </a:gridCol>
+              </a:tblGrid>
+              <a:tr h="125318">
+                <a:tc>
+                  <a:txBody>
+                    <a:bodyPr/>
+                    <a:lstStyle/>
+                    <a:p>
+                      <a:r>
+                        <a:rPr lang="en" sz="600" b="1">
+                          <a:solidFill>
+                            <a:srgbClr val="000000"/>
+                          </a:solidFill>
+                          <a:effectLst/>
+                          <a:latin typeface="Helvetica Neue" panose="02000503000000020004" pitchFamily="2" charset="0"/>
+                        </a:rPr>
+                        <a:t>Run</a:t>
+                      </a:r>
+                      <a:endParaRPr lang="en" sz="600">
+                        <a:effectLst/>
+                      </a:endParaRPr>
+                    </a:p>
+                  </a:txBody>
+                  <a:tcPr marL="16444" marR="16444" marT="16444" marB="16444">
+                    <a:lnL w="9525" cap="flat" cmpd="sng" algn="ctr">
+                      <a:solidFill>
+                        <a:srgbClr val="000000"/>
+                      </a:solidFill>
+                      <a:prstDash val="solid"/>
+                      <a:round/>
+                      <a:headEnd type="none" w="med" len="med"/>
+                      <a:tailEnd type="none" w="med" len="med"/>
+                    </a:lnL>
+                    <a:lnR w="9525" cap="flat" cmpd="sng" algn="ctr">
+                      <a:solidFill>
+                        <a:srgbClr val="000000"/>
+                      </a:solidFill>
+                      <a:prstDash val="solid"/>
+                      <a:round/>
+                      <a:headEnd type="none" w="med" len="med"/>
+                      <a:tailEnd type="none" w="med" len="med"/>
+                    </a:lnR>
+                    <a:lnT w="9525" cap="flat" cmpd="sng" algn="ctr">
+                      <a:solidFill>
+                        <a:srgbClr val="000000"/>
+                      </a:solidFill>
+                      <a:prstDash val="solid"/>
+                      <a:round/>
+                      <a:headEnd type="none" w="med" len="med"/>
+                      <a:tailEnd type="none" w="med" len="med"/>
+                    </a:lnT>
+                    <a:lnB w="9525" cap="flat" cmpd="sng" algn="ctr">
+                      <a:solidFill>
+                        <a:srgbClr val="000000"/>
+                      </a:solidFill>
+                      <a:prstDash val="solid"/>
+                      <a:round/>
+                      <a:headEnd type="none" w="med" len="med"/>
+                      <a:tailEnd type="none" w="med" len="med"/>
+                    </a:lnB>
+                    <a:solidFill>
+                      <a:srgbClr val="B0B3B2"/>
+                    </a:solidFill>
+                  </a:tcPr>
+                </a:tc>
+                <a:tc>
+                  <a:txBody>
+                    <a:bodyPr/>
+                    <a:lstStyle/>
+                    <a:p>
+                      <a:r>
+                        <a:rPr lang="en" sz="600" b="1" dirty="0">
+                          <a:solidFill>
+                            <a:srgbClr val="000000"/>
+                          </a:solidFill>
+                          <a:effectLst/>
+                          <a:latin typeface="Helvetica Neue" panose="02000503000000020004" pitchFamily="2" charset="0"/>
+                        </a:rPr>
+                        <a:t>Signature number</a:t>
+                      </a:r>
+                      <a:endParaRPr lang="en" sz="600" dirty="0">
+                        <a:effectLst/>
+                      </a:endParaRPr>
+                    </a:p>
+                  </a:txBody>
+                  <a:tcPr marL="16444" marR="16444" marT="16444" marB="16444">
+                    <a:lnL w="9525" cap="flat" cmpd="sng" algn="ctr">
+                      <a:solidFill>
+                        <a:srgbClr val="000000"/>
+                      </a:solidFill>
+                      <a:prstDash val="solid"/>
+                      <a:round/>
+                      <a:headEnd type="none" w="med" len="med"/>
+                      <a:tailEnd type="none" w="med" len="med"/>
+                    </a:lnL>
+                    <a:lnR w="9525" cap="flat" cmpd="sng" algn="ctr">
+                      <a:solidFill>
+                        <a:srgbClr val="000000"/>
+                      </a:solidFill>
+                      <a:prstDash val="solid"/>
+                      <a:round/>
+                      <a:headEnd type="none" w="med" len="med"/>
+                      <a:tailEnd type="none" w="med" len="med"/>
+                    </a:lnR>
+                    <a:lnT w="9525" cap="flat" cmpd="sng" algn="ctr">
+                      <a:solidFill>
+                        <a:srgbClr val="000000"/>
+                      </a:solidFill>
+                      <a:prstDash val="solid"/>
+                      <a:round/>
+                      <a:headEnd type="none" w="med" len="med"/>
+                      <a:tailEnd type="none" w="med" len="med"/>
+                    </a:lnT>
+                    <a:lnB w="9525" cap="flat" cmpd="sng" algn="ctr">
+                      <a:solidFill>
+                        <a:srgbClr val="000000"/>
+                      </a:solidFill>
+                      <a:prstDash val="solid"/>
+                      <a:round/>
+                      <a:headEnd type="none" w="med" len="med"/>
+                      <a:tailEnd type="none" w="med" len="med"/>
+                    </a:lnB>
+                    <a:solidFill>
+                      <a:srgbClr val="B0B3B2"/>
+                    </a:solidFill>
+                  </a:tcPr>
+                </a:tc>
+                <a:tc>
+                  <a:txBody>
+                    <a:bodyPr/>
+                    <a:lstStyle/>
+                    <a:p>
+                      <a:r>
+                        <a:rPr lang="en" sz="600" b="1" dirty="0">
+                          <a:solidFill>
+                            <a:srgbClr val="000000"/>
+                          </a:solidFill>
+                          <a:effectLst/>
+                          <a:latin typeface="Helvetica Neue" panose="02000503000000020004" pitchFamily="2" charset="0"/>
+                        </a:rPr>
+                        <a:t>Posterior</a:t>
+                      </a:r>
+                      <a:endParaRPr lang="en" sz="600" dirty="0">
+                        <a:effectLst/>
+                      </a:endParaRPr>
+                    </a:p>
+                  </a:txBody>
+                  <a:tcPr marL="16444" marR="16444" marT="16444" marB="16444">
+                    <a:lnL w="9525" cap="flat" cmpd="sng" algn="ctr">
+                      <a:solidFill>
+                        <a:srgbClr val="000000"/>
+                      </a:solidFill>
+                      <a:prstDash val="solid"/>
+                      <a:round/>
+                      <a:headEnd type="none" w="med" len="med"/>
+                      <a:tailEnd type="none" w="med" len="med"/>
+                    </a:lnL>
+                    <a:lnR w="9525" cap="flat" cmpd="sng" algn="ctr">
+                      <a:solidFill>
+                        <a:srgbClr val="000000"/>
+                      </a:solidFill>
+                      <a:prstDash val="solid"/>
+                      <a:round/>
+                      <a:headEnd type="none" w="med" len="med"/>
+                      <a:tailEnd type="none" w="med" len="med"/>
+                    </a:lnR>
+                    <a:lnT w="9525" cap="flat" cmpd="sng" algn="ctr">
+                      <a:solidFill>
+                        <a:srgbClr val="000000"/>
+                      </a:solidFill>
+                      <a:prstDash val="solid"/>
+                      <a:round/>
+                      <a:headEnd type="none" w="med" len="med"/>
+                      <a:tailEnd type="none" w="med" len="med"/>
+                    </a:lnT>
+                    <a:lnB w="9525" cap="flat" cmpd="sng" algn="ctr">
+                      <a:solidFill>
+                        <a:srgbClr val="000000"/>
+                      </a:solidFill>
+                      <a:prstDash val="solid"/>
+                      <a:round/>
+                      <a:headEnd type="none" w="med" len="med"/>
+                      <a:tailEnd type="none" w="med" len="med"/>
+                    </a:lnB>
+                    <a:solidFill>
+                      <a:srgbClr val="B0B3B2"/>
+                    </a:solidFill>
+                  </a:tcPr>
+                </a:tc>
+                <a:extLst>
+                  <a:ext uri="{0D108BD9-81ED-4DB2-BD59-A6C34878D82A}">
+                    <a16:rowId xmlns:a16="http://schemas.microsoft.com/office/drawing/2014/main" val="832329116"/>
+                  </a:ext>
+                </a:extLst>
+              </a:tr>
+              <a:tr h="125318">
+                <a:tc>
+                  <a:txBody>
+                    <a:bodyPr/>
+                    <a:lstStyle/>
+                    <a:p>
+                      <a:r>
+                        <a:rPr lang="en-US" altLang="zh-CN" sz="600" b="1">
+                          <a:solidFill>
+                            <a:srgbClr val="000000"/>
+                          </a:solidFill>
+                          <a:effectLst/>
+                          <a:latin typeface="Helvetica Neue" panose="02000503000000020004" pitchFamily="2" charset="0"/>
+                        </a:rPr>
+                        <a:t>20</a:t>
+                      </a:r>
+                      <a:endParaRPr lang="zh-CN" altLang="en-US" sz="600">
+                        <a:effectLst/>
+                      </a:endParaRPr>
+                    </a:p>
+                  </a:txBody>
+                  <a:tcPr marL="16444" marR="16444" marT="16444" marB="16444">
+                    <a:lnL w="9525" cap="flat" cmpd="sng" algn="ctr">
+                      <a:solidFill>
+                        <a:srgbClr val="000000"/>
+                      </a:solidFill>
+                      <a:prstDash val="solid"/>
+                      <a:round/>
+                      <a:headEnd type="none" w="med" len="med"/>
+                      <a:tailEnd type="none" w="med" len="med"/>
+                    </a:lnL>
+                    <a:lnR w="9525" cap="flat" cmpd="sng" algn="ctr">
+                      <a:solidFill>
+                        <a:srgbClr val="000000"/>
+                      </a:solidFill>
+                      <a:prstDash val="solid"/>
+                      <a:round/>
+                      <a:headEnd type="none" w="med" len="med"/>
+                      <a:tailEnd type="none" w="med" len="med"/>
+                    </a:lnR>
+                    <a:lnT w="9525" cap="flat" cmpd="sng" algn="ctr">
+                      <a:solidFill>
+                        <a:srgbClr val="000000"/>
+                      </a:solidFill>
+                      <a:prstDash val="solid"/>
+                      <a:round/>
+                      <a:headEnd type="none" w="med" len="med"/>
+                      <a:tailEnd type="none" w="med" len="med"/>
+                    </a:lnT>
+                    <a:lnB w="9525" cap="flat" cmpd="sng" algn="ctr">
+                      <a:solidFill>
+                        <a:srgbClr val="000000"/>
+                      </a:solidFill>
+                      <a:prstDash val="solid"/>
+                      <a:round/>
+                      <a:headEnd type="none" w="med" len="med"/>
+                      <a:tailEnd type="none" w="med" len="med"/>
+                    </a:lnB>
+                    <a:solidFill>
+                      <a:srgbClr val="D4D4D4"/>
+                    </a:solidFill>
+                  </a:tcPr>
+                </a:tc>
+                <a:tc>
+                  <a:txBody>
+                    <a:bodyPr/>
+                    <a:lstStyle/>
+                    <a:p>
+                      <a:r>
+                        <a:rPr lang="en-US" altLang="zh-CN" sz="600">
+                          <a:solidFill>
+                            <a:srgbClr val="000000"/>
+                          </a:solidFill>
+                          <a:effectLst/>
+                          <a:latin typeface="Helvetica Neue" panose="02000503000000020004" pitchFamily="2" charset="0"/>
+                        </a:rPr>
+                        <a:t>13</a:t>
+                      </a:r>
+                      <a:endParaRPr lang="zh-CN" altLang="en-US" sz="600">
+                        <a:effectLst/>
+                      </a:endParaRPr>
+                    </a:p>
+                  </a:txBody>
+                  <a:tcPr marL="16444" marR="16444" marT="16444" marB="16444">
+                    <a:lnL w="9525" cap="flat" cmpd="sng" algn="ctr">
+                      <a:solidFill>
+                        <a:srgbClr val="000000"/>
+                      </a:solidFill>
+                      <a:prstDash val="solid"/>
+                      <a:round/>
+                      <a:headEnd type="none" w="med" len="med"/>
+                      <a:tailEnd type="none" w="med" len="med"/>
+                    </a:lnL>
+                    <a:lnR w="9525" cap="flat" cmpd="sng" algn="ctr">
+                      <a:solidFill>
+                        <a:srgbClr val="000000"/>
+                      </a:solidFill>
+                      <a:prstDash val="solid"/>
+                      <a:round/>
+                      <a:headEnd type="none" w="med" len="med"/>
+                      <a:tailEnd type="none" w="med" len="med"/>
+                    </a:lnR>
+                    <a:lnT w="9525" cap="flat" cmpd="sng" algn="ctr">
+                      <a:solidFill>
+                        <a:srgbClr val="000000"/>
+                      </a:solidFill>
+                      <a:prstDash val="solid"/>
+                      <a:round/>
+                      <a:headEnd type="none" w="med" len="med"/>
+                      <a:tailEnd type="none" w="med" len="med"/>
+                    </a:lnT>
+                    <a:lnB w="9525" cap="flat" cmpd="sng" algn="ctr">
+                      <a:solidFill>
+                        <a:srgbClr val="000000"/>
+                      </a:solidFill>
+                      <a:prstDash val="solid"/>
+                      <a:round/>
+                      <a:headEnd type="none" w="med" len="med"/>
+                      <a:tailEnd type="none" w="med" len="med"/>
+                    </a:lnB>
+                  </a:tcPr>
+                </a:tc>
+                <a:tc>
+                  <a:txBody>
+                    <a:bodyPr/>
+                    <a:lstStyle/>
+                    <a:p>
+                      <a:r>
+                        <a:rPr lang="en-US" altLang="zh-CN" sz="600" dirty="0">
+                          <a:solidFill>
+                            <a:srgbClr val="000000"/>
+                          </a:solidFill>
+                          <a:effectLst/>
+                          <a:latin typeface="Helvetica Neue" panose="02000503000000020004" pitchFamily="2" charset="0"/>
+                        </a:rPr>
+                        <a:t>-13481.43071975890</a:t>
+                      </a:r>
+                      <a:endParaRPr lang="zh-CN" altLang="en-US" sz="600" dirty="0">
+                        <a:effectLst/>
+                      </a:endParaRPr>
+                    </a:p>
+                  </a:txBody>
+                  <a:tcPr marL="16444" marR="16444" marT="16444" marB="16444">
+                    <a:lnL w="9525" cap="flat" cmpd="sng" algn="ctr">
+                      <a:solidFill>
+                        <a:srgbClr val="000000"/>
+                      </a:solidFill>
+                      <a:prstDash val="solid"/>
+                      <a:round/>
+                      <a:headEnd type="none" w="med" len="med"/>
+                      <a:tailEnd type="none" w="med" len="med"/>
+                    </a:lnL>
+                    <a:lnR w="9525" cap="flat" cmpd="sng" algn="ctr">
+                      <a:solidFill>
+                        <a:srgbClr val="000000"/>
+                      </a:solidFill>
+                      <a:prstDash val="solid"/>
+                      <a:round/>
+                      <a:headEnd type="none" w="med" len="med"/>
+                      <a:tailEnd type="none" w="med" len="med"/>
+                    </a:lnR>
+                    <a:lnT w="9525" cap="flat" cmpd="sng" algn="ctr">
+                      <a:solidFill>
+                        <a:srgbClr val="000000"/>
+                      </a:solidFill>
+                      <a:prstDash val="solid"/>
+                      <a:round/>
+                      <a:headEnd type="none" w="med" len="med"/>
+                      <a:tailEnd type="none" w="med" len="med"/>
+                    </a:lnT>
+                    <a:lnB w="9525" cap="flat" cmpd="sng" algn="ctr">
+                      <a:solidFill>
+                        <a:srgbClr val="000000"/>
+                      </a:solidFill>
+                      <a:prstDash val="solid"/>
+                      <a:round/>
+                      <a:headEnd type="none" w="med" len="med"/>
+                      <a:tailEnd type="none" w="med" len="med"/>
+                    </a:lnB>
+                  </a:tcPr>
+                </a:tc>
+                <a:extLst>
+                  <a:ext uri="{0D108BD9-81ED-4DB2-BD59-A6C34878D82A}">
+                    <a16:rowId xmlns:a16="http://schemas.microsoft.com/office/drawing/2014/main" val="2244934367"/>
+                  </a:ext>
+                </a:extLst>
+              </a:tr>
+              <a:tr h="125318">
+                <a:tc>
+                  <a:txBody>
+                    <a:bodyPr/>
+                    <a:lstStyle/>
+                    <a:p>
+                      <a:r>
+                        <a:rPr lang="en-US" altLang="zh-CN" sz="600" b="1">
+                          <a:solidFill>
+                            <a:srgbClr val="000000"/>
+                          </a:solidFill>
+                          <a:effectLst/>
+                          <a:latin typeface="Helvetica Neue" panose="02000503000000020004" pitchFamily="2" charset="0"/>
+                        </a:rPr>
+                        <a:t>14</a:t>
+                      </a:r>
+                      <a:endParaRPr lang="zh-CN" altLang="en-US" sz="600">
+                        <a:effectLst/>
+                      </a:endParaRPr>
+                    </a:p>
+                  </a:txBody>
+                  <a:tcPr marL="16444" marR="16444" marT="16444" marB="16444">
+                    <a:lnL w="9525" cap="flat" cmpd="sng" algn="ctr">
+                      <a:solidFill>
+                        <a:srgbClr val="000000"/>
+                      </a:solidFill>
+                      <a:prstDash val="solid"/>
+                      <a:round/>
+                      <a:headEnd type="none" w="med" len="med"/>
+                      <a:tailEnd type="none" w="med" len="med"/>
+                    </a:lnL>
+                    <a:lnR w="9525" cap="flat" cmpd="sng" algn="ctr">
+                      <a:solidFill>
+                        <a:srgbClr val="000000"/>
+                      </a:solidFill>
+                      <a:prstDash val="solid"/>
+                      <a:round/>
+                      <a:headEnd type="none" w="med" len="med"/>
+                      <a:tailEnd type="none" w="med" len="med"/>
+                    </a:lnR>
+                    <a:lnT w="9525" cap="flat" cmpd="sng" algn="ctr">
+                      <a:solidFill>
+                        <a:srgbClr val="000000"/>
+                      </a:solidFill>
+                      <a:prstDash val="solid"/>
+                      <a:round/>
+                      <a:headEnd type="none" w="med" len="med"/>
+                      <a:tailEnd type="none" w="med" len="med"/>
+                    </a:lnT>
+                    <a:lnB w="9525" cap="flat" cmpd="sng" algn="ctr">
+                      <a:solidFill>
+                        <a:srgbClr val="000000"/>
+                      </a:solidFill>
+                      <a:prstDash val="solid"/>
+                      <a:round/>
+                      <a:headEnd type="none" w="med" len="med"/>
+                      <a:tailEnd type="none" w="med" len="med"/>
+                    </a:lnB>
+                    <a:solidFill>
+                      <a:srgbClr val="D4D4D4"/>
+                    </a:solidFill>
+                  </a:tcPr>
+                </a:tc>
+                <a:tc>
+                  <a:txBody>
+                    <a:bodyPr/>
+                    <a:lstStyle/>
+                    <a:p>
+                      <a:r>
+                        <a:rPr lang="en-US" altLang="zh-CN" sz="600">
+                          <a:solidFill>
+                            <a:srgbClr val="000000"/>
+                          </a:solidFill>
+                          <a:effectLst/>
+                          <a:latin typeface="Helvetica Neue" panose="02000503000000020004" pitchFamily="2" charset="0"/>
+                        </a:rPr>
+                        <a:t>13</a:t>
+                      </a:r>
+                      <a:endParaRPr lang="zh-CN" altLang="en-US" sz="600">
+                        <a:effectLst/>
+                      </a:endParaRPr>
+                    </a:p>
+                  </a:txBody>
+                  <a:tcPr marL="16444" marR="16444" marT="16444" marB="16444">
+                    <a:lnL w="9525" cap="flat" cmpd="sng" algn="ctr">
+                      <a:solidFill>
+                        <a:srgbClr val="000000"/>
+                      </a:solidFill>
+                      <a:prstDash val="solid"/>
+                      <a:round/>
+                      <a:headEnd type="none" w="med" len="med"/>
+                      <a:tailEnd type="none" w="med" len="med"/>
+                    </a:lnL>
+                    <a:lnR w="9525" cap="flat" cmpd="sng" algn="ctr">
+                      <a:solidFill>
+                        <a:srgbClr val="000000"/>
+                      </a:solidFill>
+                      <a:prstDash val="solid"/>
+                      <a:round/>
+                      <a:headEnd type="none" w="med" len="med"/>
+                      <a:tailEnd type="none" w="med" len="med"/>
+                    </a:lnR>
+                    <a:lnT w="9525" cap="flat" cmpd="sng" algn="ctr">
+                      <a:solidFill>
+                        <a:srgbClr val="000000"/>
+                      </a:solidFill>
+                      <a:prstDash val="solid"/>
+                      <a:round/>
+                      <a:headEnd type="none" w="med" len="med"/>
+                      <a:tailEnd type="none" w="med" len="med"/>
+                    </a:lnT>
+                    <a:lnB w="9525" cap="flat" cmpd="sng" algn="ctr">
+                      <a:solidFill>
+                        <a:srgbClr val="000000"/>
+                      </a:solidFill>
+                      <a:prstDash val="solid"/>
+                      <a:round/>
+                      <a:headEnd type="none" w="med" len="med"/>
+                      <a:tailEnd type="none" w="med" len="med"/>
+                    </a:lnB>
+                  </a:tcPr>
+                </a:tc>
+                <a:tc>
+                  <a:txBody>
+                    <a:bodyPr/>
+                    <a:lstStyle/>
+                    <a:p>
+                      <a:r>
+                        <a:rPr lang="en-US" altLang="zh-CN" sz="600" dirty="0">
+                          <a:solidFill>
+                            <a:srgbClr val="000000"/>
+                          </a:solidFill>
+                          <a:effectLst/>
+                          <a:latin typeface="Helvetica Neue" panose="02000503000000020004" pitchFamily="2" charset="0"/>
+                        </a:rPr>
+                        <a:t>-13482.900913046700</a:t>
+                      </a:r>
+                      <a:endParaRPr lang="zh-CN" altLang="en-US" sz="600" dirty="0">
+                        <a:effectLst/>
+                      </a:endParaRPr>
+                    </a:p>
+                  </a:txBody>
+                  <a:tcPr marL="16444" marR="16444" marT="16444" marB="16444">
+                    <a:lnL w="9525" cap="flat" cmpd="sng" algn="ctr">
+                      <a:solidFill>
+                        <a:srgbClr val="000000"/>
+                      </a:solidFill>
+                      <a:prstDash val="solid"/>
+                      <a:round/>
+                      <a:headEnd type="none" w="med" len="med"/>
+                      <a:tailEnd type="none" w="med" len="med"/>
+                    </a:lnL>
+                    <a:lnR w="9525" cap="flat" cmpd="sng" algn="ctr">
+                      <a:solidFill>
+                        <a:srgbClr val="000000"/>
+                      </a:solidFill>
+                      <a:prstDash val="solid"/>
+                      <a:round/>
+                      <a:headEnd type="none" w="med" len="med"/>
+                      <a:tailEnd type="none" w="med" len="med"/>
+                    </a:lnR>
+                    <a:lnT w="9525" cap="flat" cmpd="sng" algn="ctr">
+                      <a:solidFill>
+                        <a:srgbClr val="000000"/>
+                      </a:solidFill>
+                      <a:prstDash val="solid"/>
+                      <a:round/>
+                      <a:headEnd type="none" w="med" len="med"/>
+                      <a:tailEnd type="none" w="med" len="med"/>
+                    </a:lnT>
+                    <a:lnB w="9525" cap="flat" cmpd="sng" algn="ctr">
+                      <a:solidFill>
+                        <a:srgbClr val="000000"/>
+                      </a:solidFill>
+                      <a:prstDash val="solid"/>
+                      <a:round/>
+                      <a:headEnd type="none" w="med" len="med"/>
+                      <a:tailEnd type="none" w="med" len="med"/>
+                    </a:lnB>
+                  </a:tcPr>
+                </a:tc>
+                <a:extLst>
+                  <a:ext uri="{0D108BD9-81ED-4DB2-BD59-A6C34878D82A}">
+                    <a16:rowId xmlns:a16="http://schemas.microsoft.com/office/drawing/2014/main" val="2862058450"/>
+                  </a:ext>
+                </a:extLst>
+              </a:tr>
+              <a:tr h="125318">
+                <a:tc>
+                  <a:txBody>
+                    <a:bodyPr/>
+                    <a:lstStyle/>
+                    <a:p>
+                      <a:r>
+                        <a:rPr lang="en-US" altLang="zh-CN" sz="600" b="1">
+                          <a:solidFill>
+                            <a:srgbClr val="000000"/>
+                          </a:solidFill>
+                          <a:effectLst/>
+                          <a:latin typeface="Helvetica Neue" panose="02000503000000020004" pitchFamily="2" charset="0"/>
+                        </a:rPr>
+                        <a:t>3</a:t>
+                      </a:r>
+                      <a:endParaRPr lang="zh-CN" altLang="en-US" sz="600">
+                        <a:effectLst/>
+                      </a:endParaRPr>
+                    </a:p>
+                  </a:txBody>
+                  <a:tcPr marL="16444" marR="16444" marT="16444" marB="16444">
+                    <a:lnL w="9525" cap="flat" cmpd="sng" algn="ctr">
+                      <a:solidFill>
+                        <a:srgbClr val="000000"/>
+                      </a:solidFill>
+                      <a:prstDash val="solid"/>
+                      <a:round/>
+                      <a:headEnd type="none" w="med" len="med"/>
+                      <a:tailEnd type="none" w="med" len="med"/>
+                    </a:lnL>
+                    <a:lnR w="9525" cap="flat" cmpd="sng" algn="ctr">
+                      <a:solidFill>
+                        <a:srgbClr val="000000"/>
+                      </a:solidFill>
+                      <a:prstDash val="solid"/>
+                      <a:round/>
+                      <a:headEnd type="none" w="med" len="med"/>
+                      <a:tailEnd type="none" w="med" len="med"/>
+                    </a:lnR>
+                    <a:lnT w="9525" cap="flat" cmpd="sng" algn="ctr">
+                      <a:solidFill>
+                        <a:srgbClr val="000000"/>
+                      </a:solidFill>
+                      <a:prstDash val="solid"/>
+                      <a:round/>
+                      <a:headEnd type="none" w="med" len="med"/>
+                      <a:tailEnd type="none" w="med" len="med"/>
+                    </a:lnT>
+                    <a:lnB w="9525" cap="flat" cmpd="sng" algn="ctr">
+                      <a:solidFill>
+                        <a:srgbClr val="000000"/>
+                      </a:solidFill>
+                      <a:prstDash val="solid"/>
+                      <a:round/>
+                      <a:headEnd type="none" w="med" len="med"/>
+                      <a:tailEnd type="none" w="med" len="med"/>
+                    </a:lnB>
+                    <a:solidFill>
+                      <a:srgbClr val="D4D4D4"/>
+                    </a:solidFill>
+                  </a:tcPr>
+                </a:tc>
+                <a:tc>
+                  <a:txBody>
+                    <a:bodyPr/>
+                    <a:lstStyle/>
+                    <a:p>
+                      <a:r>
+                        <a:rPr lang="en-US" altLang="zh-CN" sz="600">
+                          <a:solidFill>
+                            <a:srgbClr val="000000"/>
+                          </a:solidFill>
+                          <a:effectLst/>
+                          <a:latin typeface="Helvetica Neue" panose="02000503000000020004" pitchFamily="2" charset="0"/>
+                        </a:rPr>
+                        <a:t>14</a:t>
+                      </a:r>
+                      <a:endParaRPr lang="zh-CN" altLang="en-US" sz="600">
+                        <a:effectLst/>
+                      </a:endParaRPr>
+                    </a:p>
+                  </a:txBody>
+                  <a:tcPr marL="16444" marR="16444" marT="16444" marB="16444">
+                    <a:lnL w="9525" cap="flat" cmpd="sng" algn="ctr">
+                      <a:solidFill>
+                        <a:srgbClr val="000000"/>
+                      </a:solidFill>
+                      <a:prstDash val="solid"/>
+                      <a:round/>
+                      <a:headEnd type="none" w="med" len="med"/>
+                      <a:tailEnd type="none" w="med" len="med"/>
+                    </a:lnL>
+                    <a:lnR w="9525" cap="flat" cmpd="sng" algn="ctr">
+                      <a:solidFill>
+                        <a:srgbClr val="000000"/>
+                      </a:solidFill>
+                      <a:prstDash val="solid"/>
+                      <a:round/>
+                      <a:headEnd type="none" w="med" len="med"/>
+                      <a:tailEnd type="none" w="med" len="med"/>
+                    </a:lnR>
+                    <a:lnT w="9525" cap="flat" cmpd="sng" algn="ctr">
+                      <a:solidFill>
+                        <a:srgbClr val="000000"/>
+                      </a:solidFill>
+                      <a:prstDash val="solid"/>
+                      <a:round/>
+                      <a:headEnd type="none" w="med" len="med"/>
+                      <a:tailEnd type="none" w="med" len="med"/>
+                    </a:lnT>
+                    <a:lnB w="9525" cap="flat" cmpd="sng" algn="ctr">
+                      <a:solidFill>
+                        <a:srgbClr val="000000"/>
+                      </a:solidFill>
+                      <a:prstDash val="solid"/>
+                      <a:round/>
+                      <a:headEnd type="none" w="med" len="med"/>
+                      <a:tailEnd type="none" w="med" len="med"/>
+                    </a:lnB>
+                  </a:tcPr>
+                </a:tc>
+                <a:tc>
+                  <a:txBody>
+                    <a:bodyPr/>
+                    <a:lstStyle/>
+                    <a:p>
+                      <a:r>
+                        <a:rPr lang="en-US" altLang="zh-CN" sz="600">
+                          <a:solidFill>
+                            <a:srgbClr val="000000"/>
+                          </a:solidFill>
+                          <a:effectLst/>
+                          <a:latin typeface="Helvetica Neue" panose="02000503000000020004" pitchFamily="2" charset="0"/>
+                        </a:rPr>
+                        <a:t>-13879.256323790000</a:t>
+                      </a:r>
+                      <a:endParaRPr lang="zh-CN" altLang="en-US" sz="600">
+                        <a:effectLst/>
+                      </a:endParaRPr>
+                    </a:p>
+                  </a:txBody>
+                  <a:tcPr marL="16444" marR="16444" marT="16444" marB="16444">
+                    <a:lnL w="9525" cap="flat" cmpd="sng" algn="ctr">
+                      <a:solidFill>
+                        <a:srgbClr val="000000"/>
+                      </a:solidFill>
+                      <a:prstDash val="solid"/>
+                      <a:round/>
+                      <a:headEnd type="none" w="med" len="med"/>
+                      <a:tailEnd type="none" w="med" len="med"/>
+                    </a:lnL>
+                    <a:lnR w="9525" cap="flat" cmpd="sng" algn="ctr">
+                      <a:solidFill>
+                        <a:srgbClr val="000000"/>
+                      </a:solidFill>
+                      <a:prstDash val="solid"/>
+                      <a:round/>
+                      <a:headEnd type="none" w="med" len="med"/>
+                      <a:tailEnd type="none" w="med" len="med"/>
+                    </a:lnR>
+                    <a:lnT w="9525" cap="flat" cmpd="sng" algn="ctr">
+                      <a:solidFill>
+                        <a:srgbClr val="000000"/>
+                      </a:solidFill>
+                      <a:prstDash val="solid"/>
+                      <a:round/>
+                      <a:headEnd type="none" w="med" len="med"/>
+                      <a:tailEnd type="none" w="med" len="med"/>
+                    </a:lnT>
+                    <a:lnB w="9525" cap="flat" cmpd="sng" algn="ctr">
+                      <a:solidFill>
+                        <a:srgbClr val="000000"/>
+                      </a:solidFill>
+                      <a:prstDash val="solid"/>
+                      <a:round/>
+                      <a:headEnd type="none" w="med" len="med"/>
+                      <a:tailEnd type="none" w="med" len="med"/>
+                    </a:lnB>
+                  </a:tcPr>
+                </a:tc>
+                <a:extLst>
+                  <a:ext uri="{0D108BD9-81ED-4DB2-BD59-A6C34878D82A}">
+                    <a16:rowId xmlns:a16="http://schemas.microsoft.com/office/drawing/2014/main" val="2287654031"/>
+                  </a:ext>
+                </a:extLst>
+              </a:tr>
+              <a:tr h="125318">
+                <a:tc>
+                  <a:txBody>
+                    <a:bodyPr/>
+                    <a:lstStyle/>
+                    <a:p>
+                      <a:r>
+                        <a:rPr lang="en-US" altLang="zh-CN" sz="600" b="1">
+                          <a:solidFill>
+                            <a:srgbClr val="000000"/>
+                          </a:solidFill>
+                          <a:effectLst/>
+                          <a:latin typeface="Helvetica Neue" panose="02000503000000020004" pitchFamily="2" charset="0"/>
+                        </a:rPr>
+                        <a:t>8</a:t>
+                      </a:r>
+                      <a:endParaRPr lang="zh-CN" altLang="en-US" sz="600">
+                        <a:effectLst/>
+                      </a:endParaRPr>
+                    </a:p>
+                  </a:txBody>
+                  <a:tcPr marL="16444" marR="16444" marT="16444" marB="16444">
+                    <a:lnL w="9525" cap="flat" cmpd="sng" algn="ctr">
+                      <a:solidFill>
+                        <a:srgbClr val="000000"/>
+                      </a:solidFill>
+                      <a:prstDash val="solid"/>
+                      <a:round/>
+                      <a:headEnd type="none" w="med" len="med"/>
+                      <a:tailEnd type="none" w="med" len="med"/>
+                    </a:lnL>
+                    <a:lnR w="9525" cap="flat" cmpd="sng" algn="ctr">
+                      <a:solidFill>
+                        <a:srgbClr val="000000"/>
+                      </a:solidFill>
+                      <a:prstDash val="solid"/>
+                      <a:round/>
+                      <a:headEnd type="none" w="med" len="med"/>
+                      <a:tailEnd type="none" w="med" len="med"/>
+                    </a:lnR>
+                    <a:lnT w="9525" cap="flat" cmpd="sng" algn="ctr">
+                      <a:solidFill>
+                        <a:srgbClr val="000000"/>
+                      </a:solidFill>
+                      <a:prstDash val="solid"/>
+                      <a:round/>
+                      <a:headEnd type="none" w="med" len="med"/>
+                      <a:tailEnd type="none" w="med" len="med"/>
+                    </a:lnT>
+                    <a:lnB w="9525" cap="flat" cmpd="sng" algn="ctr">
+                      <a:solidFill>
+                        <a:srgbClr val="000000"/>
+                      </a:solidFill>
+                      <a:prstDash val="solid"/>
+                      <a:round/>
+                      <a:headEnd type="none" w="med" len="med"/>
+                      <a:tailEnd type="none" w="med" len="med"/>
+                    </a:lnB>
+                    <a:solidFill>
+                      <a:srgbClr val="D4D4D4"/>
+                    </a:solidFill>
+                  </a:tcPr>
+                </a:tc>
+                <a:tc>
+                  <a:txBody>
+                    <a:bodyPr/>
+                    <a:lstStyle/>
+                    <a:p>
+                      <a:r>
+                        <a:rPr lang="en-US" altLang="zh-CN" sz="600">
+                          <a:solidFill>
+                            <a:srgbClr val="000000"/>
+                          </a:solidFill>
+                          <a:effectLst/>
+                          <a:latin typeface="Helvetica Neue" panose="02000503000000020004" pitchFamily="2" charset="0"/>
+                        </a:rPr>
+                        <a:t>14</a:t>
+                      </a:r>
+                      <a:endParaRPr lang="zh-CN" altLang="en-US" sz="600">
+                        <a:effectLst/>
+                      </a:endParaRPr>
+                    </a:p>
+                  </a:txBody>
+                  <a:tcPr marL="16444" marR="16444" marT="16444" marB="16444">
+                    <a:lnL w="9525" cap="flat" cmpd="sng" algn="ctr">
+                      <a:solidFill>
+                        <a:srgbClr val="000000"/>
+                      </a:solidFill>
+                      <a:prstDash val="solid"/>
+                      <a:round/>
+                      <a:headEnd type="none" w="med" len="med"/>
+                      <a:tailEnd type="none" w="med" len="med"/>
+                    </a:lnL>
+                    <a:lnR w="9525" cap="flat" cmpd="sng" algn="ctr">
+                      <a:solidFill>
+                        <a:srgbClr val="000000"/>
+                      </a:solidFill>
+                      <a:prstDash val="solid"/>
+                      <a:round/>
+                      <a:headEnd type="none" w="med" len="med"/>
+                      <a:tailEnd type="none" w="med" len="med"/>
+                    </a:lnR>
+                    <a:lnT w="9525" cap="flat" cmpd="sng" algn="ctr">
+                      <a:solidFill>
+                        <a:srgbClr val="000000"/>
+                      </a:solidFill>
+                      <a:prstDash val="solid"/>
+                      <a:round/>
+                      <a:headEnd type="none" w="med" len="med"/>
+                      <a:tailEnd type="none" w="med" len="med"/>
+                    </a:lnT>
+                    <a:lnB w="9525" cap="flat" cmpd="sng" algn="ctr">
+                      <a:solidFill>
+                        <a:srgbClr val="000000"/>
+                      </a:solidFill>
+                      <a:prstDash val="solid"/>
+                      <a:round/>
+                      <a:headEnd type="none" w="med" len="med"/>
+                      <a:tailEnd type="none" w="med" len="med"/>
+                    </a:lnB>
+                  </a:tcPr>
+                </a:tc>
+                <a:tc>
+                  <a:txBody>
+                    <a:bodyPr/>
+                    <a:lstStyle/>
+                    <a:p>
+                      <a:r>
+                        <a:rPr lang="en-US" altLang="zh-CN" sz="600">
+                          <a:solidFill>
+                            <a:srgbClr val="000000"/>
+                          </a:solidFill>
+                          <a:effectLst/>
+                          <a:latin typeface="Helvetica Neue" panose="02000503000000020004" pitchFamily="2" charset="0"/>
+                        </a:rPr>
+                        <a:t>-13980.186397149100</a:t>
+                      </a:r>
+                      <a:endParaRPr lang="zh-CN" altLang="en-US" sz="600">
+                        <a:effectLst/>
+                      </a:endParaRPr>
+                    </a:p>
+                  </a:txBody>
+                  <a:tcPr marL="16444" marR="16444" marT="16444" marB="16444">
+                    <a:lnL w="9525" cap="flat" cmpd="sng" algn="ctr">
+                      <a:solidFill>
+                        <a:srgbClr val="000000"/>
+                      </a:solidFill>
+                      <a:prstDash val="solid"/>
+                      <a:round/>
+                      <a:headEnd type="none" w="med" len="med"/>
+                      <a:tailEnd type="none" w="med" len="med"/>
+                    </a:lnL>
+                    <a:lnR w="9525" cap="flat" cmpd="sng" algn="ctr">
+                      <a:solidFill>
+                        <a:srgbClr val="000000"/>
+                      </a:solidFill>
+                      <a:prstDash val="solid"/>
+                      <a:round/>
+                      <a:headEnd type="none" w="med" len="med"/>
+                      <a:tailEnd type="none" w="med" len="med"/>
+                    </a:lnR>
+                    <a:lnT w="9525" cap="flat" cmpd="sng" algn="ctr">
+                      <a:solidFill>
+                        <a:srgbClr val="000000"/>
+                      </a:solidFill>
+                      <a:prstDash val="solid"/>
+                      <a:round/>
+                      <a:headEnd type="none" w="med" len="med"/>
+                      <a:tailEnd type="none" w="med" len="med"/>
+                    </a:lnT>
+                    <a:lnB w="9525" cap="flat" cmpd="sng" algn="ctr">
+                      <a:solidFill>
+                        <a:srgbClr val="000000"/>
+                      </a:solidFill>
+                      <a:prstDash val="solid"/>
+                      <a:round/>
+                      <a:headEnd type="none" w="med" len="med"/>
+                      <a:tailEnd type="none" w="med" len="med"/>
+                    </a:lnB>
+                  </a:tcPr>
+                </a:tc>
+                <a:extLst>
+                  <a:ext uri="{0D108BD9-81ED-4DB2-BD59-A6C34878D82A}">
+                    <a16:rowId xmlns:a16="http://schemas.microsoft.com/office/drawing/2014/main" val="2203517917"/>
+                  </a:ext>
+                </a:extLst>
+              </a:tr>
+              <a:tr h="125318">
+                <a:tc>
+                  <a:txBody>
+                    <a:bodyPr/>
+                    <a:lstStyle/>
+                    <a:p>
+                      <a:r>
+                        <a:rPr lang="en-US" altLang="zh-CN" sz="600" b="1">
+                          <a:solidFill>
+                            <a:srgbClr val="000000"/>
+                          </a:solidFill>
+                          <a:effectLst/>
+                          <a:latin typeface="Helvetica Neue" panose="02000503000000020004" pitchFamily="2" charset="0"/>
+                        </a:rPr>
+                        <a:t>18</a:t>
+                      </a:r>
+                      <a:endParaRPr lang="zh-CN" altLang="en-US" sz="600">
+                        <a:effectLst/>
+                      </a:endParaRPr>
+                    </a:p>
+                  </a:txBody>
+                  <a:tcPr marL="16444" marR="16444" marT="16444" marB="16444">
+                    <a:lnL w="9525" cap="flat" cmpd="sng" algn="ctr">
+                      <a:solidFill>
+                        <a:srgbClr val="000000"/>
+                      </a:solidFill>
+                      <a:prstDash val="solid"/>
+                      <a:round/>
+                      <a:headEnd type="none" w="med" len="med"/>
+                      <a:tailEnd type="none" w="med" len="med"/>
+                    </a:lnL>
+                    <a:lnR w="9525" cap="flat" cmpd="sng" algn="ctr">
+                      <a:solidFill>
+                        <a:srgbClr val="000000"/>
+                      </a:solidFill>
+                      <a:prstDash val="solid"/>
+                      <a:round/>
+                      <a:headEnd type="none" w="med" len="med"/>
+                      <a:tailEnd type="none" w="med" len="med"/>
+                    </a:lnR>
+                    <a:lnT w="9525" cap="flat" cmpd="sng" algn="ctr">
+                      <a:solidFill>
+                        <a:srgbClr val="000000"/>
+                      </a:solidFill>
+                      <a:prstDash val="solid"/>
+                      <a:round/>
+                      <a:headEnd type="none" w="med" len="med"/>
+                      <a:tailEnd type="none" w="med" len="med"/>
+                    </a:lnT>
+                    <a:lnB w="9525" cap="flat" cmpd="sng" algn="ctr">
+                      <a:solidFill>
+                        <a:srgbClr val="000000"/>
+                      </a:solidFill>
+                      <a:prstDash val="solid"/>
+                      <a:round/>
+                      <a:headEnd type="none" w="med" len="med"/>
+                      <a:tailEnd type="none" w="med" len="med"/>
+                    </a:lnB>
+                    <a:solidFill>
+                      <a:srgbClr val="D4D4D4"/>
+                    </a:solidFill>
+                  </a:tcPr>
+                </a:tc>
+                <a:tc>
+                  <a:txBody>
+                    <a:bodyPr/>
+                    <a:lstStyle/>
+                    <a:p>
+                      <a:r>
+                        <a:rPr lang="en-US" altLang="zh-CN" sz="600">
+                          <a:solidFill>
+                            <a:srgbClr val="000000"/>
+                          </a:solidFill>
+                          <a:effectLst/>
+                          <a:latin typeface="Helvetica Neue" panose="02000503000000020004" pitchFamily="2" charset="0"/>
+                        </a:rPr>
+                        <a:t>15</a:t>
+                      </a:r>
+                      <a:endParaRPr lang="zh-CN" altLang="en-US" sz="600">
+                        <a:effectLst/>
+                      </a:endParaRPr>
+                    </a:p>
+                  </a:txBody>
+                  <a:tcPr marL="16444" marR="16444" marT="16444" marB="16444">
+                    <a:lnL w="9525" cap="flat" cmpd="sng" algn="ctr">
+                      <a:solidFill>
+                        <a:srgbClr val="000000"/>
+                      </a:solidFill>
+                      <a:prstDash val="solid"/>
+                      <a:round/>
+                      <a:headEnd type="none" w="med" len="med"/>
+                      <a:tailEnd type="none" w="med" len="med"/>
+                    </a:lnL>
+                    <a:lnR w="9525" cap="flat" cmpd="sng" algn="ctr">
+                      <a:solidFill>
+                        <a:srgbClr val="000000"/>
+                      </a:solidFill>
+                      <a:prstDash val="solid"/>
+                      <a:round/>
+                      <a:headEnd type="none" w="med" len="med"/>
+                      <a:tailEnd type="none" w="med" len="med"/>
+                    </a:lnR>
+                    <a:lnT w="9525" cap="flat" cmpd="sng" algn="ctr">
+                      <a:solidFill>
+                        <a:srgbClr val="000000"/>
+                      </a:solidFill>
+                      <a:prstDash val="solid"/>
+                      <a:round/>
+                      <a:headEnd type="none" w="med" len="med"/>
+                      <a:tailEnd type="none" w="med" len="med"/>
+                    </a:lnT>
+                    <a:lnB w="9525" cap="flat" cmpd="sng" algn="ctr">
+                      <a:solidFill>
+                        <a:srgbClr val="000000"/>
+                      </a:solidFill>
+                      <a:prstDash val="solid"/>
+                      <a:round/>
+                      <a:headEnd type="none" w="med" len="med"/>
+                      <a:tailEnd type="none" w="med" len="med"/>
+                    </a:lnB>
+                  </a:tcPr>
+                </a:tc>
+                <a:tc>
+                  <a:txBody>
+                    <a:bodyPr/>
+                    <a:lstStyle/>
+                    <a:p>
+                      <a:r>
+                        <a:rPr lang="en-US" altLang="zh-CN" sz="600">
+                          <a:solidFill>
+                            <a:srgbClr val="000000"/>
+                          </a:solidFill>
+                          <a:effectLst/>
+                          <a:latin typeface="Helvetica Neue" panose="02000503000000020004" pitchFamily="2" charset="0"/>
+                        </a:rPr>
+                        <a:t>-14208.742754524600</a:t>
+                      </a:r>
+                      <a:endParaRPr lang="zh-CN" altLang="en-US" sz="600">
+                        <a:effectLst/>
+                      </a:endParaRPr>
+                    </a:p>
+                  </a:txBody>
+                  <a:tcPr marL="16444" marR="16444" marT="16444" marB="16444">
+                    <a:lnL w="9525" cap="flat" cmpd="sng" algn="ctr">
+                      <a:solidFill>
+                        <a:srgbClr val="000000"/>
+                      </a:solidFill>
+                      <a:prstDash val="solid"/>
+                      <a:round/>
+                      <a:headEnd type="none" w="med" len="med"/>
+                      <a:tailEnd type="none" w="med" len="med"/>
+                    </a:lnL>
+                    <a:lnR w="9525" cap="flat" cmpd="sng" algn="ctr">
+                      <a:solidFill>
+                        <a:srgbClr val="000000"/>
+                      </a:solidFill>
+                      <a:prstDash val="solid"/>
+                      <a:round/>
+                      <a:headEnd type="none" w="med" len="med"/>
+                      <a:tailEnd type="none" w="med" len="med"/>
+                    </a:lnR>
+                    <a:lnT w="9525" cap="flat" cmpd="sng" algn="ctr">
+                      <a:solidFill>
+                        <a:srgbClr val="000000"/>
+                      </a:solidFill>
+                      <a:prstDash val="solid"/>
+                      <a:round/>
+                      <a:headEnd type="none" w="med" len="med"/>
+                      <a:tailEnd type="none" w="med" len="med"/>
+                    </a:lnT>
+                    <a:lnB w="9525" cap="flat" cmpd="sng" algn="ctr">
+                      <a:solidFill>
+                        <a:srgbClr val="000000"/>
+                      </a:solidFill>
+                      <a:prstDash val="solid"/>
+                      <a:round/>
+                      <a:headEnd type="none" w="med" len="med"/>
+                      <a:tailEnd type="none" w="med" len="med"/>
+                    </a:lnB>
+                  </a:tcPr>
+                </a:tc>
+                <a:extLst>
+                  <a:ext uri="{0D108BD9-81ED-4DB2-BD59-A6C34878D82A}">
+                    <a16:rowId xmlns:a16="http://schemas.microsoft.com/office/drawing/2014/main" val="2598914510"/>
+                  </a:ext>
+                </a:extLst>
+              </a:tr>
+              <a:tr h="125318">
+                <a:tc>
+                  <a:txBody>
+                    <a:bodyPr/>
+                    <a:lstStyle/>
+                    <a:p>
+                      <a:r>
+                        <a:rPr lang="en-US" altLang="zh-CN" sz="600" b="1">
+                          <a:solidFill>
+                            <a:srgbClr val="000000"/>
+                          </a:solidFill>
+                          <a:effectLst/>
+                          <a:latin typeface="Helvetica Neue" panose="02000503000000020004" pitchFamily="2" charset="0"/>
+                        </a:rPr>
+                        <a:t>12</a:t>
+                      </a:r>
+                      <a:endParaRPr lang="zh-CN" altLang="en-US" sz="600">
+                        <a:effectLst/>
+                      </a:endParaRPr>
+                    </a:p>
+                  </a:txBody>
+                  <a:tcPr marL="16444" marR="16444" marT="16444" marB="16444">
+                    <a:lnL w="9525" cap="flat" cmpd="sng" algn="ctr">
+                      <a:solidFill>
+                        <a:srgbClr val="000000"/>
+                      </a:solidFill>
+                      <a:prstDash val="solid"/>
+                      <a:round/>
+                      <a:headEnd type="none" w="med" len="med"/>
+                      <a:tailEnd type="none" w="med" len="med"/>
+                    </a:lnL>
+                    <a:lnR w="9525" cap="flat" cmpd="sng" algn="ctr">
+                      <a:solidFill>
+                        <a:srgbClr val="000000"/>
+                      </a:solidFill>
+                      <a:prstDash val="solid"/>
+                      <a:round/>
+                      <a:headEnd type="none" w="med" len="med"/>
+                      <a:tailEnd type="none" w="med" len="med"/>
+                    </a:lnR>
+                    <a:lnT w="9525" cap="flat" cmpd="sng" algn="ctr">
+                      <a:solidFill>
+                        <a:srgbClr val="000000"/>
+                      </a:solidFill>
+                      <a:prstDash val="solid"/>
+                      <a:round/>
+                      <a:headEnd type="none" w="med" len="med"/>
+                      <a:tailEnd type="none" w="med" len="med"/>
+                    </a:lnT>
+                    <a:lnB w="9525" cap="flat" cmpd="sng" algn="ctr">
+                      <a:solidFill>
+                        <a:srgbClr val="000000"/>
+                      </a:solidFill>
+                      <a:prstDash val="solid"/>
+                      <a:round/>
+                      <a:headEnd type="none" w="med" len="med"/>
+                      <a:tailEnd type="none" w="med" len="med"/>
+                    </a:lnB>
+                    <a:solidFill>
+                      <a:srgbClr val="D4D4D4"/>
+                    </a:solidFill>
+                  </a:tcPr>
+                </a:tc>
+                <a:tc>
+                  <a:txBody>
+                    <a:bodyPr/>
+                    <a:lstStyle/>
+                    <a:p>
+                      <a:r>
+                        <a:rPr lang="en-US" altLang="zh-CN" sz="600">
+                          <a:solidFill>
+                            <a:srgbClr val="000000"/>
+                          </a:solidFill>
+                          <a:effectLst/>
+                          <a:latin typeface="Helvetica Neue" panose="02000503000000020004" pitchFamily="2" charset="0"/>
+                        </a:rPr>
+                        <a:t>15</a:t>
+                      </a:r>
+                      <a:endParaRPr lang="zh-CN" altLang="en-US" sz="600">
+                        <a:effectLst/>
+                      </a:endParaRPr>
+                    </a:p>
+                  </a:txBody>
+                  <a:tcPr marL="16444" marR="16444" marT="16444" marB="16444">
+                    <a:lnL w="9525" cap="flat" cmpd="sng" algn="ctr">
+                      <a:solidFill>
+                        <a:srgbClr val="000000"/>
+                      </a:solidFill>
+                      <a:prstDash val="solid"/>
+                      <a:round/>
+                      <a:headEnd type="none" w="med" len="med"/>
+                      <a:tailEnd type="none" w="med" len="med"/>
+                    </a:lnL>
+                    <a:lnR w="9525" cap="flat" cmpd="sng" algn="ctr">
+                      <a:solidFill>
+                        <a:srgbClr val="000000"/>
+                      </a:solidFill>
+                      <a:prstDash val="solid"/>
+                      <a:round/>
+                      <a:headEnd type="none" w="med" len="med"/>
+                      <a:tailEnd type="none" w="med" len="med"/>
+                    </a:lnR>
+                    <a:lnT w="9525" cap="flat" cmpd="sng" algn="ctr">
+                      <a:solidFill>
+                        <a:srgbClr val="000000"/>
+                      </a:solidFill>
+                      <a:prstDash val="solid"/>
+                      <a:round/>
+                      <a:headEnd type="none" w="med" len="med"/>
+                      <a:tailEnd type="none" w="med" len="med"/>
+                    </a:lnT>
+                    <a:lnB w="9525" cap="flat" cmpd="sng" algn="ctr">
+                      <a:solidFill>
+                        <a:srgbClr val="000000"/>
+                      </a:solidFill>
+                      <a:prstDash val="solid"/>
+                      <a:round/>
+                      <a:headEnd type="none" w="med" len="med"/>
+                      <a:tailEnd type="none" w="med" len="med"/>
+                    </a:lnB>
+                  </a:tcPr>
+                </a:tc>
+                <a:tc>
+                  <a:txBody>
+                    <a:bodyPr/>
+                    <a:lstStyle/>
+                    <a:p>
+                      <a:r>
+                        <a:rPr lang="en-US" altLang="zh-CN" sz="600">
+                          <a:solidFill>
+                            <a:srgbClr val="000000"/>
+                          </a:solidFill>
+                          <a:effectLst/>
+                          <a:latin typeface="Helvetica Neue" panose="02000503000000020004" pitchFamily="2" charset="0"/>
+                        </a:rPr>
+                        <a:t>-14212.198381532200</a:t>
+                      </a:r>
+                      <a:endParaRPr lang="zh-CN" altLang="en-US" sz="600">
+                        <a:effectLst/>
+                      </a:endParaRPr>
+                    </a:p>
+                  </a:txBody>
+                  <a:tcPr marL="16444" marR="16444" marT="16444" marB="16444">
+                    <a:lnL w="9525" cap="flat" cmpd="sng" algn="ctr">
+                      <a:solidFill>
+                        <a:srgbClr val="000000"/>
+                      </a:solidFill>
+                      <a:prstDash val="solid"/>
+                      <a:round/>
+                      <a:headEnd type="none" w="med" len="med"/>
+                      <a:tailEnd type="none" w="med" len="med"/>
+                    </a:lnL>
+                    <a:lnR w="9525" cap="flat" cmpd="sng" algn="ctr">
+                      <a:solidFill>
+                        <a:srgbClr val="000000"/>
+                      </a:solidFill>
+                      <a:prstDash val="solid"/>
+                      <a:round/>
+                      <a:headEnd type="none" w="med" len="med"/>
+                      <a:tailEnd type="none" w="med" len="med"/>
+                    </a:lnR>
+                    <a:lnT w="9525" cap="flat" cmpd="sng" algn="ctr">
+                      <a:solidFill>
+                        <a:srgbClr val="000000"/>
+                      </a:solidFill>
+                      <a:prstDash val="solid"/>
+                      <a:round/>
+                      <a:headEnd type="none" w="med" len="med"/>
+                      <a:tailEnd type="none" w="med" len="med"/>
+                    </a:lnT>
+                    <a:lnB w="9525" cap="flat" cmpd="sng" algn="ctr">
+                      <a:solidFill>
+                        <a:srgbClr val="000000"/>
+                      </a:solidFill>
+                      <a:prstDash val="solid"/>
+                      <a:round/>
+                      <a:headEnd type="none" w="med" len="med"/>
+                      <a:tailEnd type="none" w="med" len="med"/>
+                    </a:lnB>
+                  </a:tcPr>
+                </a:tc>
+                <a:extLst>
+                  <a:ext uri="{0D108BD9-81ED-4DB2-BD59-A6C34878D82A}">
+                    <a16:rowId xmlns:a16="http://schemas.microsoft.com/office/drawing/2014/main" val="48337024"/>
+                  </a:ext>
+                </a:extLst>
+              </a:tr>
+              <a:tr h="125318">
+                <a:tc>
+                  <a:txBody>
+                    <a:bodyPr/>
+                    <a:lstStyle/>
+                    <a:p>
+                      <a:r>
+                        <a:rPr lang="en-US" altLang="zh-CN" sz="600" b="1">
+                          <a:solidFill>
+                            <a:srgbClr val="000000"/>
+                          </a:solidFill>
+                          <a:effectLst/>
+                          <a:latin typeface="Helvetica Neue" panose="02000503000000020004" pitchFamily="2" charset="0"/>
+                        </a:rPr>
+                        <a:t>13</a:t>
+                      </a:r>
+                      <a:endParaRPr lang="zh-CN" altLang="en-US" sz="600">
+                        <a:effectLst/>
+                      </a:endParaRPr>
+                    </a:p>
+                  </a:txBody>
+                  <a:tcPr marL="16444" marR="16444" marT="16444" marB="16444">
+                    <a:lnL w="9525" cap="flat" cmpd="sng" algn="ctr">
+                      <a:solidFill>
+                        <a:srgbClr val="000000"/>
+                      </a:solidFill>
+                      <a:prstDash val="solid"/>
+                      <a:round/>
+                      <a:headEnd type="none" w="med" len="med"/>
+                      <a:tailEnd type="none" w="med" len="med"/>
+                    </a:lnL>
+                    <a:lnR w="9525" cap="flat" cmpd="sng" algn="ctr">
+                      <a:solidFill>
+                        <a:srgbClr val="000000"/>
+                      </a:solidFill>
+                      <a:prstDash val="solid"/>
+                      <a:round/>
+                      <a:headEnd type="none" w="med" len="med"/>
+                      <a:tailEnd type="none" w="med" len="med"/>
+                    </a:lnR>
+                    <a:lnT w="9525" cap="flat" cmpd="sng" algn="ctr">
+                      <a:solidFill>
+                        <a:srgbClr val="000000"/>
+                      </a:solidFill>
+                      <a:prstDash val="solid"/>
+                      <a:round/>
+                      <a:headEnd type="none" w="med" len="med"/>
+                      <a:tailEnd type="none" w="med" len="med"/>
+                    </a:lnT>
+                    <a:lnB w="9525" cap="flat" cmpd="sng" algn="ctr">
+                      <a:solidFill>
+                        <a:srgbClr val="000000"/>
+                      </a:solidFill>
+                      <a:prstDash val="solid"/>
+                      <a:round/>
+                      <a:headEnd type="none" w="med" len="med"/>
+                      <a:tailEnd type="none" w="med" len="med"/>
+                    </a:lnB>
+                    <a:solidFill>
+                      <a:srgbClr val="D4D4D4"/>
+                    </a:solidFill>
+                  </a:tcPr>
+                </a:tc>
+                <a:tc>
+                  <a:txBody>
+                    <a:bodyPr/>
+                    <a:lstStyle/>
+                    <a:p>
+                      <a:r>
+                        <a:rPr lang="en-US" altLang="zh-CN" sz="600">
+                          <a:solidFill>
+                            <a:srgbClr val="000000"/>
+                          </a:solidFill>
+                          <a:effectLst/>
+                          <a:latin typeface="Helvetica Neue" panose="02000503000000020004" pitchFamily="2" charset="0"/>
+                        </a:rPr>
+                        <a:t>15</a:t>
+                      </a:r>
+                      <a:endParaRPr lang="zh-CN" altLang="en-US" sz="600">
+                        <a:effectLst/>
+                      </a:endParaRPr>
+                    </a:p>
+                  </a:txBody>
+                  <a:tcPr marL="16444" marR="16444" marT="16444" marB="16444">
+                    <a:lnL w="9525" cap="flat" cmpd="sng" algn="ctr">
+                      <a:solidFill>
+                        <a:srgbClr val="000000"/>
+                      </a:solidFill>
+                      <a:prstDash val="solid"/>
+                      <a:round/>
+                      <a:headEnd type="none" w="med" len="med"/>
+                      <a:tailEnd type="none" w="med" len="med"/>
+                    </a:lnL>
+                    <a:lnR w="9525" cap="flat" cmpd="sng" algn="ctr">
+                      <a:solidFill>
+                        <a:srgbClr val="000000"/>
+                      </a:solidFill>
+                      <a:prstDash val="solid"/>
+                      <a:round/>
+                      <a:headEnd type="none" w="med" len="med"/>
+                      <a:tailEnd type="none" w="med" len="med"/>
+                    </a:lnR>
+                    <a:lnT w="9525" cap="flat" cmpd="sng" algn="ctr">
+                      <a:solidFill>
+                        <a:srgbClr val="000000"/>
+                      </a:solidFill>
+                      <a:prstDash val="solid"/>
+                      <a:round/>
+                      <a:headEnd type="none" w="med" len="med"/>
+                      <a:tailEnd type="none" w="med" len="med"/>
+                    </a:lnT>
+                    <a:lnB w="9525" cap="flat" cmpd="sng" algn="ctr">
+                      <a:solidFill>
+                        <a:srgbClr val="000000"/>
+                      </a:solidFill>
+                      <a:prstDash val="solid"/>
+                      <a:round/>
+                      <a:headEnd type="none" w="med" len="med"/>
+                      <a:tailEnd type="none" w="med" len="med"/>
+                    </a:lnB>
+                  </a:tcPr>
+                </a:tc>
+                <a:tc>
+                  <a:txBody>
+                    <a:bodyPr/>
+                    <a:lstStyle/>
+                    <a:p>
+                      <a:r>
+                        <a:rPr lang="en-US" altLang="zh-CN" sz="600" dirty="0">
+                          <a:solidFill>
+                            <a:srgbClr val="000000"/>
+                          </a:solidFill>
+                          <a:effectLst/>
+                          <a:latin typeface="Helvetica Neue" panose="02000503000000020004" pitchFamily="2" charset="0"/>
+                        </a:rPr>
+                        <a:t>-14218.327880046800</a:t>
+                      </a:r>
+                      <a:endParaRPr lang="zh-CN" altLang="en-US" sz="600" dirty="0">
+                        <a:effectLst/>
+                      </a:endParaRPr>
+                    </a:p>
+                  </a:txBody>
+                  <a:tcPr marL="16444" marR="16444" marT="16444" marB="16444">
+                    <a:lnL w="9525" cap="flat" cmpd="sng" algn="ctr">
+                      <a:solidFill>
+                        <a:srgbClr val="000000"/>
+                      </a:solidFill>
+                      <a:prstDash val="solid"/>
+                      <a:round/>
+                      <a:headEnd type="none" w="med" len="med"/>
+                      <a:tailEnd type="none" w="med" len="med"/>
+                    </a:lnL>
+                    <a:lnR w="9525" cap="flat" cmpd="sng" algn="ctr">
+                      <a:solidFill>
+                        <a:srgbClr val="000000"/>
+                      </a:solidFill>
+                      <a:prstDash val="solid"/>
+                      <a:round/>
+                      <a:headEnd type="none" w="med" len="med"/>
+                      <a:tailEnd type="none" w="med" len="med"/>
+                    </a:lnR>
+                    <a:lnT w="9525" cap="flat" cmpd="sng" algn="ctr">
+                      <a:solidFill>
+                        <a:srgbClr val="000000"/>
+                      </a:solidFill>
+                      <a:prstDash val="solid"/>
+                      <a:round/>
+                      <a:headEnd type="none" w="med" len="med"/>
+                      <a:tailEnd type="none" w="med" len="med"/>
+                    </a:lnT>
+                    <a:lnB w="9525" cap="flat" cmpd="sng" algn="ctr">
+                      <a:solidFill>
+                        <a:srgbClr val="000000"/>
+                      </a:solidFill>
+                      <a:prstDash val="solid"/>
+                      <a:round/>
+                      <a:headEnd type="none" w="med" len="med"/>
+                      <a:tailEnd type="none" w="med" len="med"/>
+                    </a:lnB>
+                  </a:tcPr>
+                </a:tc>
+                <a:extLst>
+                  <a:ext uri="{0D108BD9-81ED-4DB2-BD59-A6C34878D82A}">
+                    <a16:rowId xmlns:a16="http://schemas.microsoft.com/office/drawing/2014/main" val="1565725230"/>
+                  </a:ext>
+                </a:extLst>
+              </a:tr>
+              <a:tr h="125318">
+                <a:tc>
+                  <a:txBody>
+                    <a:bodyPr/>
+                    <a:lstStyle/>
+                    <a:p>
+                      <a:r>
+                        <a:rPr lang="en-US" altLang="zh-CN" sz="600" b="1">
+                          <a:solidFill>
+                            <a:srgbClr val="000000"/>
+                          </a:solidFill>
+                          <a:effectLst/>
+                          <a:latin typeface="Helvetica Neue" panose="02000503000000020004" pitchFamily="2" charset="0"/>
+                        </a:rPr>
+                        <a:t>9</a:t>
+                      </a:r>
+                      <a:endParaRPr lang="zh-CN" altLang="en-US" sz="600">
+                        <a:effectLst/>
+                      </a:endParaRPr>
+                    </a:p>
+                  </a:txBody>
+                  <a:tcPr marL="16444" marR="16444" marT="16444" marB="16444">
+                    <a:lnL w="9525" cap="flat" cmpd="sng" algn="ctr">
+                      <a:solidFill>
+                        <a:srgbClr val="000000"/>
+                      </a:solidFill>
+                      <a:prstDash val="solid"/>
+                      <a:round/>
+                      <a:headEnd type="none" w="med" len="med"/>
+                      <a:tailEnd type="none" w="med" len="med"/>
+                    </a:lnL>
+                    <a:lnR w="9525" cap="flat" cmpd="sng" algn="ctr">
+                      <a:solidFill>
+                        <a:srgbClr val="000000"/>
+                      </a:solidFill>
+                      <a:prstDash val="solid"/>
+                      <a:round/>
+                      <a:headEnd type="none" w="med" len="med"/>
+                      <a:tailEnd type="none" w="med" len="med"/>
+                    </a:lnR>
+                    <a:lnT w="9525" cap="flat" cmpd="sng" algn="ctr">
+                      <a:solidFill>
+                        <a:srgbClr val="000000"/>
+                      </a:solidFill>
+                      <a:prstDash val="solid"/>
+                      <a:round/>
+                      <a:headEnd type="none" w="med" len="med"/>
+                      <a:tailEnd type="none" w="med" len="med"/>
+                    </a:lnT>
+                    <a:lnB w="9525" cap="flat" cmpd="sng" algn="ctr">
+                      <a:solidFill>
+                        <a:srgbClr val="000000"/>
+                      </a:solidFill>
+                      <a:prstDash val="solid"/>
+                      <a:round/>
+                      <a:headEnd type="none" w="med" len="med"/>
+                      <a:tailEnd type="none" w="med" len="med"/>
+                    </a:lnB>
+                    <a:solidFill>
+                      <a:srgbClr val="D4D4D4"/>
+                    </a:solidFill>
+                  </a:tcPr>
+                </a:tc>
+                <a:tc>
+                  <a:txBody>
+                    <a:bodyPr/>
+                    <a:lstStyle/>
+                    <a:p>
+                      <a:r>
+                        <a:rPr lang="en-US" altLang="zh-CN" sz="600">
+                          <a:solidFill>
+                            <a:srgbClr val="000000"/>
+                          </a:solidFill>
+                          <a:effectLst/>
+                          <a:latin typeface="Helvetica Neue" panose="02000503000000020004" pitchFamily="2" charset="0"/>
+                        </a:rPr>
+                        <a:t>15</a:t>
+                      </a:r>
+                      <a:endParaRPr lang="zh-CN" altLang="en-US" sz="600">
+                        <a:effectLst/>
+                      </a:endParaRPr>
+                    </a:p>
+                  </a:txBody>
+                  <a:tcPr marL="16444" marR="16444" marT="16444" marB="16444">
+                    <a:lnL w="9525" cap="flat" cmpd="sng" algn="ctr">
+                      <a:solidFill>
+                        <a:srgbClr val="000000"/>
+                      </a:solidFill>
+                      <a:prstDash val="solid"/>
+                      <a:round/>
+                      <a:headEnd type="none" w="med" len="med"/>
+                      <a:tailEnd type="none" w="med" len="med"/>
+                    </a:lnL>
+                    <a:lnR w="9525" cap="flat" cmpd="sng" algn="ctr">
+                      <a:solidFill>
+                        <a:srgbClr val="000000"/>
+                      </a:solidFill>
+                      <a:prstDash val="solid"/>
+                      <a:round/>
+                      <a:headEnd type="none" w="med" len="med"/>
+                      <a:tailEnd type="none" w="med" len="med"/>
+                    </a:lnR>
+                    <a:lnT w="9525" cap="flat" cmpd="sng" algn="ctr">
+                      <a:solidFill>
+                        <a:srgbClr val="000000"/>
+                      </a:solidFill>
+                      <a:prstDash val="solid"/>
+                      <a:round/>
+                      <a:headEnd type="none" w="med" len="med"/>
+                      <a:tailEnd type="none" w="med" len="med"/>
+                    </a:lnT>
+                    <a:lnB w="9525" cap="flat" cmpd="sng" algn="ctr">
+                      <a:solidFill>
+                        <a:srgbClr val="000000"/>
+                      </a:solidFill>
+                      <a:prstDash val="solid"/>
+                      <a:round/>
+                      <a:headEnd type="none" w="med" len="med"/>
+                      <a:tailEnd type="none" w="med" len="med"/>
+                    </a:lnB>
+                  </a:tcPr>
+                </a:tc>
+                <a:tc>
+                  <a:txBody>
+                    <a:bodyPr/>
+                    <a:lstStyle/>
+                    <a:p>
+                      <a:r>
+                        <a:rPr lang="en-US" altLang="zh-CN" sz="600">
+                          <a:solidFill>
+                            <a:srgbClr val="000000"/>
+                          </a:solidFill>
+                          <a:effectLst/>
+                          <a:latin typeface="Helvetica Neue" panose="02000503000000020004" pitchFamily="2" charset="0"/>
+                        </a:rPr>
+                        <a:t>-14221.33654585160</a:t>
+                      </a:r>
+                      <a:endParaRPr lang="zh-CN" altLang="en-US" sz="600">
+                        <a:effectLst/>
+                      </a:endParaRPr>
+                    </a:p>
+                  </a:txBody>
+                  <a:tcPr marL="16444" marR="16444" marT="16444" marB="16444">
+                    <a:lnL w="9525" cap="flat" cmpd="sng" algn="ctr">
+                      <a:solidFill>
+                        <a:srgbClr val="000000"/>
+                      </a:solidFill>
+                      <a:prstDash val="solid"/>
+                      <a:round/>
+                      <a:headEnd type="none" w="med" len="med"/>
+                      <a:tailEnd type="none" w="med" len="med"/>
+                    </a:lnL>
+                    <a:lnR w="9525" cap="flat" cmpd="sng" algn="ctr">
+                      <a:solidFill>
+                        <a:srgbClr val="000000"/>
+                      </a:solidFill>
+                      <a:prstDash val="solid"/>
+                      <a:round/>
+                      <a:headEnd type="none" w="med" len="med"/>
+                      <a:tailEnd type="none" w="med" len="med"/>
+                    </a:lnR>
+                    <a:lnT w="9525" cap="flat" cmpd="sng" algn="ctr">
+                      <a:solidFill>
+                        <a:srgbClr val="000000"/>
+                      </a:solidFill>
+                      <a:prstDash val="solid"/>
+                      <a:round/>
+                      <a:headEnd type="none" w="med" len="med"/>
+                      <a:tailEnd type="none" w="med" len="med"/>
+                    </a:lnT>
+                    <a:lnB w="9525" cap="flat" cmpd="sng" algn="ctr">
+                      <a:solidFill>
+                        <a:srgbClr val="000000"/>
+                      </a:solidFill>
+                      <a:prstDash val="solid"/>
+                      <a:round/>
+                      <a:headEnd type="none" w="med" len="med"/>
+                      <a:tailEnd type="none" w="med" len="med"/>
+                    </a:lnB>
+                  </a:tcPr>
+                </a:tc>
+                <a:extLst>
+                  <a:ext uri="{0D108BD9-81ED-4DB2-BD59-A6C34878D82A}">
+                    <a16:rowId xmlns:a16="http://schemas.microsoft.com/office/drawing/2014/main" val="64957947"/>
+                  </a:ext>
+                </a:extLst>
+              </a:tr>
+              <a:tr h="125318">
+                <a:tc>
+                  <a:txBody>
+                    <a:bodyPr/>
+                    <a:lstStyle/>
+                    <a:p>
+                      <a:r>
+                        <a:rPr lang="en-US" altLang="zh-CN" sz="600" b="1">
+                          <a:solidFill>
+                            <a:srgbClr val="000000"/>
+                          </a:solidFill>
+                          <a:effectLst/>
+                          <a:latin typeface="Helvetica Neue" panose="02000503000000020004" pitchFamily="2" charset="0"/>
+                        </a:rPr>
+                        <a:t>10</a:t>
+                      </a:r>
+                      <a:endParaRPr lang="zh-CN" altLang="en-US" sz="600">
+                        <a:effectLst/>
+                      </a:endParaRPr>
+                    </a:p>
+                  </a:txBody>
+                  <a:tcPr marL="16444" marR="16444" marT="16444" marB="16444">
+                    <a:lnL w="9525" cap="flat" cmpd="sng" algn="ctr">
+                      <a:solidFill>
+                        <a:srgbClr val="000000"/>
+                      </a:solidFill>
+                      <a:prstDash val="solid"/>
+                      <a:round/>
+                      <a:headEnd type="none" w="med" len="med"/>
+                      <a:tailEnd type="none" w="med" len="med"/>
+                    </a:lnL>
+                    <a:lnR w="9525" cap="flat" cmpd="sng" algn="ctr">
+                      <a:solidFill>
+                        <a:srgbClr val="000000"/>
+                      </a:solidFill>
+                      <a:prstDash val="solid"/>
+                      <a:round/>
+                      <a:headEnd type="none" w="med" len="med"/>
+                      <a:tailEnd type="none" w="med" len="med"/>
+                    </a:lnR>
+                    <a:lnT w="9525" cap="flat" cmpd="sng" algn="ctr">
+                      <a:solidFill>
+                        <a:srgbClr val="000000"/>
+                      </a:solidFill>
+                      <a:prstDash val="solid"/>
+                      <a:round/>
+                      <a:headEnd type="none" w="med" len="med"/>
+                      <a:tailEnd type="none" w="med" len="med"/>
+                    </a:lnT>
+                    <a:lnB w="9525" cap="flat" cmpd="sng" algn="ctr">
+                      <a:solidFill>
+                        <a:srgbClr val="000000"/>
+                      </a:solidFill>
+                      <a:prstDash val="solid"/>
+                      <a:round/>
+                      <a:headEnd type="none" w="med" len="med"/>
+                      <a:tailEnd type="none" w="med" len="med"/>
+                    </a:lnB>
+                    <a:solidFill>
+                      <a:srgbClr val="D4D4D4"/>
+                    </a:solidFill>
+                  </a:tcPr>
+                </a:tc>
+                <a:tc>
+                  <a:txBody>
+                    <a:bodyPr/>
+                    <a:lstStyle/>
+                    <a:p>
+                      <a:r>
+                        <a:rPr lang="en-US" altLang="zh-CN" sz="600">
+                          <a:solidFill>
+                            <a:srgbClr val="000000"/>
+                          </a:solidFill>
+                          <a:effectLst/>
+                          <a:latin typeface="Helvetica Neue" panose="02000503000000020004" pitchFamily="2" charset="0"/>
+                        </a:rPr>
+                        <a:t>15</a:t>
+                      </a:r>
+                      <a:endParaRPr lang="zh-CN" altLang="en-US" sz="600">
+                        <a:effectLst/>
+                      </a:endParaRPr>
+                    </a:p>
+                  </a:txBody>
+                  <a:tcPr marL="16444" marR="16444" marT="16444" marB="16444">
+                    <a:lnL w="9525" cap="flat" cmpd="sng" algn="ctr">
+                      <a:solidFill>
+                        <a:srgbClr val="000000"/>
+                      </a:solidFill>
+                      <a:prstDash val="solid"/>
+                      <a:round/>
+                      <a:headEnd type="none" w="med" len="med"/>
+                      <a:tailEnd type="none" w="med" len="med"/>
+                    </a:lnL>
+                    <a:lnR w="9525" cap="flat" cmpd="sng" algn="ctr">
+                      <a:solidFill>
+                        <a:srgbClr val="000000"/>
+                      </a:solidFill>
+                      <a:prstDash val="solid"/>
+                      <a:round/>
+                      <a:headEnd type="none" w="med" len="med"/>
+                      <a:tailEnd type="none" w="med" len="med"/>
+                    </a:lnR>
+                    <a:lnT w="9525" cap="flat" cmpd="sng" algn="ctr">
+                      <a:solidFill>
+                        <a:srgbClr val="000000"/>
+                      </a:solidFill>
+                      <a:prstDash val="solid"/>
+                      <a:round/>
+                      <a:headEnd type="none" w="med" len="med"/>
+                      <a:tailEnd type="none" w="med" len="med"/>
+                    </a:lnT>
+                    <a:lnB w="9525" cap="flat" cmpd="sng" algn="ctr">
+                      <a:solidFill>
+                        <a:srgbClr val="000000"/>
+                      </a:solidFill>
+                      <a:prstDash val="solid"/>
+                      <a:round/>
+                      <a:headEnd type="none" w="med" len="med"/>
+                      <a:tailEnd type="none" w="med" len="med"/>
+                    </a:lnB>
+                  </a:tcPr>
+                </a:tc>
+                <a:tc>
+                  <a:txBody>
+                    <a:bodyPr/>
+                    <a:lstStyle/>
+                    <a:p>
+                      <a:r>
+                        <a:rPr lang="en-US" altLang="zh-CN" sz="600">
+                          <a:solidFill>
+                            <a:srgbClr val="000000"/>
+                          </a:solidFill>
+                          <a:effectLst/>
+                          <a:latin typeface="Helvetica Neue" panose="02000503000000020004" pitchFamily="2" charset="0"/>
+                        </a:rPr>
+                        <a:t>-14221.74220450850</a:t>
+                      </a:r>
+                      <a:endParaRPr lang="zh-CN" altLang="en-US" sz="600">
+                        <a:effectLst/>
+                      </a:endParaRPr>
+                    </a:p>
+                  </a:txBody>
+                  <a:tcPr marL="16444" marR="16444" marT="16444" marB="16444">
+                    <a:lnL w="9525" cap="flat" cmpd="sng" algn="ctr">
+                      <a:solidFill>
+                        <a:srgbClr val="000000"/>
+                      </a:solidFill>
+                      <a:prstDash val="solid"/>
+                      <a:round/>
+                      <a:headEnd type="none" w="med" len="med"/>
+                      <a:tailEnd type="none" w="med" len="med"/>
+                    </a:lnL>
+                    <a:lnR w="9525" cap="flat" cmpd="sng" algn="ctr">
+                      <a:solidFill>
+                        <a:srgbClr val="000000"/>
+                      </a:solidFill>
+                      <a:prstDash val="solid"/>
+                      <a:round/>
+                      <a:headEnd type="none" w="med" len="med"/>
+                      <a:tailEnd type="none" w="med" len="med"/>
+                    </a:lnR>
+                    <a:lnT w="9525" cap="flat" cmpd="sng" algn="ctr">
+                      <a:solidFill>
+                        <a:srgbClr val="000000"/>
+                      </a:solidFill>
+                      <a:prstDash val="solid"/>
+                      <a:round/>
+                      <a:headEnd type="none" w="med" len="med"/>
+                      <a:tailEnd type="none" w="med" len="med"/>
+                    </a:lnT>
+                    <a:lnB w="9525" cap="flat" cmpd="sng" algn="ctr">
+                      <a:solidFill>
+                        <a:srgbClr val="000000"/>
+                      </a:solidFill>
+                      <a:prstDash val="solid"/>
+                      <a:round/>
+                      <a:headEnd type="none" w="med" len="med"/>
+                      <a:tailEnd type="none" w="med" len="med"/>
+                    </a:lnB>
+                  </a:tcPr>
+                </a:tc>
+                <a:extLst>
+                  <a:ext uri="{0D108BD9-81ED-4DB2-BD59-A6C34878D82A}">
+                    <a16:rowId xmlns:a16="http://schemas.microsoft.com/office/drawing/2014/main" val="3432281943"/>
+                  </a:ext>
+                </a:extLst>
+              </a:tr>
+              <a:tr h="125318">
+                <a:tc>
+                  <a:txBody>
+                    <a:bodyPr/>
+                    <a:lstStyle/>
+                    <a:p>
+                      <a:r>
+                        <a:rPr lang="en-US" altLang="zh-CN" sz="600" b="1">
+                          <a:solidFill>
+                            <a:srgbClr val="000000"/>
+                          </a:solidFill>
+                          <a:effectLst/>
+                          <a:latin typeface="Helvetica Neue" panose="02000503000000020004" pitchFamily="2" charset="0"/>
+                        </a:rPr>
+                        <a:t>2</a:t>
+                      </a:r>
+                      <a:endParaRPr lang="zh-CN" altLang="en-US" sz="600">
+                        <a:effectLst/>
+                      </a:endParaRPr>
+                    </a:p>
+                  </a:txBody>
+                  <a:tcPr marL="16444" marR="16444" marT="16444" marB="16444">
+                    <a:lnL w="9525" cap="flat" cmpd="sng" algn="ctr">
+                      <a:solidFill>
+                        <a:srgbClr val="000000"/>
+                      </a:solidFill>
+                      <a:prstDash val="solid"/>
+                      <a:round/>
+                      <a:headEnd type="none" w="med" len="med"/>
+                      <a:tailEnd type="none" w="med" len="med"/>
+                    </a:lnL>
+                    <a:lnR w="9525" cap="flat" cmpd="sng" algn="ctr">
+                      <a:solidFill>
+                        <a:srgbClr val="000000"/>
+                      </a:solidFill>
+                      <a:prstDash val="solid"/>
+                      <a:round/>
+                      <a:headEnd type="none" w="med" len="med"/>
+                      <a:tailEnd type="none" w="med" len="med"/>
+                    </a:lnR>
+                    <a:lnT w="9525" cap="flat" cmpd="sng" algn="ctr">
+                      <a:solidFill>
+                        <a:srgbClr val="000000"/>
+                      </a:solidFill>
+                      <a:prstDash val="solid"/>
+                      <a:round/>
+                      <a:headEnd type="none" w="med" len="med"/>
+                      <a:tailEnd type="none" w="med" len="med"/>
+                    </a:lnT>
+                    <a:lnB w="9525" cap="flat" cmpd="sng" algn="ctr">
+                      <a:solidFill>
+                        <a:srgbClr val="000000"/>
+                      </a:solidFill>
+                      <a:prstDash val="solid"/>
+                      <a:round/>
+                      <a:headEnd type="none" w="med" len="med"/>
+                      <a:tailEnd type="none" w="med" len="med"/>
+                    </a:lnB>
+                    <a:solidFill>
+                      <a:srgbClr val="D4D4D4"/>
+                    </a:solidFill>
+                  </a:tcPr>
+                </a:tc>
+                <a:tc>
+                  <a:txBody>
+                    <a:bodyPr/>
+                    <a:lstStyle/>
+                    <a:p>
+                      <a:r>
+                        <a:rPr lang="en-US" altLang="zh-CN" sz="600">
+                          <a:solidFill>
+                            <a:srgbClr val="000000"/>
+                          </a:solidFill>
+                          <a:effectLst/>
+                          <a:latin typeface="Helvetica Neue" panose="02000503000000020004" pitchFamily="2" charset="0"/>
+                        </a:rPr>
+                        <a:t>15</a:t>
+                      </a:r>
+                      <a:endParaRPr lang="zh-CN" altLang="en-US" sz="600">
+                        <a:effectLst/>
+                      </a:endParaRPr>
+                    </a:p>
+                  </a:txBody>
+                  <a:tcPr marL="16444" marR="16444" marT="16444" marB="16444">
+                    <a:lnL w="9525" cap="flat" cmpd="sng" algn="ctr">
+                      <a:solidFill>
+                        <a:srgbClr val="000000"/>
+                      </a:solidFill>
+                      <a:prstDash val="solid"/>
+                      <a:round/>
+                      <a:headEnd type="none" w="med" len="med"/>
+                      <a:tailEnd type="none" w="med" len="med"/>
+                    </a:lnL>
+                    <a:lnR w="9525" cap="flat" cmpd="sng" algn="ctr">
+                      <a:solidFill>
+                        <a:srgbClr val="000000"/>
+                      </a:solidFill>
+                      <a:prstDash val="solid"/>
+                      <a:round/>
+                      <a:headEnd type="none" w="med" len="med"/>
+                      <a:tailEnd type="none" w="med" len="med"/>
+                    </a:lnR>
+                    <a:lnT w="9525" cap="flat" cmpd="sng" algn="ctr">
+                      <a:solidFill>
+                        <a:srgbClr val="000000"/>
+                      </a:solidFill>
+                      <a:prstDash val="solid"/>
+                      <a:round/>
+                      <a:headEnd type="none" w="med" len="med"/>
+                      <a:tailEnd type="none" w="med" len="med"/>
+                    </a:lnT>
+                    <a:lnB w="9525" cap="flat" cmpd="sng" algn="ctr">
+                      <a:solidFill>
+                        <a:srgbClr val="000000"/>
+                      </a:solidFill>
+                      <a:prstDash val="solid"/>
+                      <a:round/>
+                      <a:headEnd type="none" w="med" len="med"/>
+                      <a:tailEnd type="none" w="med" len="med"/>
+                    </a:lnB>
+                  </a:tcPr>
+                </a:tc>
+                <a:tc>
+                  <a:txBody>
+                    <a:bodyPr/>
+                    <a:lstStyle/>
+                    <a:p>
+                      <a:r>
+                        <a:rPr lang="en-US" altLang="zh-CN" sz="600">
+                          <a:solidFill>
+                            <a:srgbClr val="000000"/>
+                          </a:solidFill>
+                          <a:effectLst/>
+                          <a:latin typeface="Helvetica Neue" panose="02000503000000020004" pitchFamily="2" charset="0"/>
+                        </a:rPr>
+                        <a:t>-14229.04225343580</a:t>
+                      </a:r>
+                      <a:endParaRPr lang="zh-CN" altLang="en-US" sz="600">
+                        <a:effectLst/>
+                      </a:endParaRPr>
+                    </a:p>
+                  </a:txBody>
+                  <a:tcPr marL="16444" marR="16444" marT="16444" marB="16444">
+                    <a:lnL w="9525" cap="flat" cmpd="sng" algn="ctr">
+                      <a:solidFill>
+                        <a:srgbClr val="000000"/>
+                      </a:solidFill>
+                      <a:prstDash val="solid"/>
+                      <a:round/>
+                      <a:headEnd type="none" w="med" len="med"/>
+                      <a:tailEnd type="none" w="med" len="med"/>
+                    </a:lnL>
+                    <a:lnR w="9525" cap="flat" cmpd="sng" algn="ctr">
+                      <a:solidFill>
+                        <a:srgbClr val="000000"/>
+                      </a:solidFill>
+                      <a:prstDash val="solid"/>
+                      <a:round/>
+                      <a:headEnd type="none" w="med" len="med"/>
+                      <a:tailEnd type="none" w="med" len="med"/>
+                    </a:lnR>
+                    <a:lnT w="9525" cap="flat" cmpd="sng" algn="ctr">
+                      <a:solidFill>
+                        <a:srgbClr val="000000"/>
+                      </a:solidFill>
+                      <a:prstDash val="solid"/>
+                      <a:round/>
+                      <a:headEnd type="none" w="med" len="med"/>
+                      <a:tailEnd type="none" w="med" len="med"/>
+                    </a:lnT>
+                    <a:lnB w="9525" cap="flat" cmpd="sng" algn="ctr">
+                      <a:solidFill>
+                        <a:srgbClr val="000000"/>
+                      </a:solidFill>
+                      <a:prstDash val="solid"/>
+                      <a:round/>
+                      <a:headEnd type="none" w="med" len="med"/>
+                      <a:tailEnd type="none" w="med" len="med"/>
+                    </a:lnB>
+                  </a:tcPr>
+                </a:tc>
+                <a:extLst>
+                  <a:ext uri="{0D108BD9-81ED-4DB2-BD59-A6C34878D82A}">
+                    <a16:rowId xmlns:a16="http://schemas.microsoft.com/office/drawing/2014/main" val="2396734250"/>
+                  </a:ext>
+                </a:extLst>
+              </a:tr>
+              <a:tr h="125318">
+                <a:tc>
+                  <a:txBody>
+                    <a:bodyPr/>
+                    <a:lstStyle/>
+                    <a:p>
+                      <a:r>
+                        <a:rPr lang="en-US" altLang="zh-CN" sz="600" b="1">
+                          <a:solidFill>
+                            <a:srgbClr val="000000"/>
+                          </a:solidFill>
+                          <a:effectLst/>
+                          <a:latin typeface="Helvetica Neue" panose="02000503000000020004" pitchFamily="2" charset="0"/>
+                        </a:rPr>
+                        <a:t>11</a:t>
+                      </a:r>
+                      <a:endParaRPr lang="zh-CN" altLang="en-US" sz="600">
+                        <a:effectLst/>
+                      </a:endParaRPr>
+                    </a:p>
+                  </a:txBody>
+                  <a:tcPr marL="16444" marR="16444" marT="16444" marB="16444">
+                    <a:lnL w="9525" cap="flat" cmpd="sng" algn="ctr">
+                      <a:solidFill>
+                        <a:srgbClr val="000000"/>
+                      </a:solidFill>
+                      <a:prstDash val="solid"/>
+                      <a:round/>
+                      <a:headEnd type="none" w="med" len="med"/>
+                      <a:tailEnd type="none" w="med" len="med"/>
+                    </a:lnL>
+                    <a:lnR w="9525" cap="flat" cmpd="sng" algn="ctr">
+                      <a:solidFill>
+                        <a:srgbClr val="000000"/>
+                      </a:solidFill>
+                      <a:prstDash val="solid"/>
+                      <a:round/>
+                      <a:headEnd type="none" w="med" len="med"/>
+                      <a:tailEnd type="none" w="med" len="med"/>
+                    </a:lnR>
+                    <a:lnT w="9525" cap="flat" cmpd="sng" algn="ctr">
+                      <a:solidFill>
+                        <a:srgbClr val="000000"/>
+                      </a:solidFill>
+                      <a:prstDash val="solid"/>
+                      <a:round/>
+                      <a:headEnd type="none" w="med" len="med"/>
+                      <a:tailEnd type="none" w="med" len="med"/>
+                    </a:lnT>
+                    <a:lnB w="9525" cap="flat" cmpd="sng" algn="ctr">
+                      <a:solidFill>
+                        <a:srgbClr val="000000"/>
+                      </a:solidFill>
+                      <a:prstDash val="solid"/>
+                      <a:round/>
+                      <a:headEnd type="none" w="med" len="med"/>
+                      <a:tailEnd type="none" w="med" len="med"/>
+                    </a:lnB>
+                    <a:solidFill>
+                      <a:srgbClr val="D4D4D4"/>
+                    </a:solidFill>
+                  </a:tcPr>
+                </a:tc>
+                <a:tc>
+                  <a:txBody>
+                    <a:bodyPr/>
+                    <a:lstStyle/>
+                    <a:p>
+                      <a:r>
+                        <a:rPr lang="en-US" altLang="zh-CN" sz="600">
+                          <a:solidFill>
+                            <a:srgbClr val="000000"/>
+                          </a:solidFill>
+                          <a:effectLst/>
+                          <a:latin typeface="Helvetica Neue" panose="02000503000000020004" pitchFamily="2" charset="0"/>
+                        </a:rPr>
+                        <a:t>15</a:t>
+                      </a:r>
+                      <a:endParaRPr lang="zh-CN" altLang="en-US" sz="600">
+                        <a:effectLst/>
+                      </a:endParaRPr>
+                    </a:p>
+                  </a:txBody>
+                  <a:tcPr marL="16444" marR="16444" marT="16444" marB="16444">
+                    <a:lnL w="9525" cap="flat" cmpd="sng" algn="ctr">
+                      <a:solidFill>
+                        <a:srgbClr val="000000"/>
+                      </a:solidFill>
+                      <a:prstDash val="solid"/>
+                      <a:round/>
+                      <a:headEnd type="none" w="med" len="med"/>
+                      <a:tailEnd type="none" w="med" len="med"/>
+                    </a:lnL>
+                    <a:lnR w="9525" cap="flat" cmpd="sng" algn="ctr">
+                      <a:solidFill>
+                        <a:srgbClr val="000000"/>
+                      </a:solidFill>
+                      <a:prstDash val="solid"/>
+                      <a:round/>
+                      <a:headEnd type="none" w="med" len="med"/>
+                      <a:tailEnd type="none" w="med" len="med"/>
+                    </a:lnR>
+                    <a:lnT w="9525" cap="flat" cmpd="sng" algn="ctr">
+                      <a:solidFill>
+                        <a:srgbClr val="000000"/>
+                      </a:solidFill>
+                      <a:prstDash val="solid"/>
+                      <a:round/>
+                      <a:headEnd type="none" w="med" len="med"/>
+                      <a:tailEnd type="none" w="med" len="med"/>
+                    </a:lnT>
+                    <a:lnB w="9525" cap="flat" cmpd="sng" algn="ctr">
+                      <a:solidFill>
+                        <a:srgbClr val="000000"/>
+                      </a:solidFill>
+                      <a:prstDash val="solid"/>
+                      <a:round/>
+                      <a:headEnd type="none" w="med" len="med"/>
+                      <a:tailEnd type="none" w="med" len="med"/>
+                    </a:lnB>
+                  </a:tcPr>
+                </a:tc>
+                <a:tc>
+                  <a:txBody>
+                    <a:bodyPr/>
+                    <a:lstStyle/>
+                    <a:p>
+                      <a:r>
+                        <a:rPr lang="en-US" altLang="zh-CN" sz="600">
+                          <a:solidFill>
+                            <a:srgbClr val="000000"/>
+                          </a:solidFill>
+                          <a:effectLst/>
+                          <a:latin typeface="Helvetica Neue" panose="02000503000000020004" pitchFamily="2" charset="0"/>
+                        </a:rPr>
+                        <a:t>-14232.707494554600</a:t>
+                      </a:r>
+                      <a:endParaRPr lang="zh-CN" altLang="en-US" sz="600">
+                        <a:effectLst/>
+                      </a:endParaRPr>
+                    </a:p>
+                  </a:txBody>
+                  <a:tcPr marL="16444" marR="16444" marT="16444" marB="16444">
+                    <a:lnL w="9525" cap="flat" cmpd="sng" algn="ctr">
+                      <a:solidFill>
+                        <a:srgbClr val="000000"/>
+                      </a:solidFill>
+                      <a:prstDash val="solid"/>
+                      <a:round/>
+                      <a:headEnd type="none" w="med" len="med"/>
+                      <a:tailEnd type="none" w="med" len="med"/>
+                    </a:lnL>
+                    <a:lnR w="9525" cap="flat" cmpd="sng" algn="ctr">
+                      <a:solidFill>
+                        <a:srgbClr val="000000"/>
+                      </a:solidFill>
+                      <a:prstDash val="solid"/>
+                      <a:round/>
+                      <a:headEnd type="none" w="med" len="med"/>
+                      <a:tailEnd type="none" w="med" len="med"/>
+                    </a:lnR>
+                    <a:lnT w="9525" cap="flat" cmpd="sng" algn="ctr">
+                      <a:solidFill>
+                        <a:srgbClr val="000000"/>
+                      </a:solidFill>
+                      <a:prstDash val="solid"/>
+                      <a:round/>
+                      <a:headEnd type="none" w="med" len="med"/>
+                      <a:tailEnd type="none" w="med" len="med"/>
+                    </a:lnT>
+                    <a:lnB w="9525" cap="flat" cmpd="sng" algn="ctr">
+                      <a:solidFill>
+                        <a:srgbClr val="000000"/>
+                      </a:solidFill>
+                      <a:prstDash val="solid"/>
+                      <a:round/>
+                      <a:headEnd type="none" w="med" len="med"/>
+                      <a:tailEnd type="none" w="med" len="med"/>
+                    </a:lnB>
+                  </a:tcPr>
+                </a:tc>
+                <a:extLst>
+                  <a:ext uri="{0D108BD9-81ED-4DB2-BD59-A6C34878D82A}">
+                    <a16:rowId xmlns:a16="http://schemas.microsoft.com/office/drawing/2014/main" val="2572152895"/>
+                  </a:ext>
+                </a:extLst>
+              </a:tr>
+              <a:tr h="125318">
+                <a:tc>
+                  <a:txBody>
+                    <a:bodyPr/>
+                    <a:lstStyle/>
+                    <a:p>
+                      <a:r>
+                        <a:rPr lang="en-US" altLang="zh-CN" sz="600" b="1">
+                          <a:solidFill>
+                            <a:srgbClr val="000000"/>
+                          </a:solidFill>
+                          <a:effectLst/>
+                          <a:latin typeface="Helvetica Neue" panose="02000503000000020004" pitchFamily="2" charset="0"/>
+                        </a:rPr>
+                        <a:t>5</a:t>
+                      </a:r>
+                      <a:endParaRPr lang="zh-CN" altLang="en-US" sz="600">
+                        <a:effectLst/>
+                      </a:endParaRPr>
+                    </a:p>
+                  </a:txBody>
+                  <a:tcPr marL="16444" marR="16444" marT="16444" marB="16444">
+                    <a:lnL w="9525" cap="flat" cmpd="sng" algn="ctr">
+                      <a:solidFill>
+                        <a:srgbClr val="000000"/>
+                      </a:solidFill>
+                      <a:prstDash val="solid"/>
+                      <a:round/>
+                      <a:headEnd type="none" w="med" len="med"/>
+                      <a:tailEnd type="none" w="med" len="med"/>
+                    </a:lnL>
+                    <a:lnR w="9525" cap="flat" cmpd="sng" algn="ctr">
+                      <a:solidFill>
+                        <a:srgbClr val="000000"/>
+                      </a:solidFill>
+                      <a:prstDash val="solid"/>
+                      <a:round/>
+                      <a:headEnd type="none" w="med" len="med"/>
+                      <a:tailEnd type="none" w="med" len="med"/>
+                    </a:lnR>
+                    <a:lnT w="9525" cap="flat" cmpd="sng" algn="ctr">
+                      <a:solidFill>
+                        <a:srgbClr val="000000"/>
+                      </a:solidFill>
+                      <a:prstDash val="solid"/>
+                      <a:round/>
+                      <a:headEnd type="none" w="med" len="med"/>
+                      <a:tailEnd type="none" w="med" len="med"/>
+                    </a:lnT>
+                    <a:lnB w="9525" cap="flat" cmpd="sng" algn="ctr">
+                      <a:solidFill>
+                        <a:srgbClr val="000000"/>
+                      </a:solidFill>
+                      <a:prstDash val="solid"/>
+                      <a:round/>
+                      <a:headEnd type="none" w="med" len="med"/>
+                      <a:tailEnd type="none" w="med" len="med"/>
+                    </a:lnB>
+                    <a:solidFill>
+                      <a:srgbClr val="D4D4D4"/>
+                    </a:solidFill>
+                  </a:tcPr>
+                </a:tc>
+                <a:tc>
+                  <a:txBody>
+                    <a:bodyPr/>
+                    <a:lstStyle/>
+                    <a:p>
+                      <a:r>
+                        <a:rPr lang="en-US" altLang="zh-CN" sz="600">
+                          <a:solidFill>
+                            <a:srgbClr val="000000"/>
+                          </a:solidFill>
+                          <a:effectLst/>
+                          <a:latin typeface="Helvetica Neue" panose="02000503000000020004" pitchFamily="2" charset="0"/>
+                        </a:rPr>
+                        <a:t>15</a:t>
+                      </a:r>
+                      <a:endParaRPr lang="zh-CN" altLang="en-US" sz="600">
+                        <a:effectLst/>
+                      </a:endParaRPr>
+                    </a:p>
+                  </a:txBody>
+                  <a:tcPr marL="16444" marR="16444" marT="16444" marB="16444">
+                    <a:lnL w="9525" cap="flat" cmpd="sng" algn="ctr">
+                      <a:solidFill>
+                        <a:srgbClr val="000000"/>
+                      </a:solidFill>
+                      <a:prstDash val="solid"/>
+                      <a:round/>
+                      <a:headEnd type="none" w="med" len="med"/>
+                      <a:tailEnd type="none" w="med" len="med"/>
+                    </a:lnL>
+                    <a:lnR w="9525" cap="flat" cmpd="sng" algn="ctr">
+                      <a:solidFill>
+                        <a:srgbClr val="000000"/>
+                      </a:solidFill>
+                      <a:prstDash val="solid"/>
+                      <a:round/>
+                      <a:headEnd type="none" w="med" len="med"/>
+                      <a:tailEnd type="none" w="med" len="med"/>
+                    </a:lnR>
+                    <a:lnT w="9525" cap="flat" cmpd="sng" algn="ctr">
+                      <a:solidFill>
+                        <a:srgbClr val="000000"/>
+                      </a:solidFill>
+                      <a:prstDash val="solid"/>
+                      <a:round/>
+                      <a:headEnd type="none" w="med" len="med"/>
+                      <a:tailEnd type="none" w="med" len="med"/>
+                    </a:lnT>
+                    <a:lnB w="9525" cap="flat" cmpd="sng" algn="ctr">
+                      <a:solidFill>
+                        <a:srgbClr val="000000"/>
+                      </a:solidFill>
+                      <a:prstDash val="solid"/>
+                      <a:round/>
+                      <a:headEnd type="none" w="med" len="med"/>
+                      <a:tailEnd type="none" w="med" len="med"/>
+                    </a:lnB>
+                  </a:tcPr>
+                </a:tc>
+                <a:tc>
+                  <a:txBody>
+                    <a:bodyPr/>
+                    <a:lstStyle/>
+                    <a:p>
+                      <a:r>
+                        <a:rPr lang="en-US" altLang="zh-CN" sz="600">
+                          <a:solidFill>
+                            <a:srgbClr val="000000"/>
+                          </a:solidFill>
+                          <a:effectLst/>
+                          <a:latin typeface="Helvetica Neue" panose="02000503000000020004" pitchFamily="2" charset="0"/>
+                        </a:rPr>
+                        <a:t>-14235.023136448400</a:t>
+                      </a:r>
+                      <a:endParaRPr lang="zh-CN" altLang="en-US" sz="600">
+                        <a:effectLst/>
+                      </a:endParaRPr>
+                    </a:p>
+                  </a:txBody>
+                  <a:tcPr marL="16444" marR="16444" marT="16444" marB="16444">
+                    <a:lnL w="9525" cap="flat" cmpd="sng" algn="ctr">
+                      <a:solidFill>
+                        <a:srgbClr val="000000"/>
+                      </a:solidFill>
+                      <a:prstDash val="solid"/>
+                      <a:round/>
+                      <a:headEnd type="none" w="med" len="med"/>
+                      <a:tailEnd type="none" w="med" len="med"/>
+                    </a:lnL>
+                    <a:lnR w="9525" cap="flat" cmpd="sng" algn="ctr">
+                      <a:solidFill>
+                        <a:srgbClr val="000000"/>
+                      </a:solidFill>
+                      <a:prstDash val="solid"/>
+                      <a:round/>
+                      <a:headEnd type="none" w="med" len="med"/>
+                      <a:tailEnd type="none" w="med" len="med"/>
+                    </a:lnR>
+                    <a:lnT w="9525" cap="flat" cmpd="sng" algn="ctr">
+                      <a:solidFill>
+                        <a:srgbClr val="000000"/>
+                      </a:solidFill>
+                      <a:prstDash val="solid"/>
+                      <a:round/>
+                      <a:headEnd type="none" w="med" len="med"/>
+                      <a:tailEnd type="none" w="med" len="med"/>
+                    </a:lnT>
+                    <a:lnB w="9525" cap="flat" cmpd="sng" algn="ctr">
+                      <a:solidFill>
+                        <a:srgbClr val="000000"/>
+                      </a:solidFill>
+                      <a:prstDash val="solid"/>
+                      <a:round/>
+                      <a:headEnd type="none" w="med" len="med"/>
+                      <a:tailEnd type="none" w="med" len="med"/>
+                    </a:lnB>
+                  </a:tcPr>
+                </a:tc>
+                <a:extLst>
+                  <a:ext uri="{0D108BD9-81ED-4DB2-BD59-A6C34878D82A}">
+                    <a16:rowId xmlns:a16="http://schemas.microsoft.com/office/drawing/2014/main" val="2522459285"/>
+                  </a:ext>
+                </a:extLst>
+              </a:tr>
+              <a:tr h="125318">
+                <a:tc>
+                  <a:txBody>
+                    <a:bodyPr/>
+                    <a:lstStyle/>
+                    <a:p>
+                      <a:r>
+                        <a:rPr lang="en-US" altLang="zh-CN" sz="600" b="1">
+                          <a:solidFill>
+                            <a:srgbClr val="000000"/>
+                          </a:solidFill>
+                          <a:effectLst/>
+                          <a:latin typeface="Helvetica Neue" panose="02000503000000020004" pitchFamily="2" charset="0"/>
+                        </a:rPr>
+                        <a:t>6</a:t>
+                      </a:r>
+                      <a:endParaRPr lang="zh-CN" altLang="en-US" sz="600">
+                        <a:effectLst/>
+                      </a:endParaRPr>
+                    </a:p>
+                  </a:txBody>
+                  <a:tcPr marL="16444" marR="16444" marT="16444" marB="16444">
+                    <a:lnL w="9525" cap="flat" cmpd="sng" algn="ctr">
+                      <a:solidFill>
+                        <a:srgbClr val="000000"/>
+                      </a:solidFill>
+                      <a:prstDash val="solid"/>
+                      <a:round/>
+                      <a:headEnd type="none" w="med" len="med"/>
+                      <a:tailEnd type="none" w="med" len="med"/>
+                    </a:lnL>
+                    <a:lnR w="9525" cap="flat" cmpd="sng" algn="ctr">
+                      <a:solidFill>
+                        <a:srgbClr val="000000"/>
+                      </a:solidFill>
+                      <a:prstDash val="solid"/>
+                      <a:round/>
+                      <a:headEnd type="none" w="med" len="med"/>
+                      <a:tailEnd type="none" w="med" len="med"/>
+                    </a:lnR>
+                    <a:lnT w="9525" cap="flat" cmpd="sng" algn="ctr">
+                      <a:solidFill>
+                        <a:srgbClr val="000000"/>
+                      </a:solidFill>
+                      <a:prstDash val="solid"/>
+                      <a:round/>
+                      <a:headEnd type="none" w="med" len="med"/>
+                      <a:tailEnd type="none" w="med" len="med"/>
+                    </a:lnT>
+                    <a:lnB w="9525" cap="flat" cmpd="sng" algn="ctr">
+                      <a:solidFill>
+                        <a:srgbClr val="000000"/>
+                      </a:solidFill>
+                      <a:prstDash val="solid"/>
+                      <a:round/>
+                      <a:headEnd type="none" w="med" len="med"/>
+                      <a:tailEnd type="none" w="med" len="med"/>
+                    </a:lnB>
+                    <a:solidFill>
+                      <a:srgbClr val="D4D4D4"/>
+                    </a:solidFill>
+                  </a:tcPr>
+                </a:tc>
+                <a:tc>
+                  <a:txBody>
+                    <a:bodyPr/>
+                    <a:lstStyle/>
+                    <a:p>
+                      <a:r>
+                        <a:rPr lang="en-US" altLang="zh-CN" sz="600">
+                          <a:solidFill>
+                            <a:srgbClr val="000000"/>
+                          </a:solidFill>
+                          <a:effectLst/>
+                          <a:latin typeface="Helvetica Neue" panose="02000503000000020004" pitchFamily="2" charset="0"/>
+                        </a:rPr>
+                        <a:t>15</a:t>
+                      </a:r>
+                      <a:endParaRPr lang="zh-CN" altLang="en-US" sz="600">
+                        <a:effectLst/>
+                      </a:endParaRPr>
+                    </a:p>
+                  </a:txBody>
+                  <a:tcPr marL="16444" marR="16444" marT="16444" marB="16444">
+                    <a:lnL w="9525" cap="flat" cmpd="sng" algn="ctr">
+                      <a:solidFill>
+                        <a:srgbClr val="000000"/>
+                      </a:solidFill>
+                      <a:prstDash val="solid"/>
+                      <a:round/>
+                      <a:headEnd type="none" w="med" len="med"/>
+                      <a:tailEnd type="none" w="med" len="med"/>
+                    </a:lnL>
+                    <a:lnR w="9525" cap="flat" cmpd="sng" algn="ctr">
+                      <a:solidFill>
+                        <a:srgbClr val="000000"/>
+                      </a:solidFill>
+                      <a:prstDash val="solid"/>
+                      <a:round/>
+                      <a:headEnd type="none" w="med" len="med"/>
+                      <a:tailEnd type="none" w="med" len="med"/>
+                    </a:lnR>
+                    <a:lnT w="9525" cap="flat" cmpd="sng" algn="ctr">
+                      <a:solidFill>
+                        <a:srgbClr val="000000"/>
+                      </a:solidFill>
+                      <a:prstDash val="solid"/>
+                      <a:round/>
+                      <a:headEnd type="none" w="med" len="med"/>
+                      <a:tailEnd type="none" w="med" len="med"/>
+                    </a:lnT>
+                    <a:lnB w="9525" cap="flat" cmpd="sng" algn="ctr">
+                      <a:solidFill>
+                        <a:srgbClr val="000000"/>
+                      </a:solidFill>
+                      <a:prstDash val="solid"/>
+                      <a:round/>
+                      <a:headEnd type="none" w="med" len="med"/>
+                      <a:tailEnd type="none" w="med" len="med"/>
+                    </a:lnB>
+                  </a:tcPr>
+                </a:tc>
+                <a:tc>
+                  <a:txBody>
+                    <a:bodyPr/>
+                    <a:lstStyle/>
+                    <a:p>
+                      <a:r>
+                        <a:rPr lang="en-US" altLang="zh-CN" sz="600">
+                          <a:solidFill>
+                            <a:srgbClr val="000000"/>
+                          </a:solidFill>
+                          <a:effectLst/>
+                          <a:latin typeface="Helvetica Neue" panose="02000503000000020004" pitchFamily="2" charset="0"/>
+                        </a:rPr>
+                        <a:t>-14238.73360582180</a:t>
+                      </a:r>
+                      <a:endParaRPr lang="zh-CN" altLang="en-US" sz="600">
+                        <a:effectLst/>
+                      </a:endParaRPr>
+                    </a:p>
+                  </a:txBody>
+                  <a:tcPr marL="16444" marR="16444" marT="16444" marB="16444">
+                    <a:lnL w="9525" cap="flat" cmpd="sng" algn="ctr">
+                      <a:solidFill>
+                        <a:srgbClr val="000000"/>
+                      </a:solidFill>
+                      <a:prstDash val="solid"/>
+                      <a:round/>
+                      <a:headEnd type="none" w="med" len="med"/>
+                      <a:tailEnd type="none" w="med" len="med"/>
+                    </a:lnL>
+                    <a:lnR w="9525" cap="flat" cmpd="sng" algn="ctr">
+                      <a:solidFill>
+                        <a:srgbClr val="000000"/>
+                      </a:solidFill>
+                      <a:prstDash val="solid"/>
+                      <a:round/>
+                      <a:headEnd type="none" w="med" len="med"/>
+                      <a:tailEnd type="none" w="med" len="med"/>
+                    </a:lnR>
+                    <a:lnT w="9525" cap="flat" cmpd="sng" algn="ctr">
+                      <a:solidFill>
+                        <a:srgbClr val="000000"/>
+                      </a:solidFill>
+                      <a:prstDash val="solid"/>
+                      <a:round/>
+                      <a:headEnd type="none" w="med" len="med"/>
+                      <a:tailEnd type="none" w="med" len="med"/>
+                    </a:lnT>
+                    <a:lnB w="9525" cap="flat" cmpd="sng" algn="ctr">
+                      <a:solidFill>
+                        <a:srgbClr val="000000"/>
+                      </a:solidFill>
+                      <a:prstDash val="solid"/>
+                      <a:round/>
+                      <a:headEnd type="none" w="med" len="med"/>
+                      <a:tailEnd type="none" w="med" len="med"/>
+                    </a:lnB>
+                  </a:tcPr>
+                </a:tc>
+                <a:extLst>
+                  <a:ext uri="{0D108BD9-81ED-4DB2-BD59-A6C34878D82A}">
+                    <a16:rowId xmlns:a16="http://schemas.microsoft.com/office/drawing/2014/main" val="139411612"/>
+                  </a:ext>
+                </a:extLst>
+              </a:tr>
+              <a:tr h="125318">
+                <a:tc>
+                  <a:txBody>
+                    <a:bodyPr/>
+                    <a:lstStyle/>
+                    <a:p>
+                      <a:r>
+                        <a:rPr lang="en-US" altLang="zh-CN" sz="600" b="1">
+                          <a:solidFill>
+                            <a:srgbClr val="000000"/>
+                          </a:solidFill>
+                          <a:effectLst/>
+                          <a:latin typeface="Helvetica Neue" panose="02000503000000020004" pitchFamily="2" charset="0"/>
+                        </a:rPr>
+                        <a:t>1</a:t>
+                      </a:r>
+                      <a:endParaRPr lang="zh-CN" altLang="en-US" sz="600">
+                        <a:effectLst/>
+                      </a:endParaRPr>
+                    </a:p>
+                  </a:txBody>
+                  <a:tcPr marL="16444" marR="16444" marT="16444" marB="16444">
+                    <a:lnL w="9525" cap="flat" cmpd="sng" algn="ctr">
+                      <a:solidFill>
+                        <a:srgbClr val="000000"/>
+                      </a:solidFill>
+                      <a:prstDash val="solid"/>
+                      <a:round/>
+                      <a:headEnd type="none" w="med" len="med"/>
+                      <a:tailEnd type="none" w="med" len="med"/>
+                    </a:lnL>
+                    <a:lnR w="9525" cap="flat" cmpd="sng" algn="ctr">
+                      <a:solidFill>
+                        <a:srgbClr val="000000"/>
+                      </a:solidFill>
+                      <a:prstDash val="solid"/>
+                      <a:round/>
+                      <a:headEnd type="none" w="med" len="med"/>
+                      <a:tailEnd type="none" w="med" len="med"/>
+                    </a:lnR>
+                    <a:lnT w="9525" cap="flat" cmpd="sng" algn="ctr">
+                      <a:solidFill>
+                        <a:srgbClr val="000000"/>
+                      </a:solidFill>
+                      <a:prstDash val="solid"/>
+                      <a:round/>
+                      <a:headEnd type="none" w="med" len="med"/>
+                      <a:tailEnd type="none" w="med" len="med"/>
+                    </a:lnT>
+                    <a:lnB w="9525" cap="flat" cmpd="sng" algn="ctr">
+                      <a:solidFill>
+                        <a:srgbClr val="000000"/>
+                      </a:solidFill>
+                      <a:prstDash val="solid"/>
+                      <a:round/>
+                      <a:headEnd type="none" w="med" len="med"/>
+                      <a:tailEnd type="none" w="med" len="med"/>
+                    </a:lnB>
+                    <a:solidFill>
+                      <a:srgbClr val="D4D4D4"/>
+                    </a:solidFill>
+                  </a:tcPr>
+                </a:tc>
+                <a:tc>
+                  <a:txBody>
+                    <a:bodyPr/>
+                    <a:lstStyle/>
+                    <a:p>
+                      <a:r>
+                        <a:rPr lang="en-US" altLang="zh-CN" sz="600">
+                          <a:solidFill>
+                            <a:srgbClr val="000000"/>
+                          </a:solidFill>
+                          <a:effectLst/>
+                          <a:latin typeface="Helvetica Neue" panose="02000503000000020004" pitchFamily="2" charset="0"/>
+                        </a:rPr>
+                        <a:t>15</a:t>
+                      </a:r>
+                      <a:endParaRPr lang="zh-CN" altLang="en-US" sz="600">
+                        <a:effectLst/>
+                      </a:endParaRPr>
+                    </a:p>
+                  </a:txBody>
+                  <a:tcPr marL="16444" marR="16444" marT="16444" marB="16444">
+                    <a:lnL w="9525" cap="flat" cmpd="sng" algn="ctr">
+                      <a:solidFill>
+                        <a:srgbClr val="000000"/>
+                      </a:solidFill>
+                      <a:prstDash val="solid"/>
+                      <a:round/>
+                      <a:headEnd type="none" w="med" len="med"/>
+                      <a:tailEnd type="none" w="med" len="med"/>
+                    </a:lnL>
+                    <a:lnR w="9525" cap="flat" cmpd="sng" algn="ctr">
+                      <a:solidFill>
+                        <a:srgbClr val="000000"/>
+                      </a:solidFill>
+                      <a:prstDash val="solid"/>
+                      <a:round/>
+                      <a:headEnd type="none" w="med" len="med"/>
+                      <a:tailEnd type="none" w="med" len="med"/>
+                    </a:lnR>
+                    <a:lnT w="9525" cap="flat" cmpd="sng" algn="ctr">
+                      <a:solidFill>
+                        <a:srgbClr val="000000"/>
+                      </a:solidFill>
+                      <a:prstDash val="solid"/>
+                      <a:round/>
+                      <a:headEnd type="none" w="med" len="med"/>
+                      <a:tailEnd type="none" w="med" len="med"/>
+                    </a:lnT>
+                    <a:lnB w="9525" cap="flat" cmpd="sng" algn="ctr">
+                      <a:solidFill>
+                        <a:srgbClr val="000000"/>
+                      </a:solidFill>
+                      <a:prstDash val="solid"/>
+                      <a:round/>
+                      <a:headEnd type="none" w="med" len="med"/>
+                      <a:tailEnd type="none" w="med" len="med"/>
+                    </a:lnB>
+                  </a:tcPr>
+                </a:tc>
+                <a:tc>
+                  <a:txBody>
+                    <a:bodyPr/>
+                    <a:lstStyle/>
+                    <a:p>
+                      <a:r>
+                        <a:rPr lang="en-US" altLang="zh-CN" sz="600">
+                          <a:solidFill>
+                            <a:srgbClr val="000000"/>
+                          </a:solidFill>
+                          <a:effectLst/>
+                          <a:latin typeface="Helvetica Neue" panose="02000503000000020004" pitchFamily="2" charset="0"/>
+                        </a:rPr>
+                        <a:t>-14259.25965695080</a:t>
+                      </a:r>
+                      <a:endParaRPr lang="zh-CN" altLang="en-US" sz="600">
+                        <a:effectLst/>
+                      </a:endParaRPr>
+                    </a:p>
+                  </a:txBody>
+                  <a:tcPr marL="16444" marR="16444" marT="16444" marB="16444">
+                    <a:lnL w="9525" cap="flat" cmpd="sng" algn="ctr">
+                      <a:solidFill>
+                        <a:srgbClr val="000000"/>
+                      </a:solidFill>
+                      <a:prstDash val="solid"/>
+                      <a:round/>
+                      <a:headEnd type="none" w="med" len="med"/>
+                      <a:tailEnd type="none" w="med" len="med"/>
+                    </a:lnL>
+                    <a:lnR w="9525" cap="flat" cmpd="sng" algn="ctr">
+                      <a:solidFill>
+                        <a:srgbClr val="000000"/>
+                      </a:solidFill>
+                      <a:prstDash val="solid"/>
+                      <a:round/>
+                      <a:headEnd type="none" w="med" len="med"/>
+                      <a:tailEnd type="none" w="med" len="med"/>
+                    </a:lnR>
+                    <a:lnT w="9525" cap="flat" cmpd="sng" algn="ctr">
+                      <a:solidFill>
+                        <a:srgbClr val="000000"/>
+                      </a:solidFill>
+                      <a:prstDash val="solid"/>
+                      <a:round/>
+                      <a:headEnd type="none" w="med" len="med"/>
+                      <a:tailEnd type="none" w="med" len="med"/>
+                    </a:lnT>
+                    <a:lnB w="9525" cap="flat" cmpd="sng" algn="ctr">
+                      <a:solidFill>
+                        <a:srgbClr val="000000"/>
+                      </a:solidFill>
+                      <a:prstDash val="solid"/>
+                      <a:round/>
+                      <a:headEnd type="none" w="med" len="med"/>
+                      <a:tailEnd type="none" w="med" len="med"/>
+                    </a:lnB>
+                  </a:tcPr>
+                </a:tc>
+                <a:extLst>
+                  <a:ext uri="{0D108BD9-81ED-4DB2-BD59-A6C34878D82A}">
+                    <a16:rowId xmlns:a16="http://schemas.microsoft.com/office/drawing/2014/main" val="1793780567"/>
+                  </a:ext>
+                </a:extLst>
+              </a:tr>
+              <a:tr h="125318">
+                <a:tc>
+                  <a:txBody>
+                    <a:bodyPr/>
+                    <a:lstStyle/>
+                    <a:p>
+                      <a:r>
+                        <a:rPr lang="en-US" altLang="zh-CN" sz="600" b="1">
+                          <a:solidFill>
+                            <a:srgbClr val="000000"/>
+                          </a:solidFill>
+                          <a:effectLst/>
+                          <a:latin typeface="Helvetica Neue" panose="02000503000000020004" pitchFamily="2" charset="0"/>
+                        </a:rPr>
+                        <a:t>7</a:t>
+                      </a:r>
+                      <a:endParaRPr lang="zh-CN" altLang="en-US" sz="600">
+                        <a:effectLst/>
+                      </a:endParaRPr>
+                    </a:p>
+                  </a:txBody>
+                  <a:tcPr marL="16444" marR="16444" marT="16444" marB="16444">
+                    <a:lnL w="9525" cap="flat" cmpd="sng" algn="ctr">
+                      <a:solidFill>
+                        <a:srgbClr val="000000"/>
+                      </a:solidFill>
+                      <a:prstDash val="solid"/>
+                      <a:round/>
+                      <a:headEnd type="none" w="med" len="med"/>
+                      <a:tailEnd type="none" w="med" len="med"/>
+                    </a:lnL>
+                    <a:lnR w="9525" cap="flat" cmpd="sng" algn="ctr">
+                      <a:solidFill>
+                        <a:srgbClr val="000000"/>
+                      </a:solidFill>
+                      <a:prstDash val="solid"/>
+                      <a:round/>
+                      <a:headEnd type="none" w="med" len="med"/>
+                      <a:tailEnd type="none" w="med" len="med"/>
+                    </a:lnR>
+                    <a:lnT w="9525" cap="flat" cmpd="sng" algn="ctr">
+                      <a:solidFill>
+                        <a:srgbClr val="000000"/>
+                      </a:solidFill>
+                      <a:prstDash val="solid"/>
+                      <a:round/>
+                      <a:headEnd type="none" w="med" len="med"/>
+                      <a:tailEnd type="none" w="med" len="med"/>
+                    </a:lnT>
+                    <a:lnB w="9525" cap="flat" cmpd="sng" algn="ctr">
+                      <a:solidFill>
+                        <a:srgbClr val="000000"/>
+                      </a:solidFill>
+                      <a:prstDash val="solid"/>
+                      <a:round/>
+                      <a:headEnd type="none" w="med" len="med"/>
+                      <a:tailEnd type="none" w="med" len="med"/>
+                    </a:lnB>
+                    <a:solidFill>
+                      <a:srgbClr val="D4D4D4"/>
+                    </a:solidFill>
+                  </a:tcPr>
+                </a:tc>
+                <a:tc>
+                  <a:txBody>
+                    <a:bodyPr/>
+                    <a:lstStyle/>
+                    <a:p>
+                      <a:r>
+                        <a:rPr lang="en-US" altLang="zh-CN" sz="600">
+                          <a:solidFill>
+                            <a:srgbClr val="000000"/>
+                          </a:solidFill>
+                          <a:effectLst/>
+                          <a:latin typeface="Helvetica Neue" panose="02000503000000020004" pitchFamily="2" charset="0"/>
+                        </a:rPr>
+                        <a:t>15</a:t>
+                      </a:r>
+                      <a:endParaRPr lang="zh-CN" altLang="en-US" sz="600">
+                        <a:effectLst/>
+                      </a:endParaRPr>
+                    </a:p>
+                  </a:txBody>
+                  <a:tcPr marL="16444" marR="16444" marT="16444" marB="16444">
+                    <a:lnL w="9525" cap="flat" cmpd="sng" algn="ctr">
+                      <a:solidFill>
+                        <a:srgbClr val="000000"/>
+                      </a:solidFill>
+                      <a:prstDash val="solid"/>
+                      <a:round/>
+                      <a:headEnd type="none" w="med" len="med"/>
+                      <a:tailEnd type="none" w="med" len="med"/>
+                    </a:lnL>
+                    <a:lnR w="9525" cap="flat" cmpd="sng" algn="ctr">
+                      <a:solidFill>
+                        <a:srgbClr val="000000"/>
+                      </a:solidFill>
+                      <a:prstDash val="solid"/>
+                      <a:round/>
+                      <a:headEnd type="none" w="med" len="med"/>
+                      <a:tailEnd type="none" w="med" len="med"/>
+                    </a:lnR>
+                    <a:lnT w="9525" cap="flat" cmpd="sng" algn="ctr">
+                      <a:solidFill>
+                        <a:srgbClr val="000000"/>
+                      </a:solidFill>
+                      <a:prstDash val="solid"/>
+                      <a:round/>
+                      <a:headEnd type="none" w="med" len="med"/>
+                      <a:tailEnd type="none" w="med" len="med"/>
+                    </a:lnT>
+                    <a:lnB w="9525" cap="flat" cmpd="sng" algn="ctr">
+                      <a:solidFill>
+                        <a:srgbClr val="000000"/>
+                      </a:solidFill>
+                      <a:prstDash val="solid"/>
+                      <a:round/>
+                      <a:headEnd type="none" w="med" len="med"/>
+                      <a:tailEnd type="none" w="med" len="med"/>
+                    </a:lnB>
+                  </a:tcPr>
+                </a:tc>
+                <a:tc>
+                  <a:txBody>
+                    <a:bodyPr/>
+                    <a:lstStyle/>
+                    <a:p>
+                      <a:r>
+                        <a:rPr lang="en-US" altLang="zh-CN" sz="600">
+                          <a:solidFill>
+                            <a:srgbClr val="000000"/>
+                          </a:solidFill>
+                          <a:effectLst/>
+                          <a:latin typeface="Helvetica Neue" panose="02000503000000020004" pitchFamily="2" charset="0"/>
+                        </a:rPr>
+                        <a:t>-14334.513048630400</a:t>
+                      </a:r>
+                      <a:endParaRPr lang="zh-CN" altLang="en-US" sz="600">
+                        <a:effectLst/>
+                      </a:endParaRPr>
+                    </a:p>
+                  </a:txBody>
+                  <a:tcPr marL="16444" marR="16444" marT="16444" marB="16444">
+                    <a:lnL w="9525" cap="flat" cmpd="sng" algn="ctr">
+                      <a:solidFill>
+                        <a:srgbClr val="000000"/>
+                      </a:solidFill>
+                      <a:prstDash val="solid"/>
+                      <a:round/>
+                      <a:headEnd type="none" w="med" len="med"/>
+                      <a:tailEnd type="none" w="med" len="med"/>
+                    </a:lnL>
+                    <a:lnR w="9525" cap="flat" cmpd="sng" algn="ctr">
+                      <a:solidFill>
+                        <a:srgbClr val="000000"/>
+                      </a:solidFill>
+                      <a:prstDash val="solid"/>
+                      <a:round/>
+                      <a:headEnd type="none" w="med" len="med"/>
+                      <a:tailEnd type="none" w="med" len="med"/>
+                    </a:lnR>
+                    <a:lnT w="9525" cap="flat" cmpd="sng" algn="ctr">
+                      <a:solidFill>
+                        <a:srgbClr val="000000"/>
+                      </a:solidFill>
+                      <a:prstDash val="solid"/>
+                      <a:round/>
+                      <a:headEnd type="none" w="med" len="med"/>
+                      <a:tailEnd type="none" w="med" len="med"/>
+                    </a:lnT>
+                    <a:lnB w="9525" cap="flat" cmpd="sng" algn="ctr">
+                      <a:solidFill>
+                        <a:srgbClr val="000000"/>
+                      </a:solidFill>
+                      <a:prstDash val="solid"/>
+                      <a:round/>
+                      <a:headEnd type="none" w="med" len="med"/>
+                      <a:tailEnd type="none" w="med" len="med"/>
+                    </a:lnB>
+                  </a:tcPr>
+                </a:tc>
+                <a:extLst>
+                  <a:ext uri="{0D108BD9-81ED-4DB2-BD59-A6C34878D82A}">
+                    <a16:rowId xmlns:a16="http://schemas.microsoft.com/office/drawing/2014/main" val="1599689424"/>
+                  </a:ext>
+                </a:extLst>
+              </a:tr>
+              <a:tr h="125318">
+                <a:tc>
+                  <a:txBody>
+                    <a:bodyPr/>
+                    <a:lstStyle/>
+                    <a:p>
+                      <a:r>
+                        <a:rPr lang="en-US" altLang="zh-CN" sz="600" b="1">
+                          <a:solidFill>
+                            <a:srgbClr val="000000"/>
+                          </a:solidFill>
+                          <a:effectLst/>
+                          <a:latin typeface="Helvetica Neue" panose="02000503000000020004" pitchFamily="2" charset="0"/>
+                        </a:rPr>
+                        <a:t>15</a:t>
+                      </a:r>
+                      <a:endParaRPr lang="zh-CN" altLang="en-US" sz="600">
+                        <a:effectLst/>
+                      </a:endParaRPr>
+                    </a:p>
+                  </a:txBody>
+                  <a:tcPr marL="16444" marR="16444" marT="16444" marB="16444">
+                    <a:lnL w="9525" cap="flat" cmpd="sng" algn="ctr">
+                      <a:solidFill>
+                        <a:srgbClr val="000000"/>
+                      </a:solidFill>
+                      <a:prstDash val="solid"/>
+                      <a:round/>
+                      <a:headEnd type="none" w="med" len="med"/>
+                      <a:tailEnd type="none" w="med" len="med"/>
+                    </a:lnL>
+                    <a:lnR w="9525" cap="flat" cmpd="sng" algn="ctr">
+                      <a:solidFill>
+                        <a:srgbClr val="000000"/>
+                      </a:solidFill>
+                      <a:prstDash val="solid"/>
+                      <a:round/>
+                      <a:headEnd type="none" w="med" len="med"/>
+                      <a:tailEnd type="none" w="med" len="med"/>
+                    </a:lnR>
+                    <a:lnT w="9525" cap="flat" cmpd="sng" algn="ctr">
+                      <a:solidFill>
+                        <a:srgbClr val="000000"/>
+                      </a:solidFill>
+                      <a:prstDash val="solid"/>
+                      <a:round/>
+                      <a:headEnd type="none" w="med" len="med"/>
+                      <a:tailEnd type="none" w="med" len="med"/>
+                    </a:lnT>
+                    <a:lnB w="9525" cap="flat" cmpd="sng" algn="ctr">
+                      <a:solidFill>
+                        <a:srgbClr val="000000"/>
+                      </a:solidFill>
+                      <a:prstDash val="solid"/>
+                      <a:round/>
+                      <a:headEnd type="none" w="med" len="med"/>
+                      <a:tailEnd type="none" w="med" len="med"/>
+                    </a:lnB>
+                    <a:solidFill>
+                      <a:srgbClr val="D4D4D4"/>
+                    </a:solidFill>
+                  </a:tcPr>
+                </a:tc>
+                <a:tc>
+                  <a:txBody>
+                    <a:bodyPr/>
+                    <a:lstStyle/>
+                    <a:p>
+                      <a:r>
+                        <a:rPr lang="en-US" altLang="zh-CN" sz="600">
+                          <a:solidFill>
+                            <a:srgbClr val="000000"/>
+                          </a:solidFill>
+                          <a:effectLst/>
+                          <a:latin typeface="Helvetica Neue" panose="02000503000000020004" pitchFamily="2" charset="0"/>
+                        </a:rPr>
+                        <a:t>16</a:t>
+                      </a:r>
+                      <a:endParaRPr lang="zh-CN" altLang="en-US" sz="600">
+                        <a:effectLst/>
+                      </a:endParaRPr>
+                    </a:p>
+                  </a:txBody>
+                  <a:tcPr marL="16444" marR="16444" marT="16444" marB="16444">
+                    <a:lnL w="9525" cap="flat" cmpd="sng" algn="ctr">
+                      <a:solidFill>
+                        <a:srgbClr val="000000"/>
+                      </a:solidFill>
+                      <a:prstDash val="solid"/>
+                      <a:round/>
+                      <a:headEnd type="none" w="med" len="med"/>
+                      <a:tailEnd type="none" w="med" len="med"/>
+                    </a:lnL>
+                    <a:lnR w="9525" cap="flat" cmpd="sng" algn="ctr">
+                      <a:solidFill>
+                        <a:srgbClr val="000000"/>
+                      </a:solidFill>
+                      <a:prstDash val="solid"/>
+                      <a:round/>
+                      <a:headEnd type="none" w="med" len="med"/>
+                      <a:tailEnd type="none" w="med" len="med"/>
+                    </a:lnR>
+                    <a:lnT w="9525" cap="flat" cmpd="sng" algn="ctr">
+                      <a:solidFill>
+                        <a:srgbClr val="000000"/>
+                      </a:solidFill>
+                      <a:prstDash val="solid"/>
+                      <a:round/>
+                      <a:headEnd type="none" w="med" len="med"/>
+                      <a:tailEnd type="none" w="med" len="med"/>
+                    </a:lnT>
+                    <a:lnB w="9525" cap="flat" cmpd="sng" algn="ctr">
+                      <a:solidFill>
+                        <a:srgbClr val="000000"/>
+                      </a:solidFill>
+                      <a:prstDash val="solid"/>
+                      <a:round/>
+                      <a:headEnd type="none" w="med" len="med"/>
+                      <a:tailEnd type="none" w="med" len="med"/>
+                    </a:lnB>
+                  </a:tcPr>
+                </a:tc>
+                <a:tc>
+                  <a:txBody>
+                    <a:bodyPr/>
+                    <a:lstStyle/>
+                    <a:p>
+                      <a:r>
+                        <a:rPr lang="en-US" altLang="zh-CN" sz="600">
+                          <a:solidFill>
+                            <a:srgbClr val="000000"/>
+                          </a:solidFill>
+                          <a:effectLst/>
+                          <a:latin typeface="Helvetica Neue" panose="02000503000000020004" pitchFamily="2" charset="0"/>
+                        </a:rPr>
+                        <a:t>-14603.115175310500</a:t>
+                      </a:r>
+                      <a:endParaRPr lang="zh-CN" altLang="en-US" sz="600">
+                        <a:effectLst/>
+                      </a:endParaRPr>
+                    </a:p>
+                  </a:txBody>
+                  <a:tcPr marL="16444" marR="16444" marT="16444" marB="16444">
+                    <a:lnL w="9525" cap="flat" cmpd="sng" algn="ctr">
+                      <a:solidFill>
+                        <a:srgbClr val="000000"/>
+                      </a:solidFill>
+                      <a:prstDash val="solid"/>
+                      <a:round/>
+                      <a:headEnd type="none" w="med" len="med"/>
+                      <a:tailEnd type="none" w="med" len="med"/>
+                    </a:lnL>
+                    <a:lnR w="9525" cap="flat" cmpd="sng" algn="ctr">
+                      <a:solidFill>
+                        <a:srgbClr val="000000"/>
+                      </a:solidFill>
+                      <a:prstDash val="solid"/>
+                      <a:round/>
+                      <a:headEnd type="none" w="med" len="med"/>
+                      <a:tailEnd type="none" w="med" len="med"/>
+                    </a:lnR>
+                    <a:lnT w="9525" cap="flat" cmpd="sng" algn="ctr">
+                      <a:solidFill>
+                        <a:srgbClr val="000000"/>
+                      </a:solidFill>
+                      <a:prstDash val="solid"/>
+                      <a:round/>
+                      <a:headEnd type="none" w="med" len="med"/>
+                      <a:tailEnd type="none" w="med" len="med"/>
+                    </a:lnT>
+                    <a:lnB w="9525" cap="flat" cmpd="sng" algn="ctr">
+                      <a:solidFill>
+                        <a:srgbClr val="000000"/>
+                      </a:solidFill>
+                      <a:prstDash val="solid"/>
+                      <a:round/>
+                      <a:headEnd type="none" w="med" len="med"/>
+                      <a:tailEnd type="none" w="med" len="med"/>
+                    </a:lnB>
+                  </a:tcPr>
+                </a:tc>
+                <a:extLst>
+                  <a:ext uri="{0D108BD9-81ED-4DB2-BD59-A6C34878D82A}">
+                    <a16:rowId xmlns:a16="http://schemas.microsoft.com/office/drawing/2014/main" val="1101424656"/>
+                  </a:ext>
+                </a:extLst>
+              </a:tr>
+              <a:tr h="125318">
+                <a:tc>
+                  <a:txBody>
+                    <a:bodyPr/>
+                    <a:lstStyle/>
+                    <a:p>
+                      <a:r>
+                        <a:rPr lang="en-US" altLang="zh-CN" sz="600" b="1">
+                          <a:solidFill>
+                            <a:srgbClr val="000000"/>
+                          </a:solidFill>
+                          <a:effectLst/>
+                          <a:latin typeface="Helvetica Neue" panose="02000503000000020004" pitchFamily="2" charset="0"/>
+                        </a:rPr>
+                        <a:t>19</a:t>
+                      </a:r>
+                      <a:endParaRPr lang="zh-CN" altLang="en-US" sz="600">
+                        <a:effectLst/>
+                      </a:endParaRPr>
+                    </a:p>
+                  </a:txBody>
+                  <a:tcPr marL="16444" marR="16444" marT="16444" marB="16444">
+                    <a:lnL w="9525" cap="flat" cmpd="sng" algn="ctr">
+                      <a:solidFill>
+                        <a:srgbClr val="000000"/>
+                      </a:solidFill>
+                      <a:prstDash val="solid"/>
+                      <a:round/>
+                      <a:headEnd type="none" w="med" len="med"/>
+                      <a:tailEnd type="none" w="med" len="med"/>
+                    </a:lnL>
+                    <a:lnR w="9525" cap="flat" cmpd="sng" algn="ctr">
+                      <a:solidFill>
+                        <a:srgbClr val="000000"/>
+                      </a:solidFill>
+                      <a:prstDash val="solid"/>
+                      <a:round/>
+                      <a:headEnd type="none" w="med" len="med"/>
+                      <a:tailEnd type="none" w="med" len="med"/>
+                    </a:lnR>
+                    <a:lnT w="9525" cap="flat" cmpd="sng" algn="ctr">
+                      <a:solidFill>
+                        <a:srgbClr val="000000"/>
+                      </a:solidFill>
+                      <a:prstDash val="solid"/>
+                      <a:round/>
+                      <a:headEnd type="none" w="med" len="med"/>
+                      <a:tailEnd type="none" w="med" len="med"/>
+                    </a:lnT>
+                    <a:lnB w="9525" cap="flat" cmpd="sng" algn="ctr">
+                      <a:solidFill>
+                        <a:srgbClr val="000000"/>
+                      </a:solidFill>
+                      <a:prstDash val="solid"/>
+                      <a:round/>
+                      <a:headEnd type="none" w="med" len="med"/>
+                      <a:tailEnd type="none" w="med" len="med"/>
+                    </a:lnB>
+                    <a:solidFill>
+                      <a:srgbClr val="D4D4D4"/>
+                    </a:solidFill>
+                  </a:tcPr>
+                </a:tc>
+                <a:tc>
+                  <a:txBody>
+                    <a:bodyPr/>
+                    <a:lstStyle/>
+                    <a:p>
+                      <a:r>
+                        <a:rPr lang="en-US" altLang="zh-CN" sz="600">
+                          <a:solidFill>
+                            <a:srgbClr val="000000"/>
+                          </a:solidFill>
+                          <a:effectLst/>
+                          <a:latin typeface="Helvetica Neue" panose="02000503000000020004" pitchFamily="2" charset="0"/>
+                        </a:rPr>
+                        <a:t>16</a:t>
+                      </a:r>
+                      <a:endParaRPr lang="zh-CN" altLang="en-US" sz="600">
+                        <a:effectLst/>
+                      </a:endParaRPr>
+                    </a:p>
+                  </a:txBody>
+                  <a:tcPr marL="16444" marR="16444" marT="16444" marB="16444">
+                    <a:lnL w="9525" cap="flat" cmpd="sng" algn="ctr">
+                      <a:solidFill>
+                        <a:srgbClr val="000000"/>
+                      </a:solidFill>
+                      <a:prstDash val="solid"/>
+                      <a:round/>
+                      <a:headEnd type="none" w="med" len="med"/>
+                      <a:tailEnd type="none" w="med" len="med"/>
+                    </a:lnL>
+                    <a:lnR w="9525" cap="flat" cmpd="sng" algn="ctr">
+                      <a:solidFill>
+                        <a:srgbClr val="000000"/>
+                      </a:solidFill>
+                      <a:prstDash val="solid"/>
+                      <a:round/>
+                      <a:headEnd type="none" w="med" len="med"/>
+                      <a:tailEnd type="none" w="med" len="med"/>
+                    </a:lnR>
+                    <a:lnT w="9525" cap="flat" cmpd="sng" algn="ctr">
+                      <a:solidFill>
+                        <a:srgbClr val="000000"/>
+                      </a:solidFill>
+                      <a:prstDash val="solid"/>
+                      <a:round/>
+                      <a:headEnd type="none" w="med" len="med"/>
+                      <a:tailEnd type="none" w="med" len="med"/>
+                    </a:lnT>
+                    <a:lnB w="9525" cap="flat" cmpd="sng" algn="ctr">
+                      <a:solidFill>
+                        <a:srgbClr val="000000"/>
+                      </a:solidFill>
+                      <a:prstDash val="solid"/>
+                      <a:round/>
+                      <a:headEnd type="none" w="med" len="med"/>
+                      <a:tailEnd type="none" w="med" len="med"/>
+                    </a:lnB>
+                  </a:tcPr>
+                </a:tc>
+                <a:tc>
+                  <a:txBody>
+                    <a:bodyPr/>
+                    <a:lstStyle/>
+                    <a:p>
+                      <a:r>
+                        <a:rPr lang="en-US" altLang="zh-CN" sz="600">
+                          <a:solidFill>
+                            <a:srgbClr val="000000"/>
+                          </a:solidFill>
+                          <a:effectLst/>
+                          <a:latin typeface="Helvetica Neue" panose="02000503000000020004" pitchFamily="2" charset="0"/>
+                        </a:rPr>
+                        <a:t>-14712.99807645120</a:t>
+                      </a:r>
+                      <a:endParaRPr lang="zh-CN" altLang="en-US" sz="600">
+                        <a:effectLst/>
+                      </a:endParaRPr>
+                    </a:p>
+                  </a:txBody>
+                  <a:tcPr marL="16444" marR="16444" marT="16444" marB="16444">
+                    <a:lnL w="9525" cap="flat" cmpd="sng" algn="ctr">
+                      <a:solidFill>
+                        <a:srgbClr val="000000"/>
+                      </a:solidFill>
+                      <a:prstDash val="solid"/>
+                      <a:round/>
+                      <a:headEnd type="none" w="med" len="med"/>
+                      <a:tailEnd type="none" w="med" len="med"/>
+                    </a:lnL>
+                    <a:lnR w="9525" cap="flat" cmpd="sng" algn="ctr">
+                      <a:solidFill>
+                        <a:srgbClr val="000000"/>
+                      </a:solidFill>
+                      <a:prstDash val="solid"/>
+                      <a:round/>
+                      <a:headEnd type="none" w="med" len="med"/>
+                      <a:tailEnd type="none" w="med" len="med"/>
+                    </a:lnR>
+                    <a:lnT w="9525" cap="flat" cmpd="sng" algn="ctr">
+                      <a:solidFill>
+                        <a:srgbClr val="000000"/>
+                      </a:solidFill>
+                      <a:prstDash val="solid"/>
+                      <a:round/>
+                      <a:headEnd type="none" w="med" len="med"/>
+                      <a:tailEnd type="none" w="med" len="med"/>
+                    </a:lnT>
+                    <a:lnB w="9525" cap="flat" cmpd="sng" algn="ctr">
+                      <a:solidFill>
+                        <a:srgbClr val="000000"/>
+                      </a:solidFill>
+                      <a:prstDash val="solid"/>
+                      <a:round/>
+                      <a:headEnd type="none" w="med" len="med"/>
+                      <a:tailEnd type="none" w="med" len="med"/>
+                    </a:lnB>
+                  </a:tcPr>
+                </a:tc>
+                <a:extLst>
+                  <a:ext uri="{0D108BD9-81ED-4DB2-BD59-A6C34878D82A}">
+                    <a16:rowId xmlns:a16="http://schemas.microsoft.com/office/drawing/2014/main" val="2251910875"/>
+                  </a:ext>
+                </a:extLst>
+              </a:tr>
+              <a:tr h="125318">
+                <a:tc>
+                  <a:txBody>
+                    <a:bodyPr/>
+                    <a:lstStyle/>
+                    <a:p>
+                      <a:r>
+                        <a:rPr lang="en-US" altLang="zh-CN" sz="600" b="1">
+                          <a:solidFill>
+                            <a:srgbClr val="000000"/>
+                          </a:solidFill>
+                          <a:effectLst/>
+                          <a:latin typeface="Helvetica Neue" panose="02000503000000020004" pitchFamily="2" charset="0"/>
+                        </a:rPr>
+                        <a:t>4</a:t>
+                      </a:r>
+                      <a:endParaRPr lang="zh-CN" altLang="en-US" sz="600">
+                        <a:effectLst/>
+                      </a:endParaRPr>
+                    </a:p>
+                  </a:txBody>
+                  <a:tcPr marL="16444" marR="16444" marT="16444" marB="16444">
+                    <a:lnL w="9525" cap="flat" cmpd="sng" algn="ctr">
+                      <a:solidFill>
+                        <a:srgbClr val="000000"/>
+                      </a:solidFill>
+                      <a:prstDash val="solid"/>
+                      <a:round/>
+                      <a:headEnd type="none" w="med" len="med"/>
+                      <a:tailEnd type="none" w="med" len="med"/>
+                    </a:lnL>
+                    <a:lnR w="9525" cap="flat" cmpd="sng" algn="ctr">
+                      <a:solidFill>
+                        <a:srgbClr val="000000"/>
+                      </a:solidFill>
+                      <a:prstDash val="solid"/>
+                      <a:round/>
+                      <a:headEnd type="none" w="med" len="med"/>
+                      <a:tailEnd type="none" w="med" len="med"/>
+                    </a:lnR>
+                    <a:lnT w="9525" cap="flat" cmpd="sng" algn="ctr">
+                      <a:solidFill>
+                        <a:srgbClr val="000000"/>
+                      </a:solidFill>
+                      <a:prstDash val="solid"/>
+                      <a:round/>
+                      <a:headEnd type="none" w="med" len="med"/>
+                      <a:tailEnd type="none" w="med" len="med"/>
+                    </a:lnT>
+                    <a:lnB w="9525" cap="flat" cmpd="sng" algn="ctr">
+                      <a:solidFill>
+                        <a:srgbClr val="000000"/>
+                      </a:solidFill>
+                      <a:prstDash val="solid"/>
+                      <a:round/>
+                      <a:headEnd type="none" w="med" len="med"/>
+                      <a:tailEnd type="none" w="med" len="med"/>
+                    </a:lnB>
+                    <a:solidFill>
+                      <a:srgbClr val="D4D4D4"/>
+                    </a:solidFill>
+                  </a:tcPr>
+                </a:tc>
+                <a:tc>
+                  <a:txBody>
+                    <a:bodyPr/>
+                    <a:lstStyle/>
+                    <a:p>
+                      <a:r>
+                        <a:rPr lang="en-US" altLang="zh-CN" sz="600">
+                          <a:solidFill>
+                            <a:srgbClr val="000000"/>
+                          </a:solidFill>
+                          <a:effectLst/>
+                          <a:latin typeface="Helvetica Neue" panose="02000503000000020004" pitchFamily="2" charset="0"/>
+                        </a:rPr>
+                        <a:t>16</a:t>
+                      </a:r>
+                      <a:endParaRPr lang="zh-CN" altLang="en-US" sz="600">
+                        <a:effectLst/>
+                      </a:endParaRPr>
+                    </a:p>
+                  </a:txBody>
+                  <a:tcPr marL="16444" marR="16444" marT="16444" marB="16444">
+                    <a:lnL w="9525" cap="flat" cmpd="sng" algn="ctr">
+                      <a:solidFill>
+                        <a:srgbClr val="000000"/>
+                      </a:solidFill>
+                      <a:prstDash val="solid"/>
+                      <a:round/>
+                      <a:headEnd type="none" w="med" len="med"/>
+                      <a:tailEnd type="none" w="med" len="med"/>
+                    </a:lnL>
+                    <a:lnR w="9525" cap="flat" cmpd="sng" algn="ctr">
+                      <a:solidFill>
+                        <a:srgbClr val="000000"/>
+                      </a:solidFill>
+                      <a:prstDash val="solid"/>
+                      <a:round/>
+                      <a:headEnd type="none" w="med" len="med"/>
+                      <a:tailEnd type="none" w="med" len="med"/>
+                    </a:lnR>
+                    <a:lnT w="9525" cap="flat" cmpd="sng" algn="ctr">
+                      <a:solidFill>
+                        <a:srgbClr val="000000"/>
+                      </a:solidFill>
+                      <a:prstDash val="solid"/>
+                      <a:round/>
+                      <a:headEnd type="none" w="med" len="med"/>
+                      <a:tailEnd type="none" w="med" len="med"/>
+                    </a:lnT>
+                    <a:lnB w="9525" cap="flat" cmpd="sng" algn="ctr">
+                      <a:solidFill>
+                        <a:srgbClr val="000000"/>
+                      </a:solidFill>
+                      <a:prstDash val="solid"/>
+                      <a:round/>
+                      <a:headEnd type="none" w="med" len="med"/>
+                      <a:tailEnd type="none" w="med" len="med"/>
+                    </a:lnB>
+                  </a:tcPr>
+                </a:tc>
+                <a:tc>
+                  <a:txBody>
+                    <a:bodyPr/>
+                    <a:lstStyle/>
+                    <a:p>
+                      <a:r>
+                        <a:rPr lang="en-US" altLang="zh-CN" sz="600">
+                          <a:solidFill>
+                            <a:srgbClr val="000000"/>
+                          </a:solidFill>
+                          <a:effectLst/>
+                          <a:latin typeface="Helvetica Neue" panose="02000503000000020004" pitchFamily="2" charset="0"/>
+                        </a:rPr>
+                        <a:t>-14732.01230457900</a:t>
+                      </a:r>
+                      <a:endParaRPr lang="zh-CN" altLang="en-US" sz="600">
+                        <a:effectLst/>
+                      </a:endParaRPr>
+                    </a:p>
+                  </a:txBody>
+                  <a:tcPr marL="16444" marR="16444" marT="16444" marB="16444">
+                    <a:lnL w="9525" cap="flat" cmpd="sng" algn="ctr">
+                      <a:solidFill>
+                        <a:srgbClr val="000000"/>
+                      </a:solidFill>
+                      <a:prstDash val="solid"/>
+                      <a:round/>
+                      <a:headEnd type="none" w="med" len="med"/>
+                      <a:tailEnd type="none" w="med" len="med"/>
+                    </a:lnL>
+                    <a:lnR w="9525" cap="flat" cmpd="sng" algn="ctr">
+                      <a:solidFill>
+                        <a:srgbClr val="000000"/>
+                      </a:solidFill>
+                      <a:prstDash val="solid"/>
+                      <a:round/>
+                      <a:headEnd type="none" w="med" len="med"/>
+                      <a:tailEnd type="none" w="med" len="med"/>
+                    </a:lnR>
+                    <a:lnT w="9525" cap="flat" cmpd="sng" algn="ctr">
+                      <a:solidFill>
+                        <a:srgbClr val="000000"/>
+                      </a:solidFill>
+                      <a:prstDash val="solid"/>
+                      <a:round/>
+                      <a:headEnd type="none" w="med" len="med"/>
+                      <a:tailEnd type="none" w="med" len="med"/>
+                    </a:lnT>
+                    <a:lnB w="9525" cap="flat" cmpd="sng" algn="ctr">
+                      <a:solidFill>
+                        <a:srgbClr val="000000"/>
+                      </a:solidFill>
+                      <a:prstDash val="solid"/>
+                      <a:round/>
+                      <a:headEnd type="none" w="med" len="med"/>
+                      <a:tailEnd type="none" w="med" len="med"/>
+                    </a:lnB>
+                  </a:tcPr>
+                </a:tc>
+                <a:extLst>
+                  <a:ext uri="{0D108BD9-81ED-4DB2-BD59-A6C34878D82A}">
+                    <a16:rowId xmlns:a16="http://schemas.microsoft.com/office/drawing/2014/main" val="1238685246"/>
+                  </a:ext>
+                </a:extLst>
+              </a:tr>
+              <a:tr h="125318">
+                <a:tc>
+                  <a:txBody>
+                    <a:bodyPr/>
+                    <a:lstStyle/>
+                    <a:p>
+                      <a:r>
+                        <a:rPr lang="en-US" altLang="zh-CN" sz="600" b="1">
+                          <a:solidFill>
+                            <a:srgbClr val="000000"/>
+                          </a:solidFill>
+                          <a:effectLst/>
+                          <a:latin typeface="Helvetica Neue" panose="02000503000000020004" pitchFamily="2" charset="0"/>
+                        </a:rPr>
+                        <a:t>17</a:t>
+                      </a:r>
+                      <a:endParaRPr lang="zh-CN" altLang="en-US" sz="600">
+                        <a:effectLst/>
+                      </a:endParaRPr>
+                    </a:p>
+                  </a:txBody>
+                  <a:tcPr marL="16444" marR="16444" marT="16444" marB="16444">
+                    <a:lnL w="9525" cap="flat" cmpd="sng" algn="ctr">
+                      <a:solidFill>
+                        <a:srgbClr val="000000"/>
+                      </a:solidFill>
+                      <a:prstDash val="solid"/>
+                      <a:round/>
+                      <a:headEnd type="none" w="med" len="med"/>
+                      <a:tailEnd type="none" w="med" len="med"/>
+                    </a:lnL>
+                    <a:lnR w="9525" cap="flat" cmpd="sng" algn="ctr">
+                      <a:solidFill>
+                        <a:srgbClr val="000000"/>
+                      </a:solidFill>
+                      <a:prstDash val="solid"/>
+                      <a:round/>
+                      <a:headEnd type="none" w="med" len="med"/>
+                      <a:tailEnd type="none" w="med" len="med"/>
+                    </a:lnR>
+                    <a:lnT w="9525" cap="flat" cmpd="sng" algn="ctr">
+                      <a:solidFill>
+                        <a:srgbClr val="000000"/>
+                      </a:solidFill>
+                      <a:prstDash val="solid"/>
+                      <a:round/>
+                      <a:headEnd type="none" w="med" len="med"/>
+                      <a:tailEnd type="none" w="med" len="med"/>
+                    </a:lnT>
+                    <a:lnB w="9525" cap="flat" cmpd="sng" algn="ctr">
+                      <a:solidFill>
+                        <a:srgbClr val="000000"/>
+                      </a:solidFill>
+                      <a:prstDash val="solid"/>
+                      <a:round/>
+                      <a:headEnd type="none" w="med" len="med"/>
+                      <a:tailEnd type="none" w="med" len="med"/>
+                    </a:lnB>
+                    <a:solidFill>
+                      <a:srgbClr val="D4D4D4"/>
+                    </a:solidFill>
+                  </a:tcPr>
+                </a:tc>
+                <a:tc>
+                  <a:txBody>
+                    <a:bodyPr/>
+                    <a:lstStyle/>
+                    <a:p>
+                      <a:r>
+                        <a:rPr lang="en-US" altLang="zh-CN" sz="600">
+                          <a:solidFill>
+                            <a:srgbClr val="000000"/>
+                          </a:solidFill>
+                          <a:effectLst/>
+                          <a:latin typeface="Helvetica Neue" panose="02000503000000020004" pitchFamily="2" charset="0"/>
+                        </a:rPr>
+                        <a:t>17</a:t>
+                      </a:r>
+                      <a:endParaRPr lang="zh-CN" altLang="en-US" sz="600">
+                        <a:effectLst/>
+                      </a:endParaRPr>
+                    </a:p>
+                  </a:txBody>
+                  <a:tcPr marL="16444" marR="16444" marT="16444" marB="16444">
+                    <a:lnL w="9525" cap="flat" cmpd="sng" algn="ctr">
+                      <a:solidFill>
+                        <a:srgbClr val="000000"/>
+                      </a:solidFill>
+                      <a:prstDash val="solid"/>
+                      <a:round/>
+                      <a:headEnd type="none" w="med" len="med"/>
+                      <a:tailEnd type="none" w="med" len="med"/>
+                    </a:lnL>
+                    <a:lnR w="9525" cap="flat" cmpd="sng" algn="ctr">
+                      <a:solidFill>
+                        <a:srgbClr val="000000"/>
+                      </a:solidFill>
+                      <a:prstDash val="solid"/>
+                      <a:round/>
+                      <a:headEnd type="none" w="med" len="med"/>
+                      <a:tailEnd type="none" w="med" len="med"/>
+                    </a:lnR>
+                    <a:lnT w="9525" cap="flat" cmpd="sng" algn="ctr">
+                      <a:solidFill>
+                        <a:srgbClr val="000000"/>
+                      </a:solidFill>
+                      <a:prstDash val="solid"/>
+                      <a:round/>
+                      <a:headEnd type="none" w="med" len="med"/>
+                      <a:tailEnd type="none" w="med" len="med"/>
+                    </a:lnT>
+                    <a:lnB w="9525" cap="flat" cmpd="sng" algn="ctr">
+                      <a:solidFill>
+                        <a:srgbClr val="000000"/>
+                      </a:solidFill>
+                      <a:prstDash val="solid"/>
+                      <a:round/>
+                      <a:headEnd type="none" w="med" len="med"/>
+                      <a:tailEnd type="none" w="med" len="med"/>
+                    </a:lnB>
+                  </a:tcPr>
+                </a:tc>
+                <a:tc>
+                  <a:txBody>
+                    <a:bodyPr/>
+                    <a:lstStyle/>
+                    <a:p>
+                      <a:r>
+                        <a:rPr lang="en-US" altLang="zh-CN" sz="600">
+                          <a:solidFill>
+                            <a:srgbClr val="000000"/>
+                          </a:solidFill>
+                          <a:effectLst/>
+                          <a:latin typeface="Helvetica Neue" panose="02000503000000020004" pitchFamily="2" charset="0"/>
+                        </a:rPr>
+                        <a:t>-15098.230327010300</a:t>
+                      </a:r>
+                      <a:endParaRPr lang="zh-CN" altLang="en-US" sz="600">
+                        <a:effectLst/>
+                      </a:endParaRPr>
+                    </a:p>
+                  </a:txBody>
+                  <a:tcPr marL="16444" marR="16444" marT="16444" marB="16444">
+                    <a:lnL w="9525" cap="flat" cmpd="sng" algn="ctr">
+                      <a:solidFill>
+                        <a:srgbClr val="000000"/>
+                      </a:solidFill>
+                      <a:prstDash val="solid"/>
+                      <a:round/>
+                      <a:headEnd type="none" w="med" len="med"/>
+                      <a:tailEnd type="none" w="med" len="med"/>
+                    </a:lnL>
+                    <a:lnR w="9525" cap="flat" cmpd="sng" algn="ctr">
+                      <a:solidFill>
+                        <a:srgbClr val="000000"/>
+                      </a:solidFill>
+                      <a:prstDash val="solid"/>
+                      <a:round/>
+                      <a:headEnd type="none" w="med" len="med"/>
+                      <a:tailEnd type="none" w="med" len="med"/>
+                    </a:lnR>
+                    <a:lnT w="9525" cap="flat" cmpd="sng" algn="ctr">
+                      <a:solidFill>
+                        <a:srgbClr val="000000"/>
+                      </a:solidFill>
+                      <a:prstDash val="solid"/>
+                      <a:round/>
+                      <a:headEnd type="none" w="med" len="med"/>
+                      <a:tailEnd type="none" w="med" len="med"/>
+                    </a:lnT>
+                    <a:lnB w="9525" cap="flat" cmpd="sng" algn="ctr">
+                      <a:solidFill>
+                        <a:srgbClr val="000000"/>
+                      </a:solidFill>
+                      <a:prstDash val="solid"/>
+                      <a:round/>
+                      <a:headEnd type="none" w="med" len="med"/>
+                      <a:tailEnd type="none" w="med" len="med"/>
+                    </a:lnB>
+                  </a:tcPr>
+                </a:tc>
+                <a:extLst>
+                  <a:ext uri="{0D108BD9-81ED-4DB2-BD59-A6C34878D82A}">
+                    <a16:rowId xmlns:a16="http://schemas.microsoft.com/office/drawing/2014/main" val="2415273153"/>
+                  </a:ext>
+                </a:extLst>
+              </a:tr>
+              <a:tr h="125318">
+                <a:tc>
+                  <a:txBody>
+                    <a:bodyPr/>
+                    <a:lstStyle/>
+                    <a:p>
+                      <a:r>
+                        <a:rPr lang="en-US" altLang="zh-CN" sz="600" b="1">
+                          <a:solidFill>
+                            <a:srgbClr val="000000"/>
+                          </a:solidFill>
+                          <a:effectLst/>
+                          <a:latin typeface="Helvetica Neue" panose="02000503000000020004" pitchFamily="2" charset="0"/>
+                        </a:rPr>
+                        <a:t>16</a:t>
+                      </a:r>
+                      <a:endParaRPr lang="zh-CN" altLang="en-US" sz="600">
+                        <a:effectLst/>
+                      </a:endParaRPr>
+                    </a:p>
+                  </a:txBody>
+                  <a:tcPr marL="16444" marR="16444" marT="16444" marB="16444">
+                    <a:lnL w="9525" cap="flat" cmpd="sng" algn="ctr">
+                      <a:solidFill>
+                        <a:srgbClr val="000000"/>
+                      </a:solidFill>
+                      <a:prstDash val="solid"/>
+                      <a:round/>
+                      <a:headEnd type="none" w="med" len="med"/>
+                      <a:tailEnd type="none" w="med" len="med"/>
+                    </a:lnL>
+                    <a:lnR w="9525" cap="flat" cmpd="sng" algn="ctr">
+                      <a:solidFill>
+                        <a:srgbClr val="000000"/>
+                      </a:solidFill>
+                      <a:prstDash val="solid"/>
+                      <a:round/>
+                      <a:headEnd type="none" w="med" len="med"/>
+                      <a:tailEnd type="none" w="med" len="med"/>
+                    </a:lnR>
+                    <a:lnT w="9525" cap="flat" cmpd="sng" algn="ctr">
+                      <a:solidFill>
+                        <a:srgbClr val="000000"/>
+                      </a:solidFill>
+                      <a:prstDash val="solid"/>
+                      <a:round/>
+                      <a:headEnd type="none" w="med" len="med"/>
+                      <a:tailEnd type="none" w="med" len="med"/>
+                    </a:lnT>
+                    <a:lnB w="9525" cap="flat" cmpd="sng" algn="ctr">
+                      <a:solidFill>
+                        <a:srgbClr val="000000"/>
+                      </a:solidFill>
+                      <a:prstDash val="solid"/>
+                      <a:round/>
+                      <a:headEnd type="none" w="med" len="med"/>
+                      <a:tailEnd type="none" w="med" len="med"/>
+                    </a:lnB>
+                    <a:solidFill>
+                      <a:srgbClr val="D4D4D4"/>
+                    </a:solidFill>
+                  </a:tcPr>
+                </a:tc>
+                <a:tc>
+                  <a:txBody>
+                    <a:bodyPr/>
+                    <a:lstStyle/>
+                    <a:p>
+                      <a:r>
+                        <a:rPr lang="en-US" altLang="zh-CN" sz="600">
+                          <a:solidFill>
+                            <a:srgbClr val="000000"/>
+                          </a:solidFill>
+                          <a:effectLst/>
+                          <a:latin typeface="Helvetica Neue" panose="02000503000000020004" pitchFamily="2" charset="0"/>
+                        </a:rPr>
+                        <a:t>17</a:t>
+                      </a:r>
+                      <a:endParaRPr lang="zh-CN" altLang="en-US" sz="600">
+                        <a:effectLst/>
+                      </a:endParaRPr>
+                    </a:p>
+                  </a:txBody>
+                  <a:tcPr marL="16444" marR="16444" marT="16444" marB="16444">
+                    <a:lnL w="9525" cap="flat" cmpd="sng" algn="ctr">
+                      <a:solidFill>
+                        <a:srgbClr val="000000"/>
+                      </a:solidFill>
+                      <a:prstDash val="solid"/>
+                      <a:round/>
+                      <a:headEnd type="none" w="med" len="med"/>
+                      <a:tailEnd type="none" w="med" len="med"/>
+                    </a:lnL>
+                    <a:lnR w="9525" cap="flat" cmpd="sng" algn="ctr">
+                      <a:solidFill>
+                        <a:srgbClr val="000000"/>
+                      </a:solidFill>
+                      <a:prstDash val="solid"/>
+                      <a:round/>
+                      <a:headEnd type="none" w="med" len="med"/>
+                      <a:tailEnd type="none" w="med" len="med"/>
+                    </a:lnR>
+                    <a:lnT w="9525" cap="flat" cmpd="sng" algn="ctr">
+                      <a:solidFill>
+                        <a:srgbClr val="000000"/>
+                      </a:solidFill>
+                      <a:prstDash val="solid"/>
+                      <a:round/>
+                      <a:headEnd type="none" w="med" len="med"/>
+                      <a:tailEnd type="none" w="med" len="med"/>
+                    </a:lnT>
+                    <a:lnB w="9525" cap="flat" cmpd="sng" algn="ctr">
+                      <a:solidFill>
+                        <a:srgbClr val="000000"/>
+                      </a:solidFill>
+                      <a:prstDash val="solid"/>
+                      <a:round/>
+                      <a:headEnd type="none" w="med" len="med"/>
+                      <a:tailEnd type="none" w="med" len="med"/>
+                    </a:lnB>
+                  </a:tcPr>
+                </a:tc>
+                <a:tc>
+                  <a:txBody>
+                    <a:bodyPr/>
+                    <a:lstStyle/>
+                    <a:p>
+                      <a:r>
+                        <a:rPr lang="en-US" altLang="zh-CN" sz="600" dirty="0">
+                          <a:solidFill>
+                            <a:srgbClr val="000000"/>
+                          </a:solidFill>
+                          <a:effectLst/>
+                          <a:latin typeface="Helvetica Neue" panose="02000503000000020004" pitchFamily="2" charset="0"/>
+                        </a:rPr>
+                        <a:t>-15122.315211541100</a:t>
+                      </a:r>
+                      <a:endParaRPr lang="zh-CN" altLang="en-US" sz="600" dirty="0">
+                        <a:effectLst/>
+                      </a:endParaRPr>
+                    </a:p>
+                  </a:txBody>
+                  <a:tcPr marL="16444" marR="16444" marT="16444" marB="16444">
+                    <a:lnL w="9525" cap="flat" cmpd="sng" algn="ctr">
+                      <a:solidFill>
+                        <a:srgbClr val="000000"/>
+                      </a:solidFill>
+                      <a:prstDash val="solid"/>
+                      <a:round/>
+                      <a:headEnd type="none" w="med" len="med"/>
+                      <a:tailEnd type="none" w="med" len="med"/>
+                    </a:lnL>
+                    <a:lnR w="9525" cap="flat" cmpd="sng" algn="ctr">
+                      <a:solidFill>
+                        <a:srgbClr val="000000"/>
+                      </a:solidFill>
+                      <a:prstDash val="solid"/>
+                      <a:round/>
+                      <a:headEnd type="none" w="med" len="med"/>
+                      <a:tailEnd type="none" w="med" len="med"/>
+                    </a:lnR>
+                    <a:lnT w="9525" cap="flat" cmpd="sng" algn="ctr">
+                      <a:solidFill>
+                        <a:srgbClr val="000000"/>
+                      </a:solidFill>
+                      <a:prstDash val="solid"/>
+                      <a:round/>
+                      <a:headEnd type="none" w="med" len="med"/>
+                      <a:tailEnd type="none" w="med" len="med"/>
+                    </a:lnT>
+                    <a:lnB w="9525" cap="flat" cmpd="sng" algn="ctr">
+                      <a:solidFill>
+                        <a:srgbClr val="000000"/>
+                      </a:solidFill>
+                      <a:prstDash val="solid"/>
+                      <a:round/>
+                      <a:headEnd type="none" w="med" len="med"/>
+                      <a:tailEnd type="none" w="med" len="med"/>
+                    </a:lnB>
+                  </a:tcPr>
+                </a:tc>
+                <a:extLst>
+                  <a:ext uri="{0D108BD9-81ED-4DB2-BD59-A6C34878D82A}">
+                    <a16:rowId xmlns:a16="http://schemas.microsoft.com/office/drawing/2014/main" val="4286593323"/>
+                  </a:ext>
+                </a:extLst>
+              </a:tr>
+            </a:tbl>
+          </a:graphicData>
+        </a:graphic>
+      </p:graphicFrame>
+      <p:sp>
+        <p:nvSpPr>
+          <p:cNvPr id="7" name="文本框 6">
+            <a:extLst>
+              <a:ext uri="{FF2B5EF4-FFF2-40B4-BE49-F238E27FC236}">
+                <a16:creationId xmlns:a16="http://schemas.microsoft.com/office/drawing/2014/main" id="{CA505872-9B91-3745-8F08-ECEB28369B13}"/>
+              </a:ext>
+            </a:extLst>
+          </p:cNvPr>
+          <p:cNvSpPr txBox="1"/>
+          <p:nvPr/>
+        </p:nvSpPr>
+        <p:spPr>
+          <a:xfrm>
+            <a:off x="5318448" y="1156996"/>
+            <a:ext cx="1184940" cy="369332"/>
+          </a:xfrm>
+          <a:prstGeom prst="rect">
+            <a:avLst/>
+          </a:prstGeom>
+          <a:noFill/>
+        </p:spPr>
+        <p:txBody>
+          <a:bodyPr wrap="none" rtlCol="0">
+            <a:spAutoFit/>
+          </a:bodyPr>
+          <a:lstStyle/>
+          <a:p>
+            <a:r>
+              <a:rPr kumimoji="1" lang="en-US" altLang="zh-CN" dirty="0">
+                <a:latin typeface="Arial" charset="0"/>
+                <a:ea typeface="Arial" charset="0"/>
+                <a:cs typeface="Arial" charset="0"/>
+              </a:rPr>
+              <a:t>Figure</a:t>
+            </a:r>
+            <a:r>
+              <a:rPr kumimoji="1" lang="zh-CN" altLang="en-US" dirty="0">
+                <a:latin typeface="Arial" charset="0"/>
+                <a:ea typeface="Arial" charset="0"/>
+                <a:cs typeface="Arial" charset="0"/>
+              </a:rPr>
+              <a:t> </a:t>
+            </a:r>
+            <a:r>
+              <a:rPr kumimoji="1" lang="en-US" altLang="zh-CN" dirty="0">
+                <a:latin typeface="Arial" charset="0"/>
+                <a:ea typeface="Arial" charset="0"/>
+                <a:cs typeface="Arial" charset="0"/>
+              </a:rPr>
+              <a:t>S3</a:t>
+            </a:r>
+            <a:endParaRPr kumimoji="1" lang="zh-CN" altLang="en-US" dirty="0">
+              <a:latin typeface="Arial" charset="0"/>
+              <a:ea typeface="Arial" charset="0"/>
+              <a:cs typeface="Arial" charset="0"/>
+            </a:endParaRPr>
+          </a:p>
+        </p:txBody>
+      </p:sp>
+      <p:sp>
+        <p:nvSpPr>
+          <p:cNvPr id="8" name="文本框 7">
+            <a:extLst>
+              <a:ext uri="{FF2B5EF4-FFF2-40B4-BE49-F238E27FC236}">
+                <a16:creationId xmlns:a16="http://schemas.microsoft.com/office/drawing/2014/main" id="{38BBCDF0-82B6-E740-87E6-0284BAC69FF5}"/>
+              </a:ext>
+            </a:extLst>
+          </p:cNvPr>
+          <p:cNvSpPr txBox="1"/>
+          <p:nvPr/>
+        </p:nvSpPr>
+        <p:spPr>
+          <a:xfrm>
+            <a:off x="626075" y="1553920"/>
+            <a:ext cx="269626" cy="246221"/>
+          </a:xfrm>
+          <a:prstGeom prst="rect">
+            <a:avLst/>
+          </a:prstGeom>
+          <a:noFill/>
+        </p:spPr>
+        <p:txBody>
+          <a:bodyPr wrap="none" rtlCol="0">
+            <a:spAutoFit/>
+          </a:bodyPr>
+          <a:lstStyle/>
+          <a:p>
+            <a:r>
+              <a:rPr kumimoji="1" lang="en-US" altLang="zh-CN" sz="1000">
+                <a:latin typeface="Arial" charset="0"/>
+                <a:ea typeface="Arial" charset="0"/>
+                <a:cs typeface="Arial" charset="0"/>
+              </a:rPr>
+              <a:t>A</a:t>
+            </a:r>
+            <a:endParaRPr kumimoji="1" lang="zh-CN" altLang="en-US" sz="1000" dirty="0">
+              <a:latin typeface="Arial" charset="0"/>
+              <a:ea typeface="Arial" charset="0"/>
+              <a:cs typeface="Arial" charset="0"/>
+            </a:endParaRPr>
+          </a:p>
+        </p:txBody>
+      </p:sp>
+      <p:sp>
+        <p:nvSpPr>
+          <p:cNvPr id="9" name="文本框 8">
+            <a:extLst>
+              <a:ext uri="{FF2B5EF4-FFF2-40B4-BE49-F238E27FC236}">
+                <a16:creationId xmlns:a16="http://schemas.microsoft.com/office/drawing/2014/main" id="{3BC6EF08-7C63-2C4C-90A0-457C4A07BB57}"/>
+              </a:ext>
+            </a:extLst>
+          </p:cNvPr>
+          <p:cNvSpPr txBox="1"/>
+          <p:nvPr/>
+        </p:nvSpPr>
+        <p:spPr>
+          <a:xfrm>
+            <a:off x="626075" y="4522714"/>
+            <a:ext cx="269626" cy="246221"/>
+          </a:xfrm>
+          <a:prstGeom prst="rect">
+            <a:avLst/>
+          </a:prstGeom>
+          <a:noFill/>
+        </p:spPr>
+        <p:txBody>
+          <a:bodyPr wrap="none" rtlCol="0">
+            <a:spAutoFit/>
+          </a:bodyPr>
+          <a:lstStyle/>
+          <a:p>
+            <a:r>
+              <a:rPr kumimoji="1" lang="en-US" altLang="zh-CN" sz="1000" dirty="0">
+                <a:latin typeface="Arial" charset="0"/>
+                <a:ea typeface="Arial" charset="0"/>
+                <a:cs typeface="Arial" charset="0"/>
+              </a:rPr>
+              <a:t>B</a:t>
+            </a:r>
+            <a:endParaRPr kumimoji="1" lang="zh-CN" altLang="en-US" sz="1000" dirty="0">
+              <a:latin typeface="Arial" charset="0"/>
+              <a:ea typeface="Arial" charset="0"/>
+              <a:cs typeface="Arial" charset="0"/>
+            </a:endParaRPr>
+          </a:p>
+        </p:txBody>
+      </p:sp>
+      <p:sp>
+        <p:nvSpPr>
+          <p:cNvPr id="10" name="文本框 9">
+            <a:extLst>
+              <a:ext uri="{FF2B5EF4-FFF2-40B4-BE49-F238E27FC236}">
+                <a16:creationId xmlns:a16="http://schemas.microsoft.com/office/drawing/2014/main" id="{E127BE5D-228A-E94B-96DD-2EB5BF7F3CCE}"/>
+              </a:ext>
+            </a:extLst>
+          </p:cNvPr>
+          <p:cNvSpPr txBox="1"/>
+          <p:nvPr/>
+        </p:nvSpPr>
+        <p:spPr>
+          <a:xfrm>
+            <a:off x="252927" y="7666418"/>
+            <a:ext cx="6250461" cy="861774"/>
+          </a:xfrm>
+          <a:prstGeom prst="rect">
+            <a:avLst/>
+          </a:prstGeom>
+          <a:noFill/>
+        </p:spPr>
+        <p:txBody>
+          <a:bodyPr wrap="square" rtlCol="0">
+            <a:spAutoFit/>
+          </a:bodyPr>
+          <a:lstStyle/>
+          <a:p>
+            <a:r>
+              <a:rPr kumimoji="1" lang="en-US" altLang="zh-CN" sz="1000" dirty="0">
+                <a:latin typeface="Arial" charset="0"/>
+                <a:ea typeface="Arial" charset="0"/>
+                <a:cs typeface="Arial" charset="0"/>
+              </a:rPr>
+              <a:t>Fig. S3. </a:t>
+            </a:r>
+            <a:r>
+              <a:rPr kumimoji="1" lang="en-US" altLang="zh-CN" sz="1000" dirty="0" err="1">
+                <a:latin typeface="Arial" charset="0"/>
+                <a:ea typeface="Arial" charset="0"/>
+                <a:cs typeface="Arial" charset="0"/>
+              </a:rPr>
+              <a:t>Sigflow</a:t>
+            </a:r>
+            <a:r>
+              <a:rPr kumimoji="1" lang="en-US" altLang="zh-CN" sz="1000" dirty="0">
+                <a:latin typeface="Arial" charset="0"/>
+                <a:ea typeface="Arial" charset="0"/>
+                <a:cs typeface="Arial" charset="0"/>
+              </a:rPr>
+              <a:t> Bayesian NMF approach automatically extract 13 signatures from 214 PCAWG breast tumors with 20 runs and initial signature number 20. (A) Bayesian NMF run summary, the run no.20 is selected as the optimal solution due to its maximum posterior. Here 15 signatures should also be considered as a stable solution it is most frequent in 20 runs. (B) The cosine similarity between extracted 13 signatures and SBS signatures from COSMIC</a:t>
+            </a:r>
+            <a:r>
+              <a:rPr kumimoji="1" lang="zh-CN" altLang="en-US" sz="1000" dirty="0">
+                <a:latin typeface="Arial" charset="0"/>
+                <a:ea typeface="Arial" charset="0"/>
+                <a:cs typeface="Arial" charset="0"/>
+              </a:rPr>
+              <a:t> </a:t>
+            </a:r>
+            <a:r>
+              <a:rPr kumimoji="1" lang="en-US" altLang="zh-CN" sz="1000" dirty="0">
+                <a:latin typeface="Arial" charset="0"/>
+                <a:ea typeface="Arial" charset="0"/>
+                <a:cs typeface="Arial" charset="0"/>
+              </a:rPr>
+              <a:t>signature</a:t>
+            </a:r>
+            <a:r>
+              <a:rPr kumimoji="1" lang="zh-CN" altLang="en-US" sz="1000" dirty="0">
+                <a:latin typeface="Arial" charset="0"/>
+                <a:ea typeface="Arial" charset="0"/>
+                <a:cs typeface="Arial" charset="0"/>
+              </a:rPr>
+              <a:t> </a:t>
+            </a:r>
+            <a:r>
+              <a:rPr kumimoji="1" lang="en-US" altLang="zh-CN" sz="1000" dirty="0">
+                <a:latin typeface="Arial" charset="0"/>
+                <a:ea typeface="Arial" charset="0"/>
+                <a:cs typeface="Arial" charset="0"/>
+              </a:rPr>
+              <a:t>v3 database</a:t>
+            </a:r>
+            <a:r>
+              <a:rPr kumimoji="1" lang="zh-CN" altLang="en-US" sz="1000" dirty="0">
+                <a:latin typeface="Arial" charset="0"/>
+                <a:ea typeface="Arial" charset="0"/>
+                <a:cs typeface="Arial" charset="0"/>
+              </a:rPr>
+              <a:t> </a:t>
+            </a:r>
+            <a:r>
+              <a:rPr kumimoji="1" lang="en-US" altLang="zh-CN" sz="1000" dirty="0">
+                <a:latin typeface="Arial" charset="0"/>
+                <a:ea typeface="Arial" charset="0"/>
+                <a:cs typeface="Arial" charset="0"/>
+              </a:rPr>
+              <a:t>(</a:t>
+            </a:r>
+            <a:r>
+              <a:rPr kumimoji="1" lang="en-US" altLang="zh-CN" sz="1000" dirty="0">
+                <a:latin typeface="Arial" charset="0"/>
+                <a:ea typeface="Arial" charset="0"/>
+                <a:cs typeface="Arial" charset="0"/>
+                <a:hlinkClick r:id="rId3"/>
+              </a:rPr>
+              <a:t>https://cancer.sanger.ac.uk/cosmic/signatures</a:t>
+            </a:r>
+            <a:r>
+              <a:rPr kumimoji="1" lang="en-US" altLang="zh-CN" sz="1000" dirty="0">
+                <a:latin typeface="Arial" charset="0"/>
+                <a:ea typeface="Arial" charset="0"/>
+                <a:cs typeface="Arial" charset="0"/>
+              </a:rPr>
+              <a:t>).</a:t>
+            </a:r>
+            <a:endParaRPr kumimoji="1" lang="zh-CN" altLang="en-US" sz="1000" dirty="0">
+              <a:latin typeface="Arial" charset="0"/>
+              <a:ea typeface="Arial" charset="0"/>
+              <a:cs typeface="Arial" charset="0"/>
+            </a:endParaRPr>
+          </a:p>
+        </p:txBody>
+      </p:sp>
+    </p:spTree>
+    <p:extLst>
+      <p:ext uri="{BB962C8B-B14F-4D97-AF65-F5344CB8AC3E}">
+        <p14:creationId xmlns:p14="http://schemas.microsoft.com/office/powerpoint/2010/main" val="4276385467"/>
+      </p:ext>
+    </p:extLst>
+  </p:cSld>
+  <p:clrMapOvr>
+    <a:masterClrMapping/>
+  </p:clrMapOvr>
+</p:sld>
+</file>
+
+<file path=ppt/slides/slide5.xml><?xml version="1.0" encoding="utf-8"?>
 <p:sld xmlns:a="http://schemas.openxmlformats.org/drawingml/2006/main" xmlns:r="http://schemas.openxmlformats.org/officeDocument/2006/relationships" xmlns:p="http://schemas.openxmlformats.org/presentationml/2006/main">
   <p:cSld>
     <p:spTree>
@@ -9539,7 +14070,7 @@
         <p:spPr>
           <a:xfrm>
             <a:off x="5318448" y="1156996"/>
-            <a:ext cx="1031051" cy="369332"/>
+            <a:ext cx="1184940" cy="369332"/>
           </a:xfrm>
           <a:prstGeom prst="rect">
             <a:avLst/>
@@ -9574,7 +14105,7 @@
                 <a:ea typeface="Arial" charset="0"/>
                 <a:cs typeface="Arial" charset="0"/>
               </a:rPr>
-              <a:t>3</a:t>
+              <a:t>S4</a:t>
             </a:r>
             <a:endParaRPr kumimoji="1" lang="zh-CN" altLang="en-US" dirty="0">
               <a:latin typeface="Arial" charset="0"/>
@@ -9706,7 +14237,7 @@
         </p:nvSpPr>
         <p:spPr>
           <a:xfrm>
-            <a:off x="397240" y="7463312"/>
+            <a:off x="385249" y="4474406"/>
             <a:ext cx="6250461" cy="1323439"/>
           </a:xfrm>
           <a:prstGeom prst="rect">
@@ -9742,7 +14273,7 @@
                 <a:ea typeface="Arial" charset="0"/>
                 <a:cs typeface="Arial" charset="0"/>
               </a:rPr>
-              <a:t>3.</a:t>
+              <a:t>S4.</a:t>
             </a:r>
             <a:r>
               <a:rPr kumimoji="1" lang="zh-CN" altLang="en-US" sz="1000" dirty="0">
@@ -9774,7 +14305,7 @@
                 <a:ea typeface="Arial" charset="0"/>
                 <a:cs typeface="Arial" charset="0"/>
               </a:rPr>
-              <a:t>fitting</a:t>
+              <a:t>instability</a:t>
             </a:r>
             <a:r>
               <a:rPr kumimoji="1" lang="zh-CN" altLang="en-US" sz="1000" dirty="0">
@@ -9790,6 +14321,438 @@
                 <a:ea typeface="Arial" charset="0"/>
                 <a:cs typeface="Arial" charset="0"/>
               </a:rPr>
+              <a:t>analyses</a:t>
+            </a:r>
+            <a:r>
+              <a:rPr kumimoji="1" lang="zh-CN" altLang="en-US" sz="1000" dirty="0">
+                <a:latin typeface="Arial" charset="0"/>
+                <a:ea typeface="Arial" charset="0"/>
+                <a:cs typeface="Arial" charset="0"/>
+              </a:rPr>
+              <a:t> </a:t>
+            </a:r>
+            <a:r>
+              <a:rPr kumimoji="1" lang="en-US" altLang="zh-CN" sz="1000" dirty="0">
+                <a:latin typeface="Arial" charset="0"/>
+                <a:ea typeface="Arial" charset="0"/>
+                <a:cs typeface="Arial" charset="0"/>
+              </a:rPr>
+              <a:t>for</a:t>
+            </a:r>
+            <a:r>
+              <a:rPr kumimoji="1" lang="zh-CN" altLang="en-US" sz="1000" dirty="0">
+                <a:latin typeface="Arial" charset="0"/>
+                <a:ea typeface="Arial" charset="0"/>
+                <a:cs typeface="Arial" charset="0"/>
+              </a:rPr>
+              <a:t> </a:t>
+            </a:r>
+            <a:r>
+              <a:rPr kumimoji="1" lang="en-US" altLang="zh-CN" sz="1000" dirty="0">
+                <a:latin typeface="Arial" charset="0"/>
+                <a:ea typeface="Arial" charset="0"/>
+                <a:cs typeface="Arial" charset="0"/>
+              </a:rPr>
+              <a:t>SBS</a:t>
+            </a:r>
+            <a:r>
+              <a:rPr kumimoji="1" lang="zh-CN" altLang="en-US" sz="1000" dirty="0">
+                <a:latin typeface="Arial" charset="0"/>
+                <a:ea typeface="Arial" charset="0"/>
+                <a:cs typeface="Arial" charset="0"/>
+              </a:rPr>
+              <a:t> </a:t>
+            </a:r>
+            <a:r>
+              <a:rPr kumimoji="1" lang="en-US" altLang="zh-CN" sz="1000" dirty="0">
+                <a:latin typeface="Arial" charset="0"/>
+                <a:ea typeface="Arial" charset="0"/>
+                <a:cs typeface="Arial" charset="0"/>
+              </a:rPr>
+              <a:t>mutations</a:t>
+            </a:r>
+            <a:r>
+              <a:rPr kumimoji="1" lang="zh-CN" altLang="en-US" sz="1000" dirty="0">
+                <a:latin typeface="Arial" charset="0"/>
+                <a:ea typeface="Arial" charset="0"/>
+                <a:cs typeface="Arial" charset="0"/>
+              </a:rPr>
+              <a:t> </a:t>
+            </a:r>
+            <a:r>
+              <a:rPr kumimoji="1" lang="en-US" altLang="zh-CN" sz="1000" dirty="0">
+                <a:latin typeface="Arial" charset="0"/>
+                <a:ea typeface="Arial" charset="0"/>
+                <a:cs typeface="Arial" charset="0"/>
+              </a:rPr>
+              <a:t>from</a:t>
+            </a:r>
+            <a:r>
+              <a:rPr kumimoji="1" lang="zh-CN" altLang="en-US" sz="1000" dirty="0">
+                <a:latin typeface="Arial" charset="0"/>
+                <a:ea typeface="Arial" charset="0"/>
+                <a:cs typeface="Arial" charset="0"/>
+              </a:rPr>
+              <a:t> </a:t>
+            </a:r>
+            <a:r>
+              <a:rPr kumimoji="1" lang="en-US" altLang="zh-CN" sz="1000" dirty="0">
+                <a:latin typeface="Arial" charset="0"/>
+                <a:ea typeface="Arial" charset="0"/>
+                <a:cs typeface="Arial" charset="0"/>
+              </a:rPr>
+              <a:t>214 PCAWG breast</a:t>
+            </a:r>
+            <a:r>
+              <a:rPr kumimoji="1" lang="zh-CN" altLang="en-US" sz="1000" dirty="0">
+                <a:latin typeface="Arial" charset="0"/>
+                <a:ea typeface="Arial" charset="0"/>
+                <a:cs typeface="Arial" charset="0"/>
+              </a:rPr>
+              <a:t> </a:t>
+            </a:r>
+            <a:r>
+              <a:rPr kumimoji="1" lang="en-US" altLang="zh-CN" sz="1000" dirty="0">
+                <a:latin typeface="Arial" charset="0"/>
+                <a:ea typeface="Arial" charset="0"/>
+                <a:cs typeface="Arial" charset="0"/>
+              </a:rPr>
+              <a:t>tumors, an illustration for using signature exposure bootstrapping analysis.</a:t>
+            </a:r>
+            <a:r>
+              <a:rPr kumimoji="1" lang="zh-CN" altLang="en-US" sz="1000" dirty="0">
+                <a:latin typeface="Arial" charset="0"/>
+                <a:ea typeface="Arial" charset="0"/>
+                <a:cs typeface="Arial" charset="0"/>
+              </a:rPr>
+              <a:t> </a:t>
+            </a:r>
+            <a:r>
+              <a:rPr kumimoji="1" lang="en-US" altLang="zh-CN" sz="1000" dirty="0">
+                <a:latin typeface="Arial" charset="0"/>
+                <a:ea typeface="Arial" charset="0"/>
+                <a:cs typeface="Arial" charset="0"/>
+              </a:rPr>
+              <a:t>(A)</a:t>
+            </a:r>
+            <a:r>
+              <a:rPr kumimoji="1" lang="zh-CN" altLang="en-US" sz="1000" dirty="0">
+                <a:latin typeface="Arial" charset="0"/>
+                <a:ea typeface="Arial" charset="0"/>
+                <a:cs typeface="Arial" charset="0"/>
+              </a:rPr>
+              <a:t> </a:t>
+            </a:r>
+            <a:r>
+              <a:rPr kumimoji="1" lang="en-US" altLang="zh-CN" sz="1000" dirty="0">
+                <a:latin typeface="Arial" charset="0"/>
+                <a:ea typeface="Arial" charset="0"/>
+                <a:cs typeface="Arial" charset="0"/>
+              </a:rPr>
+              <a:t>Comparison</a:t>
+            </a:r>
+            <a:r>
+              <a:rPr kumimoji="1" lang="zh-CN" altLang="en-US" sz="1000" dirty="0">
+                <a:latin typeface="Arial" charset="0"/>
+                <a:ea typeface="Arial" charset="0"/>
+                <a:cs typeface="Arial" charset="0"/>
+              </a:rPr>
+              <a:t> </a:t>
+            </a:r>
+            <a:r>
+              <a:rPr kumimoji="1" lang="en-US" altLang="zh-CN" sz="1000" dirty="0">
+                <a:latin typeface="Arial" charset="0"/>
+                <a:ea typeface="Arial" charset="0"/>
+                <a:cs typeface="Arial" charset="0"/>
+              </a:rPr>
+              <a:t>of</a:t>
+            </a:r>
+            <a:r>
+              <a:rPr kumimoji="1" lang="zh-CN" altLang="en-US" sz="1000" dirty="0">
+                <a:latin typeface="Arial" charset="0"/>
+                <a:ea typeface="Arial" charset="0"/>
+                <a:cs typeface="Arial" charset="0"/>
+              </a:rPr>
+              <a:t> </a:t>
+            </a:r>
+            <a:r>
+              <a:rPr kumimoji="1" lang="en-US" altLang="zh-CN" sz="1000" dirty="0">
+                <a:latin typeface="Arial" charset="0"/>
+                <a:ea typeface="Arial" charset="0"/>
+                <a:cs typeface="Arial" charset="0"/>
+              </a:rPr>
+              <a:t>signature</a:t>
+            </a:r>
+            <a:r>
+              <a:rPr kumimoji="1" lang="zh-CN" altLang="en-US" sz="1000" dirty="0">
+                <a:latin typeface="Arial" charset="0"/>
+                <a:ea typeface="Arial" charset="0"/>
+                <a:cs typeface="Arial" charset="0"/>
+              </a:rPr>
+              <a:t> </a:t>
+            </a:r>
+            <a:r>
+              <a:rPr kumimoji="1" lang="en-US" altLang="zh-CN" sz="1000" dirty="0">
+                <a:latin typeface="Arial" charset="0"/>
+                <a:ea typeface="Arial" charset="0"/>
+                <a:cs typeface="Arial" charset="0"/>
+              </a:rPr>
+              <a:t>exposure</a:t>
+            </a:r>
+            <a:r>
+              <a:rPr kumimoji="1" lang="zh-CN" altLang="en-US" sz="1000" dirty="0">
+                <a:latin typeface="Arial" charset="0"/>
+                <a:ea typeface="Arial" charset="0"/>
+                <a:cs typeface="Arial" charset="0"/>
+              </a:rPr>
+              <a:t> </a:t>
+            </a:r>
+            <a:r>
+              <a:rPr kumimoji="1" lang="en-US" altLang="zh-CN" sz="1000" dirty="0">
+                <a:latin typeface="Arial" charset="0"/>
+                <a:ea typeface="Arial" charset="0"/>
+                <a:cs typeface="Arial" charset="0"/>
+              </a:rPr>
+              <a:t>instability</a:t>
+            </a:r>
+            <a:r>
+              <a:rPr kumimoji="1" lang="zh-CN" altLang="en-US" sz="1000" dirty="0">
+                <a:latin typeface="Arial" charset="0"/>
+                <a:ea typeface="Arial" charset="0"/>
+                <a:cs typeface="Arial" charset="0"/>
+              </a:rPr>
+              <a:t> </a:t>
+            </a:r>
+            <a:r>
+              <a:rPr kumimoji="1" lang="en-US" altLang="zh-CN" sz="1000" dirty="0">
+                <a:latin typeface="Arial" charset="0"/>
+                <a:ea typeface="Arial" charset="0"/>
+                <a:cs typeface="Arial" charset="0"/>
+              </a:rPr>
+              <a:t>between</a:t>
+            </a:r>
+            <a:r>
+              <a:rPr kumimoji="1" lang="zh-CN" altLang="en-US" sz="1000" dirty="0">
+                <a:latin typeface="Arial" charset="0"/>
+                <a:ea typeface="Arial" charset="0"/>
+                <a:cs typeface="Arial" charset="0"/>
+              </a:rPr>
+              <a:t> </a:t>
+            </a:r>
+            <a:r>
+              <a:rPr kumimoji="1" lang="en-US" altLang="zh-CN" sz="1000" dirty="0">
+                <a:latin typeface="Arial" charset="0"/>
+                <a:ea typeface="Arial" charset="0"/>
+                <a:cs typeface="Arial" charset="0"/>
+              </a:rPr>
+              <a:t>contributed</a:t>
+            </a:r>
+            <a:r>
+              <a:rPr kumimoji="1" lang="zh-CN" altLang="en-US" sz="1000" dirty="0">
+                <a:latin typeface="Arial" charset="0"/>
+                <a:ea typeface="Arial" charset="0"/>
+                <a:cs typeface="Arial" charset="0"/>
+              </a:rPr>
+              <a:t> </a:t>
+            </a:r>
+            <a:r>
+              <a:rPr kumimoji="1" lang="en-US" altLang="zh-CN" sz="1000" dirty="0">
+                <a:latin typeface="Arial" charset="0"/>
+                <a:ea typeface="Arial" charset="0"/>
+                <a:cs typeface="Arial" charset="0"/>
+              </a:rPr>
+              <a:t>signatures</a:t>
+            </a:r>
+            <a:r>
+              <a:rPr kumimoji="1" lang="zh-CN" altLang="en-US" sz="1000" dirty="0">
+                <a:latin typeface="Arial" charset="0"/>
+                <a:ea typeface="Arial" charset="0"/>
+                <a:cs typeface="Arial" charset="0"/>
+              </a:rPr>
+              <a:t> </a:t>
+            </a:r>
+            <a:r>
+              <a:rPr kumimoji="1" lang="en-US" altLang="zh-CN" sz="1000" dirty="0">
+                <a:latin typeface="Arial" charset="0"/>
+                <a:ea typeface="Arial" charset="0"/>
+                <a:cs typeface="Arial" charset="0"/>
+              </a:rPr>
+              <a:t>in</a:t>
+            </a:r>
+            <a:r>
+              <a:rPr kumimoji="1" lang="zh-CN" altLang="en-US" sz="1000" dirty="0">
+                <a:latin typeface="Arial" charset="0"/>
+                <a:ea typeface="Arial" charset="0"/>
+                <a:cs typeface="Arial" charset="0"/>
+              </a:rPr>
+              <a:t> </a:t>
+            </a:r>
+            <a:r>
+              <a:rPr kumimoji="1" lang="en-US" altLang="zh-CN" sz="1000" dirty="0">
+                <a:latin typeface="Arial" charset="0"/>
+                <a:ea typeface="Arial" charset="0"/>
+                <a:cs typeface="Arial" charset="0"/>
+              </a:rPr>
+              <a:t>all SBS signatures</a:t>
+            </a:r>
+            <a:r>
+              <a:rPr kumimoji="1" lang="zh-CN" altLang="en-US" sz="1000" dirty="0">
+                <a:latin typeface="Arial" charset="0"/>
+                <a:ea typeface="Arial" charset="0"/>
+                <a:cs typeface="Arial" charset="0"/>
+              </a:rPr>
+              <a:t> </a:t>
+            </a:r>
+            <a:r>
+              <a:rPr kumimoji="1" lang="en-US" altLang="zh-CN" sz="1000" dirty="0">
+                <a:latin typeface="Arial" charset="0"/>
+                <a:ea typeface="Arial" charset="0"/>
+                <a:cs typeface="Arial" charset="0"/>
+              </a:rPr>
+              <a:t>measured</a:t>
+            </a:r>
+            <a:r>
+              <a:rPr kumimoji="1" lang="zh-CN" altLang="en-US" sz="1000" dirty="0">
+                <a:latin typeface="Arial" charset="0"/>
+                <a:ea typeface="Arial" charset="0"/>
+                <a:cs typeface="Arial" charset="0"/>
+              </a:rPr>
+              <a:t> </a:t>
+            </a:r>
+            <a:r>
+              <a:rPr kumimoji="1" lang="en-US" altLang="zh-CN" sz="1000" dirty="0">
+                <a:latin typeface="Arial" charset="0"/>
+                <a:ea typeface="Arial" charset="0"/>
+                <a:cs typeface="Arial" charset="0"/>
+              </a:rPr>
+              <a:t>as</a:t>
+            </a:r>
+            <a:r>
+              <a:rPr kumimoji="1" lang="zh-CN" altLang="en-US" sz="1000" dirty="0">
+                <a:latin typeface="Arial" charset="0"/>
+                <a:ea typeface="Arial" charset="0"/>
+                <a:cs typeface="Arial" charset="0"/>
+              </a:rPr>
+              <a:t> </a:t>
+            </a:r>
+            <a:r>
+              <a:rPr kumimoji="1" lang="en-US" altLang="zh-CN" sz="1000" dirty="0">
+                <a:latin typeface="Arial" charset="0"/>
+                <a:ea typeface="Arial" charset="0"/>
+                <a:cs typeface="Arial" charset="0"/>
+              </a:rPr>
+              <a:t>MRSE</a:t>
+            </a:r>
+            <a:r>
+              <a:rPr kumimoji="1" lang="zh-CN" altLang="en-US" sz="1000" dirty="0">
+                <a:latin typeface="Arial" charset="0"/>
+                <a:ea typeface="Arial" charset="0"/>
+                <a:cs typeface="Arial" charset="0"/>
+              </a:rPr>
+              <a:t> </a:t>
+            </a:r>
+            <a:r>
+              <a:rPr kumimoji="1" lang="en-US" altLang="zh-CN" sz="1000" dirty="0">
+                <a:latin typeface="Arial" charset="0"/>
+                <a:ea typeface="Arial" charset="0"/>
+                <a:cs typeface="Arial" charset="0"/>
+              </a:rPr>
+              <a:t>between</a:t>
+            </a:r>
+            <a:r>
+              <a:rPr kumimoji="1" lang="zh-CN" altLang="en-US" sz="1000" dirty="0">
+                <a:latin typeface="Arial" charset="0"/>
+                <a:ea typeface="Arial" charset="0"/>
+                <a:cs typeface="Arial" charset="0"/>
+              </a:rPr>
+              <a:t> </a:t>
+            </a:r>
+            <a:r>
+              <a:rPr kumimoji="1" lang="en-US" altLang="zh-CN" sz="1000" dirty="0">
+                <a:latin typeface="Arial" charset="0"/>
+                <a:ea typeface="Arial" charset="0"/>
+                <a:cs typeface="Arial" charset="0"/>
+              </a:rPr>
+              <a:t>exposures</a:t>
+            </a:r>
+            <a:r>
+              <a:rPr kumimoji="1" lang="zh-CN" altLang="en-US" sz="1000" dirty="0">
+                <a:latin typeface="Arial" charset="0"/>
+                <a:ea typeface="Arial" charset="0"/>
+                <a:cs typeface="Arial" charset="0"/>
+              </a:rPr>
+              <a:t> </a:t>
+            </a:r>
+            <a:r>
+              <a:rPr kumimoji="1" lang="en-US" altLang="zh-CN" sz="1000" dirty="0">
+                <a:latin typeface="Arial" charset="0"/>
+                <a:ea typeface="Arial" charset="0"/>
+                <a:cs typeface="Arial" charset="0"/>
+              </a:rPr>
+              <a:t>in</a:t>
+            </a:r>
+            <a:r>
+              <a:rPr kumimoji="1" lang="zh-CN" altLang="en-US" sz="1000" dirty="0">
+                <a:latin typeface="Arial" charset="0"/>
+                <a:ea typeface="Arial" charset="0"/>
+                <a:cs typeface="Arial" charset="0"/>
+              </a:rPr>
+              <a:t> </a:t>
+            </a:r>
+            <a:r>
+              <a:rPr kumimoji="1" lang="en-US" altLang="zh-CN" sz="1000" dirty="0">
+                <a:latin typeface="Arial" charset="0"/>
+                <a:ea typeface="Arial" charset="0"/>
+                <a:cs typeface="Arial" charset="0"/>
+              </a:rPr>
+              <a:t>100</a:t>
+            </a:r>
+            <a:r>
+              <a:rPr kumimoji="1" lang="zh-CN" altLang="en-US" sz="1000" dirty="0">
+                <a:latin typeface="Arial" charset="0"/>
+                <a:ea typeface="Arial" charset="0"/>
+                <a:cs typeface="Arial" charset="0"/>
+              </a:rPr>
+              <a:t> </a:t>
+            </a:r>
+            <a:r>
+              <a:rPr kumimoji="1" lang="en-US" altLang="zh-CN" sz="1000" dirty="0">
+                <a:latin typeface="Arial" charset="0"/>
+                <a:ea typeface="Arial" charset="0"/>
+                <a:cs typeface="Arial" charset="0"/>
+              </a:rPr>
+              <a:t>bootstrap</a:t>
+            </a:r>
+            <a:r>
+              <a:rPr kumimoji="1" lang="zh-CN" altLang="en-US" sz="1000" dirty="0">
+                <a:latin typeface="Arial" charset="0"/>
+                <a:ea typeface="Arial" charset="0"/>
+                <a:cs typeface="Arial" charset="0"/>
+              </a:rPr>
+              <a:t> </a:t>
+            </a:r>
+            <a:r>
+              <a:rPr kumimoji="1" lang="en-US" altLang="zh-CN" sz="1000" dirty="0">
+                <a:latin typeface="Arial" charset="0"/>
+                <a:ea typeface="Arial" charset="0"/>
+                <a:cs typeface="Arial" charset="0"/>
+              </a:rPr>
+              <a:t>samples</a:t>
+            </a:r>
+            <a:r>
+              <a:rPr kumimoji="1" lang="zh-CN" altLang="en-US" sz="1000" dirty="0">
+                <a:latin typeface="Arial" charset="0"/>
+                <a:ea typeface="Arial" charset="0"/>
+                <a:cs typeface="Arial" charset="0"/>
+              </a:rPr>
+              <a:t> </a:t>
+            </a:r>
+            <a:r>
+              <a:rPr kumimoji="1" lang="en-US" altLang="zh-CN" sz="1000" dirty="0">
+                <a:latin typeface="Arial" charset="0"/>
+                <a:ea typeface="Arial" charset="0"/>
+                <a:cs typeface="Arial" charset="0"/>
+              </a:rPr>
               <a:t>and</a:t>
             </a:r>
             <a:r>
@@ -9806,7 +14769,7 @@
                 <a:ea typeface="Arial" charset="0"/>
                 <a:cs typeface="Arial" charset="0"/>
               </a:rPr>
-              <a:t>instability</a:t>
+              <a:t>exposures</a:t>
             </a:r>
             <a:r>
               <a:rPr kumimoji="1" lang="zh-CN" altLang="en-US" sz="1000" dirty="0">
@@ -9822,7 +14785,7 @@
                 <a:ea typeface="Arial" charset="0"/>
                 <a:cs typeface="Arial" charset="0"/>
               </a:rPr>
-              <a:t>analyses</a:t>
+              <a:t>in</a:t>
             </a:r>
             <a:r>
               <a:rPr kumimoji="1" lang="zh-CN" altLang="en-US" sz="1000" dirty="0">
@@ -9838,6 +14801,54 @@
                 <a:ea typeface="Arial" charset="0"/>
                 <a:cs typeface="Arial" charset="0"/>
               </a:rPr>
+              <a:t>the</a:t>
+            </a:r>
+            <a:r>
+              <a:rPr kumimoji="1" lang="zh-CN" altLang="en-US" sz="1000" dirty="0">
+                <a:latin typeface="Arial" charset="0"/>
+                <a:ea typeface="Arial" charset="0"/>
+                <a:cs typeface="Arial" charset="0"/>
+              </a:rPr>
+              <a:t> </a:t>
+            </a:r>
+            <a:r>
+              <a:rPr kumimoji="1" lang="en-US" altLang="zh-CN" sz="1000" dirty="0">
+                <a:latin typeface="Arial" charset="0"/>
+                <a:ea typeface="Arial" charset="0"/>
+                <a:cs typeface="Arial" charset="0"/>
+              </a:rPr>
+              <a:t>original</a:t>
+            </a:r>
+            <a:r>
+              <a:rPr kumimoji="1" lang="zh-CN" altLang="en-US" sz="1000" dirty="0">
+                <a:latin typeface="Arial" charset="0"/>
+                <a:ea typeface="Arial" charset="0"/>
+                <a:cs typeface="Arial" charset="0"/>
+              </a:rPr>
+              <a:t> </a:t>
+            </a:r>
+            <a:r>
+              <a:rPr kumimoji="1" lang="en-US" altLang="zh-CN" sz="1000" dirty="0">
+                <a:latin typeface="Arial" charset="0"/>
+                <a:ea typeface="Arial" charset="0"/>
+                <a:cs typeface="Arial" charset="0"/>
+              </a:rPr>
+              <a:t>samples</a:t>
+            </a:r>
+            <a:r>
+              <a:rPr kumimoji="1" lang="zh-CN" altLang="en-US" sz="1000" dirty="0">
+                <a:latin typeface="Arial" charset="0"/>
+                <a:ea typeface="Arial" charset="0"/>
+                <a:cs typeface="Arial" charset="0"/>
+              </a:rPr>
+              <a:t> </a:t>
+            </a:r>
+            <a:r>
+              <a:rPr kumimoji="1" lang="en-US" altLang="zh-CN" sz="1000" dirty="0">
+                <a:latin typeface="Arial" charset="0"/>
+                <a:ea typeface="Arial" charset="0"/>
+                <a:cs typeface="Arial" charset="0"/>
+              </a:rPr>
               <a:t>for</a:t>
             </a:r>
             <a:r>
@@ -9854,7 +14865,7 @@
                 <a:ea typeface="Arial" charset="0"/>
                 <a:cs typeface="Arial" charset="0"/>
               </a:rPr>
-              <a:t>SBS</a:t>
+              <a:t>each</a:t>
             </a:r>
             <a:r>
               <a:rPr kumimoji="1" lang="zh-CN" altLang="en-US" sz="1000" dirty="0">
@@ -9870,7 +14881,7 @@
                 <a:ea typeface="Arial" charset="0"/>
                 <a:cs typeface="Arial" charset="0"/>
               </a:rPr>
-              <a:t>mutations</a:t>
+              <a:t>tumor.</a:t>
             </a:r>
             <a:r>
               <a:rPr kumimoji="1" lang="zh-CN" altLang="en-US" sz="1000" dirty="0">
@@ -9886,6 +14897,166 @@
                 <a:ea typeface="Arial" charset="0"/>
                 <a:cs typeface="Arial" charset="0"/>
               </a:rPr>
+              <a:t>(B) Distribution of bootstrapping signature exposure of all SBS signatures for SP117933, a selected tumor sample from the 214 PCAWG breast cohort. (C) Reconstruction error distribution of 100 bootstrapping samples for SP117933.</a:t>
+            </a:r>
+            <a:r>
+              <a:rPr kumimoji="1" lang="zh-CN" altLang="en-US" sz="1000" dirty="0">
+                <a:latin typeface="Arial" charset="0"/>
+                <a:ea typeface="Arial" charset="0"/>
+                <a:cs typeface="Arial" charset="0"/>
+              </a:rPr>
+              <a:t> </a:t>
+            </a:r>
+            <a:r>
+              <a:rPr kumimoji="1" lang="en-US" altLang="zh-CN" sz="1000" dirty="0">
+                <a:latin typeface="Arial" charset="0"/>
+                <a:ea typeface="Arial" charset="0"/>
+                <a:cs typeface="Arial" charset="0"/>
+              </a:rPr>
+              <a:t>The</a:t>
+            </a:r>
+            <a:r>
+              <a:rPr kumimoji="1" lang="zh-CN" altLang="en-US" sz="1000" dirty="0">
+                <a:latin typeface="Arial" charset="0"/>
+                <a:ea typeface="Arial" charset="0"/>
+                <a:cs typeface="Arial" charset="0"/>
+              </a:rPr>
+              <a:t> </a:t>
+            </a:r>
+            <a:r>
+              <a:rPr kumimoji="1" lang="en-US" altLang="zh-CN" sz="1000" dirty="0">
+                <a:latin typeface="Arial" charset="0"/>
+                <a:ea typeface="Arial" charset="0"/>
+                <a:cs typeface="Arial" charset="0"/>
+              </a:rPr>
+              <a:t>triangles</a:t>
+            </a:r>
+            <a:r>
+              <a:rPr kumimoji="1" lang="zh-CN" altLang="en-US" sz="1000" dirty="0">
+                <a:latin typeface="Arial" charset="0"/>
+                <a:ea typeface="Arial" charset="0"/>
+                <a:cs typeface="Arial" charset="0"/>
+              </a:rPr>
+              <a:t> </a:t>
+            </a:r>
+            <a:r>
+              <a:rPr kumimoji="1" lang="en-US" altLang="zh-CN" sz="1000" dirty="0">
+                <a:latin typeface="Arial" charset="0"/>
+                <a:ea typeface="Arial" charset="0"/>
+                <a:cs typeface="Arial" charset="0"/>
+              </a:rPr>
+              <a:t>indicate</a:t>
+            </a:r>
+            <a:r>
+              <a:rPr kumimoji="1" lang="zh-CN" altLang="en-US" sz="1000" dirty="0">
+                <a:latin typeface="Arial" charset="0"/>
+                <a:ea typeface="Arial" charset="0"/>
+                <a:cs typeface="Arial" charset="0"/>
+              </a:rPr>
+              <a:t> </a:t>
+            </a:r>
+            <a:r>
+              <a:rPr kumimoji="1" lang="en-US" altLang="zh-CN" sz="1000" dirty="0">
+                <a:latin typeface="Arial" charset="0"/>
+                <a:ea typeface="Arial" charset="0"/>
+                <a:cs typeface="Arial" charset="0"/>
+              </a:rPr>
+              <a:t>signature</a:t>
+            </a:r>
+            <a:r>
+              <a:rPr kumimoji="1" lang="zh-CN" altLang="en-US" sz="1000" dirty="0">
+                <a:latin typeface="Arial" charset="0"/>
+                <a:ea typeface="Arial" charset="0"/>
+                <a:cs typeface="Arial" charset="0"/>
+              </a:rPr>
+              <a:t> </a:t>
+            </a:r>
+            <a:r>
+              <a:rPr kumimoji="1" lang="en-US" altLang="zh-CN" sz="1000" dirty="0">
+                <a:latin typeface="Arial" charset="0"/>
+                <a:ea typeface="Arial" charset="0"/>
+                <a:cs typeface="Arial" charset="0"/>
+              </a:rPr>
+              <a:t>exposures</a:t>
+            </a:r>
+            <a:r>
+              <a:rPr kumimoji="1" lang="zh-CN" altLang="en-US" sz="1000" dirty="0">
+                <a:latin typeface="Arial" charset="0"/>
+                <a:ea typeface="Arial" charset="0"/>
+                <a:cs typeface="Arial" charset="0"/>
+              </a:rPr>
+              <a:t> </a:t>
+            </a:r>
+            <a:r>
+              <a:rPr kumimoji="1" lang="en-US" altLang="zh-CN" sz="1000" dirty="0">
+                <a:latin typeface="Arial" charset="0"/>
+                <a:ea typeface="Arial" charset="0"/>
+                <a:cs typeface="Arial" charset="0"/>
+              </a:rPr>
+              <a:t>or</a:t>
+            </a:r>
+            <a:r>
+              <a:rPr kumimoji="1" lang="zh-CN" altLang="en-US" sz="1000" dirty="0">
+                <a:latin typeface="Arial" charset="0"/>
+                <a:ea typeface="Arial" charset="0"/>
+                <a:cs typeface="Arial" charset="0"/>
+              </a:rPr>
+              <a:t> </a:t>
+            </a:r>
+            <a:r>
+              <a:rPr kumimoji="1" lang="en-US" altLang="zh-CN" sz="1000" dirty="0">
+                <a:latin typeface="Arial" charset="0"/>
+                <a:ea typeface="Arial" charset="0"/>
+                <a:cs typeface="Arial" charset="0"/>
+              </a:rPr>
+              <a:t>reconstruction</a:t>
+            </a:r>
+            <a:r>
+              <a:rPr kumimoji="1" lang="zh-CN" altLang="en-US" sz="1000" dirty="0">
+                <a:latin typeface="Arial" charset="0"/>
+                <a:ea typeface="Arial" charset="0"/>
+                <a:cs typeface="Arial" charset="0"/>
+              </a:rPr>
+              <a:t> </a:t>
+            </a:r>
+            <a:r>
+              <a:rPr kumimoji="1" lang="en-US" altLang="zh-CN" sz="1000" dirty="0">
+                <a:latin typeface="Arial" charset="0"/>
+                <a:ea typeface="Arial" charset="0"/>
+                <a:cs typeface="Arial" charset="0"/>
+              </a:rPr>
+              <a:t>errors</a:t>
+            </a:r>
+            <a:r>
+              <a:rPr kumimoji="1" lang="zh-CN" altLang="en-US" sz="1000" dirty="0">
+                <a:latin typeface="Arial" charset="0"/>
+                <a:ea typeface="Arial" charset="0"/>
+                <a:cs typeface="Arial" charset="0"/>
+              </a:rPr>
+              <a:t> </a:t>
+            </a:r>
+            <a:r>
+              <a:rPr kumimoji="1" lang="en-US" altLang="zh-CN" sz="1000" dirty="0">
+                <a:latin typeface="Arial" charset="0"/>
+                <a:ea typeface="Arial" charset="0"/>
+                <a:cs typeface="Arial" charset="0"/>
+              </a:rPr>
+              <a:t>obtained</a:t>
+            </a:r>
+            <a:r>
+              <a:rPr kumimoji="1" lang="zh-CN" altLang="en-US" sz="1000" dirty="0">
+                <a:latin typeface="Arial" charset="0"/>
+                <a:ea typeface="Arial" charset="0"/>
+                <a:cs typeface="Arial" charset="0"/>
+              </a:rPr>
+              <a:t> </a:t>
+            </a:r>
+            <a:r>
+              <a:rPr kumimoji="1" lang="en-US" altLang="zh-CN" sz="1000" dirty="0">
+                <a:latin typeface="Arial" charset="0"/>
+                <a:ea typeface="Arial" charset="0"/>
+                <a:cs typeface="Arial" charset="0"/>
+              </a:rPr>
               <a:t>from</a:t>
             </a:r>
             <a:r>
@@ -9902,7 +15073,7 @@
                 <a:ea typeface="Arial" charset="0"/>
                 <a:cs typeface="Arial" charset="0"/>
               </a:rPr>
-              <a:t>986</a:t>
+              <a:t>original</a:t>
             </a:r>
             <a:r>
               <a:rPr kumimoji="1" lang="zh-CN" altLang="en-US" sz="1000" dirty="0">
@@ -9918,7 +15089,7 @@
                 <a:ea typeface="Arial" charset="0"/>
                 <a:cs typeface="Arial" charset="0"/>
               </a:rPr>
-              <a:t>TCGA</a:t>
+              <a:t>catalogues</a:t>
             </a:r>
             <a:r>
               <a:rPr kumimoji="1" lang="zh-CN" altLang="en-US" sz="1000" dirty="0">
@@ -9934,7 +15105,7 @@
                 <a:ea typeface="Arial" charset="0"/>
                 <a:cs typeface="Arial" charset="0"/>
               </a:rPr>
-              <a:t>breast</a:t>
+              <a:t>of</a:t>
             </a:r>
             <a:r>
               <a:rPr kumimoji="1" lang="zh-CN" altLang="en-US" sz="1000" dirty="0">
@@ -9950,7 +15121,7 @@
                 <a:ea typeface="Arial" charset="0"/>
                 <a:cs typeface="Arial" charset="0"/>
               </a:rPr>
-              <a:t>tumors.</a:t>
+              <a:t>this</a:t>
             </a:r>
             <a:r>
               <a:rPr kumimoji="1" lang="zh-CN" altLang="en-US" sz="1000" dirty="0">
@@ -9966,7 +15137,7 @@
                 <a:ea typeface="Arial" charset="0"/>
                 <a:cs typeface="Arial" charset="0"/>
               </a:rPr>
-              <a:t>(A)</a:t>
+              <a:t>tumor.</a:t>
             </a:r>
             <a:r>
               <a:rPr kumimoji="1" lang="zh-CN" altLang="en-US" sz="1000" dirty="0">
@@ -9982,1367 +15153,7 @@
                 <a:ea typeface="Arial" charset="0"/>
                 <a:cs typeface="Arial" charset="0"/>
               </a:rPr>
-              <a:t>Relative</a:t>
-            </a:r>
-            <a:r>
-              <a:rPr kumimoji="1" lang="zh-CN" altLang="en-US" sz="1000" dirty="0">
-                <a:latin typeface="Arial" charset="0"/>
-                <a:ea typeface="Arial" charset="0"/>
-                <a:cs typeface="Arial" charset="0"/>
-              </a:rPr>
-              <a:t> </a:t>
-            </a:r>
-            <a:r>
-              <a:rPr kumimoji="1" lang="en-US" altLang="zh-CN" sz="1000" dirty="0">
-                <a:latin typeface="Arial" charset="0"/>
-                <a:ea typeface="Arial" charset="0"/>
-                <a:cs typeface="Arial" charset="0"/>
-              </a:rPr>
-              <a:t>signature</a:t>
-            </a:r>
-            <a:r>
-              <a:rPr kumimoji="1" lang="zh-CN" altLang="en-US" sz="1000" dirty="0">
-                <a:latin typeface="Arial" charset="0"/>
-                <a:ea typeface="Arial" charset="0"/>
-                <a:cs typeface="Arial" charset="0"/>
-              </a:rPr>
-              <a:t> </a:t>
-            </a:r>
-            <a:r>
-              <a:rPr kumimoji="1" lang="en-US" altLang="zh-CN" sz="1000" dirty="0">
-                <a:latin typeface="Arial" charset="0"/>
-                <a:ea typeface="Arial" charset="0"/>
-                <a:cs typeface="Arial" charset="0"/>
-              </a:rPr>
-              <a:t>exposures</a:t>
-            </a:r>
-            <a:r>
-              <a:rPr kumimoji="1" lang="zh-CN" altLang="en-US" sz="1000" dirty="0">
-                <a:latin typeface="Arial" charset="0"/>
-                <a:ea typeface="Arial" charset="0"/>
-                <a:cs typeface="Arial" charset="0"/>
-              </a:rPr>
-              <a:t> </a:t>
-            </a:r>
-            <a:r>
-              <a:rPr kumimoji="1" lang="en-US" altLang="zh-CN" sz="1000" dirty="0">
-                <a:latin typeface="Arial" charset="0"/>
-                <a:ea typeface="Arial" charset="0"/>
-                <a:cs typeface="Arial" charset="0"/>
-              </a:rPr>
-              <a:t>from</a:t>
-            </a:r>
-            <a:r>
-              <a:rPr kumimoji="1" lang="zh-CN" altLang="en-US" sz="1000" dirty="0">
-                <a:latin typeface="Arial" charset="0"/>
-                <a:ea typeface="Arial" charset="0"/>
-                <a:cs typeface="Arial" charset="0"/>
-              </a:rPr>
-              <a:t> </a:t>
-            </a:r>
-            <a:r>
-              <a:rPr kumimoji="1" lang="en-US" altLang="zh-CN" sz="1000" dirty="0">
-                <a:latin typeface="Arial" charset="0"/>
-                <a:ea typeface="Arial" charset="0"/>
-                <a:cs typeface="Arial" charset="0"/>
-              </a:rPr>
-              <a:t>30</a:t>
-            </a:r>
-            <a:r>
-              <a:rPr kumimoji="1" lang="zh-CN" altLang="en-US" sz="1000" dirty="0">
-                <a:latin typeface="Arial" charset="0"/>
-                <a:ea typeface="Arial" charset="0"/>
-                <a:cs typeface="Arial" charset="0"/>
-              </a:rPr>
-              <a:t> </a:t>
-            </a:r>
-            <a:r>
-              <a:rPr kumimoji="1" lang="en-US" altLang="zh-CN" sz="1000" dirty="0">
-                <a:latin typeface="Arial" charset="0"/>
-                <a:ea typeface="Arial" charset="0"/>
-                <a:cs typeface="Arial" charset="0"/>
-              </a:rPr>
-              <a:t>COSMIC</a:t>
-            </a:r>
-            <a:r>
-              <a:rPr kumimoji="1" lang="zh-CN" altLang="en-US" sz="1000" dirty="0">
-                <a:latin typeface="Arial" charset="0"/>
-                <a:ea typeface="Arial" charset="0"/>
-                <a:cs typeface="Arial" charset="0"/>
-              </a:rPr>
-              <a:t> </a:t>
-            </a:r>
-            <a:r>
-              <a:rPr kumimoji="1" lang="en-US" altLang="zh-CN" sz="1000" dirty="0">
-                <a:latin typeface="Arial" charset="0"/>
-                <a:ea typeface="Arial" charset="0"/>
-                <a:cs typeface="Arial" charset="0"/>
-              </a:rPr>
-              <a:t>v2</a:t>
-            </a:r>
-            <a:r>
-              <a:rPr kumimoji="1" lang="zh-CN" altLang="en-US" sz="1000" dirty="0">
-                <a:latin typeface="Arial" charset="0"/>
-                <a:ea typeface="Arial" charset="0"/>
-                <a:cs typeface="Arial" charset="0"/>
-              </a:rPr>
-              <a:t> </a:t>
-            </a:r>
-            <a:r>
-              <a:rPr kumimoji="1" lang="en-US" altLang="zh-CN" sz="1000" dirty="0">
-                <a:latin typeface="Arial" charset="0"/>
-                <a:ea typeface="Arial" charset="0"/>
-                <a:cs typeface="Arial" charset="0"/>
-              </a:rPr>
-              <a:t>signatures</a:t>
-            </a:r>
-            <a:r>
-              <a:rPr kumimoji="1" lang="zh-CN" altLang="en-US" sz="1000" dirty="0">
-                <a:latin typeface="Arial" charset="0"/>
-                <a:ea typeface="Arial" charset="0"/>
-                <a:cs typeface="Arial" charset="0"/>
-              </a:rPr>
-              <a:t> </a:t>
-            </a:r>
-            <a:r>
-              <a:rPr kumimoji="1" lang="en-US" altLang="zh-CN" sz="1000" dirty="0">
-                <a:latin typeface="Arial" charset="0"/>
-                <a:ea typeface="Arial" charset="0"/>
-                <a:cs typeface="Arial" charset="0"/>
-              </a:rPr>
-              <a:t>fitting</a:t>
-            </a:r>
-            <a:r>
-              <a:rPr kumimoji="1" lang="zh-CN" altLang="en-US" sz="1000" dirty="0">
-                <a:latin typeface="Arial" charset="0"/>
-                <a:ea typeface="Arial" charset="0"/>
-                <a:cs typeface="Arial" charset="0"/>
-              </a:rPr>
-              <a:t> </a:t>
-            </a:r>
-            <a:r>
-              <a:rPr kumimoji="1" lang="en-US" altLang="zh-CN" sz="1000" dirty="0">
-                <a:latin typeface="Arial" charset="0"/>
-                <a:ea typeface="Arial" charset="0"/>
-                <a:cs typeface="Arial" charset="0"/>
-              </a:rPr>
-              <a:t>using</a:t>
-            </a:r>
-            <a:r>
-              <a:rPr kumimoji="1" lang="zh-CN" altLang="en-US" sz="1000" dirty="0">
-                <a:latin typeface="Arial" charset="0"/>
-                <a:ea typeface="Arial" charset="0"/>
-                <a:cs typeface="Arial" charset="0"/>
-              </a:rPr>
-              <a:t> </a:t>
-            </a:r>
-            <a:r>
-              <a:rPr kumimoji="1" lang="en-US" altLang="zh-CN" sz="1000" dirty="0">
-                <a:latin typeface="Arial" charset="0"/>
-                <a:ea typeface="Arial" charset="0"/>
-                <a:cs typeface="Arial" charset="0"/>
-              </a:rPr>
-              <a:t>LS</a:t>
-            </a:r>
-            <a:r>
-              <a:rPr kumimoji="1" lang="zh-CN" altLang="en-US" sz="1000" dirty="0">
-                <a:latin typeface="Arial" charset="0"/>
-                <a:ea typeface="Arial" charset="0"/>
-                <a:cs typeface="Arial" charset="0"/>
-              </a:rPr>
-              <a:t> </a:t>
-            </a:r>
-            <a:r>
-              <a:rPr kumimoji="1" lang="en-US" altLang="zh-CN" sz="1000" dirty="0">
-                <a:latin typeface="Arial" charset="0"/>
-                <a:ea typeface="Arial" charset="0"/>
-                <a:cs typeface="Arial" charset="0"/>
-              </a:rPr>
-              <a:t>method.</a:t>
-            </a:r>
-            <a:r>
-              <a:rPr kumimoji="1" lang="zh-CN" altLang="en-US" sz="1000" dirty="0">
-                <a:latin typeface="Arial" charset="0"/>
-                <a:ea typeface="Arial" charset="0"/>
-                <a:cs typeface="Arial" charset="0"/>
-              </a:rPr>
-              <a:t> </a:t>
-            </a:r>
-            <a:r>
-              <a:rPr kumimoji="1" lang="en-US" altLang="zh-CN" sz="1000" dirty="0">
-                <a:latin typeface="Arial" charset="0"/>
-                <a:ea typeface="Arial" charset="0"/>
-                <a:cs typeface="Arial" charset="0"/>
-              </a:rPr>
-              <a:t>(B)</a:t>
-            </a:r>
-            <a:r>
-              <a:rPr kumimoji="1" lang="zh-CN" altLang="en-US" sz="1000" dirty="0">
-                <a:latin typeface="Arial" charset="0"/>
-                <a:ea typeface="Arial" charset="0"/>
-                <a:cs typeface="Arial" charset="0"/>
-              </a:rPr>
-              <a:t> </a:t>
-            </a:r>
-            <a:r>
-              <a:rPr kumimoji="1" lang="en-US" altLang="zh-CN" sz="1000" dirty="0">
-                <a:latin typeface="Arial" charset="0"/>
-                <a:ea typeface="Arial" charset="0"/>
-                <a:cs typeface="Arial" charset="0"/>
-              </a:rPr>
-              <a:t>Comparison</a:t>
-            </a:r>
-            <a:r>
-              <a:rPr kumimoji="1" lang="zh-CN" altLang="en-US" sz="1000" dirty="0">
-                <a:latin typeface="Arial" charset="0"/>
-                <a:ea typeface="Arial" charset="0"/>
-                <a:cs typeface="Arial" charset="0"/>
-              </a:rPr>
-              <a:t> </a:t>
-            </a:r>
-            <a:r>
-              <a:rPr kumimoji="1" lang="en-US" altLang="zh-CN" sz="1000" dirty="0">
-                <a:latin typeface="Arial" charset="0"/>
-                <a:ea typeface="Arial" charset="0"/>
-                <a:cs typeface="Arial" charset="0"/>
-              </a:rPr>
-              <a:t>of</a:t>
-            </a:r>
-            <a:r>
-              <a:rPr kumimoji="1" lang="zh-CN" altLang="en-US" sz="1000" dirty="0">
-                <a:latin typeface="Arial" charset="0"/>
-                <a:ea typeface="Arial" charset="0"/>
-                <a:cs typeface="Arial" charset="0"/>
-              </a:rPr>
-              <a:t> </a:t>
-            </a:r>
-            <a:r>
-              <a:rPr kumimoji="1" lang="en-US" altLang="zh-CN" sz="1000" dirty="0">
-                <a:latin typeface="Arial" charset="0"/>
-                <a:ea typeface="Arial" charset="0"/>
-                <a:cs typeface="Arial" charset="0"/>
-              </a:rPr>
-              <a:t>signature</a:t>
-            </a:r>
-            <a:r>
-              <a:rPr kumimoji="1" lang="zh-CN" altLang="en-US" sz="1000" dirty="0">
-                <a:latin typeface="Arial" charset="0"/>
-                <a:ea typeface="Arial" charset="0"/>
-                <a:cs typeface="Arial" charset="0"/>
-              </a:rPr>
-              <a:t> </a:t>
-            </a:r>
-            <a:r>
-              <a:rPr kumimoji="1" lang="en-US" altLang="zh-CN" sz="1000" dirty="0">
-                <a:latin typeface="Arial" charset="0"/>
-                <a:ea typeface="Arial" charset="0"/>
-                <a:cs typeface="Arial" charset="0"/>
-              </a:rPr>
-              <a:t>exposure</a:t>
-            </a:r>
-            <a:r>
-              <a:rPr kumimoji="1" lang="zh-CN" altLang="en-US" sz="1000" dirty="0">
-                <a:latin typeface="Arial" charset="0"/>
-                <a:ea typeface="Arial" charset="0"/>
-                <a:cs typeface="Arial" charset="0"/>
-              </a:rPr>
-              <a:t> </a:t>
-            </a:r>
-            <a:r>
-              <a:rPr kumimoji="1" lang="en-US" altLang="zh-CN" sz="1000" dirty="0">
-                <a:latin typeface="Arial" charset="0"/>
-                <a:ea typeface="Arial" charset="0"/>
-                <a:cs typeface="Arial" charset="0"/>
-              </a:rPr>
-              <a:t>instability</a:t>
-            </a:r>
-            <a:r>
-              <a:rPr kumimoji="1" lang="zh-CN" altLang="en-US" sz="1000" dirty="0">
-                <a:latin typeface="Arial" charset="0"/>
-                <a:ea typeface="Arial" charset="0"/>
-                <a:cs typeface="Arial" charset="0"/>
-              </a:rPr>
-              <a:t> </a:t>
-            </a:r>
-            <a:r>
-              <a:rPr kumimoji="1" lang="en-US" altLang="zh-CN" sz="1000" dirty="0">
-                <a:latin typeface="Arial" charset="0"/>
-                <a:ea typeface="Arial" charset="0"/>
-                <a:cs typeface="Arial" charset="0"/>
-              </a:rPr>
-              <a:t>between</a:t>
-            </a:r>
-            <a:r>
-              <a:rPr kumimoji="1" lang="zh-CN" altLang="en-US" sz="1000" dirty="0">
-                <a:latin typeface="Arial" charset="0"/>
-                <a:ea typeface="Arial" charset="0"/>
-                <a:cs typeface="Arial" charset="0"/>
-              </a:rPr>
-              <a:t> </a:t>
-            </a:r>
-            <a:r>
-              <a:rPr kumimoji="1" lang="en-US" altLang="zh-CN" sz="1000" dirty="0">
-                <a:latin typeface="Arial" charset="0"/>
-                <a:ea typeface="Arial" charset="0"/>
-                <a:cs typeface="Arial" charset="0"/>
-              </a:rPr>
-              <a:t>contributed</a:t>
-            </a:r>
-            <a:r>
-              <a:rPr kumimoji="1" lang="zh-CN" altLang="en-US" sz="1000" dirty="0">
-                <a:latin typeface="Arial" charset="0"/>
-                <a:ea typeface="Arial" charset="0"/>
-                <a:cs typeface="Arial" charset="0"/>
-              </a:rPr>
-              <a:t> </a:t>
-            </a:r>
-            <a:r>
-              <a:rPr kumimoji="1" lang="en-US" altLang="zh-CN" sz="1000" dirty="0">
-                <a:latin typeface="Arial" charset="0"/>
-                <a:ea typeface="Arial" charset="0"/>
-                <a:cs typeface="Arial" charset="0"/>
-              </a:rPr>
-              <a:t>signatures</a:t>
-            </a:r>
-            <a:r>
-              <a:rPr kumimoji="1" lang="zh-CN" altLang="en-US" sz="1000" dirty="0">
-                <a:latin typeface="Arial" charset="0"/>
-                <a:ea typeface="Arial" charset="0"/>
-                <a:cs typeface="Arial" charset="0"/>
-              </a:rPr>
-              <a:t> </a:t>
-            </a:r>
-            <a:r>
-              <a:rPr kumimoji="1" lang="en-US" altLang="zh-CN" sz="1000" dirty="0">
-                <a:latin typeface="Arial" charset="0"/>
-                <a:ea typeface="Arial" charset="0"/>
-                <a:cs typeface="Arial" charset="0"/>
-              </a:rPr>
-              <a:t>in</a:t>
-            </a:r>
-            <a:r>
-              <a:rPr kumimoji="1" lang="zh-CN" altLang="en-US" sz="1000" dirty="0">
-                <a:latin typeface="Arial" charset="0"/>
-                <a:ea typeface="Arial" charset="0"/>
-                <a:cs typeface="Arial" charset="0"/>
-              </a:rPr>
-              <a:t> </a:t>
-            </a:r>
-            <a:r>
-              <a:rPr kumimoji="1" lang="en-US" altLang="zh-CN" sz="1000" dirty="0">
-                <a:latin typeface="Arial" charset="0"/>
-                <a:ea typeface="Arial" charset="0"/>
-                <a:cs typeface="Arial" charset="0"/>
-              </a:rPr>
-              <a:t>(A)</a:t>
-            </a:r>
-            <a:r>
-              <a:rPr kumimoji="1" lang="zh-CN" altLang="en-US" sz="1000" dirty="0">
-                <a:latin typeface="Arial" charset="0"/>
-                <a:ea typeface="Arial" charset="0"/>
-                <a:cs typeface="Arial" charset="0"/>
-              </a:rPr>
-              <a:t> </a:t>
-            </a:r>
-            <a:r>
-              <a:rPr kumimoji="1" lang="en-US" altLang="zh-CN" sz="1000" dirty="0">
-                <a:latin typeface="Arial" charset="0"/>
-                <a:ea typeface="Arial" charset="0"/>
-                <a:cs typeface="Arial" charset="0"/>
-              </a:rPr>
-              <a:t>measured</a:t>
-            </a:r>
-            <a:r>
-              <a:rPr kumimoji="1" lang="zh-CN" altLang="en-US" sz="1000" dirty="0">
-                <a:latin typeface="Arial" charset="0"/>
-                <a:ea typeface="Arial" charset="0"/>
-                <a:cs typeface="Arial" charset="0"/>
-              </a:rPr>
-              <a:t> </a:t>
-            </a:r>
-            <a:r>
-              <a:rPr kumimoji="1" lang="en-US" altLang="zh-CN" sz="1000" dirty="0">
-                <a:latin typeface="Arial" charset="0"/>
-                <a:ea typeface="Arial" charset="0"/>
-                <a:cs typeface="Arial" charset="0"/>
-              </a:rPr>
-              <a:t>as</a:t>
-            </a:r>
-            <a:r>
-              <a:rPr kumimoji="1" lang="zh-CN" altLang="en-US" sz="1000" dirty="0">
-                <a:latin typeface="Arial" charset="0"/>
-                <a:ea typeface="Arial" charset="0"/>
-                <a:cs typeface="Arial" charset="0"/>
-              </a:rPr>
-              <a:t> </a:t>
-            </a:r>
-            <a:r>
-              <a:rPr kumimoji="1" lang="en-US" altLang="zh-CN" sz="1000" dirty="0">
-                <a:latin typeface="Arial" charset="0"/>
-                <a:ea typeface="Arial" charset="0"/>
-                <a:cs typeface="Arial" charset="0"/>
-              </a:rPr>
-              <a:t>MRSE</a:t>
-            </a:r>
-            <a:r>
-              <a:rPr kumimoji="1" lang="zh-CN" altLang="en-US" sz="1000" dirty="0">
-                <a:latin typeface="Arial" charset="0"/>
-                <a:ea typeface="Arial" charset="0"/>
-                <a:cs typeface="Arial" charset="0"/>
-              </a:rPr>
-              <a:t> </a:t>
-            </a:r>
-            <a:r>
-              <a:rPr kumimoji="1" lang="en-US" altLang="zh-CN" sz="1000" dirty="0">
-                <a:latin typeface="Arial" charset="0"/>
-                <a:ea typeface="Arial" charset="0"/>
-                <a:cs typeface="Arial" charset="0"/>
-              </a:rPr>
-              <a:t>between</a:t>
-            </a:r>
-            <a:r>
-              <a:rPr kumimoji="1" lang="zh-CN" altLang="en-US" sz="1000" dirty="0">
-                <a:latin typeface="Arial" charset="0"/>
-                <a:ea typeface="Arial" charset="0"/>
-                <a:cs typeface="Arial" charset="0"/>
-              </a:rPr>
-              <a:t> </a:t>
-            </a:r>
-            <a:r>
-              <a:rPr kumimoji="1" lang="en-US" altLang="zh-CN" sz="1000" dirty="0">
-                <a:latin typeface="Arial" charset="0"/>
-                <a:ea typeface="Arial" charset="0"/>
-                <a:cs typeface="Arial" charset="0"/>
-              </a:rPr>
-              <a:t>exposures</a:t>
-            </a:r>
-            <a:r>
-              <a:rPr kumimoji="1" lang="zh-CN" altLang="en-US" sz="1000" dirty="0">
-                <a:latin typeface="Arial" charset="0"/>
-                <a:ea typeface="Arial" charset="0"/>
-                <a:cs typeface="Arial" charset="0"/>
-              </a:rPr>
-              <a:t> </a:t>
-            </a:r>
-            <a:r>
-              <a:rPr kumimoji="1" lang="en-US" altLang="zh-CN" sz="1000" dirty="0">
-                <a:latin typeface="Arial" charset="0"/>
-                <a:ea typeface="Arial" charset="0"/>
-                <a:cs typeface="Arial" charset="0"/>
-              </a:rPr>
-              <a:t>in</a:t>
-            </a:r>
-            <a:r>
-              <a:rPr kumimoji="1" lang="zh-CN" altLang="en-US" sz="1000" dirty="0">
-                <a:latin typeface="Arial" charset="0"/>
-                <a:ea typeface="Arial" charset="0"/>
-                <a:cs typeface="Arial" charset="0"/>
-              </a:rPr>
-              <a:t> </a:t>
-            </a:r>
-            <a:r>
-              <a:rPr kumimoji="1" lang="en-US" altLang="zh-CN" sz="1000" dirty="0">
-                <a:latin typeface="Arial" charset="0"/>
-                <a:ea typeface="Arial" charset="0"/>
-                <a:cs typeface="Arial" charset="0"/>
-              </a:rPr>
-              <a:t>100</a:t>
-            </a:r>
-            <a:r>
-              <a:rPr kumimoji="1" lang="zh-CN" altLang="en-US" sz="1000" dirty="0">
-                <a:latin typeface="Arial" charset="0"/>
-                <a:ea typeface="Arial" charset="0"/>
-                <a:cs typeface="Arial" charset="0"/>
-              </a:rPr>
-              <a:t> </a:t>
-            </a:r>
-            <a:r>
-              <a:rPr kumimoji="1" lang="en-US" altLang="zh-CN" sz="1000" dirty="0">
-                <a:latin typeface="Arial" charset="0"/>
-                <a:ea typeface="Arial" charset="0"/>
-                <a:cs typeface="Arial" charset="0"/>
-              </a:rPr>
-              <a:t>bootstrap</a:t>
-            </a:r>
-            <a:r>
-              <a:rPr kumimoji="1" lang="zh-CN" altLang="en-US" sz="1000" dirty="0">
-                <a:latin typeface="Arial" charset="0"/>
-                <a:ea typeface="Arial" charset="0"/>
-                <a:cs typeface="Arial" charset="0"/>
-              </a:rPr>
-              <a:t> </a:t>
-            </a:r>
-            <a:r>
-              <a:rPr kumimoji="1" lang="en-US" altLang="zh-CN" sz="1000" dirty="0">
-                <a:latin typeface="Arial" charset="0"/>
-                <a:ea typeface="Arial" charset="0"/>
-                <a:cs typeface="Arial" charset="0"/>
-              </a:rPr>
-              <a:t>samples</a:t>
-            </a:r>
-            <a:r>
-              <a:rPr kumimoji="1" lang="zh-CN" altLang="en-US" sz="1000" dirty="0">
-                <a:latin typeface="Arial" charset="0"/>
-                <a:ea typeface="Arial" charset="0"/>
-                <a:cs typeface="Arial" charset="0"/>
-              </a:rPr>
-              <a:t> </a:t>
-            </a:r>
-            <a:r>
-              <a:rPr kumimoji="1" lang="en-US" altLang="zh-CN" sz="1000" dirty="0">
-                <a:latin typeface="Arial" charset="0"/>
-                <a:ea typeface="Arial" charset="0"/>
-                <a:cs typeface="Arial" charset="0"/>
-              </a:rPr>
-              <a:t>and</a:t>
-            </a:r>
-            <a:r>
-              <a:rPr kumimoji="1" lang="zh-CN" altLang="en-US" sz="1000" dirty="0">
-                <a:latin typeface="Arial" charset="0"/>
-                <a:ea typeface="Arial" charset="0"/>
-                <a:cs typeface="Arial" charset="0"/>
-              </a:rPr>
-              <a:t> </a:t>
-            </a:r>
-            <a:r>
-              <a:rPr kumimoji="1" lang="en-US" altLang="zh-CN" sz="1000" dirty="0">
-                <a:latin typeface="Arial" charset="0"/>
-                <a:ea typeface="Arial" charset="0"/>
-                <a:cs typeface="Arial" charset="0"/>
-              </a:rPr>
-              <a:t>exposures</a:t>
-            </a:r>
-            <a:r>
-              <a:rPr kumimoji="1" lang="zh-CN" altLang="en-US" sz="1000" dirty="0">
-                <a:latin typeface="Arial" charset="0"/>
-                <a:ea typeface="Arial" charset="0"/>
-                <a:cs typeface="Arial" charset="0"/>
-              </a:rPr>
-              <a:t> </a:t>
-            </a:r>
-            <a:r>
-              <a:rPr kumimoji="1" lang="en-US" altLang="zh-CN" sz="1000" dirty="0">
-                <a:latin typeface="Arial" charset="0"/>
-                <a:ea typeface="Arial" charset="0"/>
-                <a:cs typeface="Arial" charset="0"/>
-              </a:rPr>
-              <a:t>in</a:t>
-            </a:r>
-            <a:r>
-              <a:rPr kumimoji="1" lang="zh-CN" altLang="en-US" sz="1000" dirty="0">
-                <a:latin typeface="Arial" charset="0"/>
-                <a:ea typeface="Arial" charset="0"/>
-                <a:cs typeface="Arial" charset="0"/>
-              </a:rPr>
-              <a:t> </a:t>
-            </a:r>
-            <a:r>
-              <a:rPr kumimoji="1" lang="en-US" altLang="zh-CN" sz="1000" dirty="0">
-                <a:latin typeface="Arial" charset="0"/>
-                <a:ea typeface="Arial" charset="0"/>
-                <a:cs typeface="Arial" charset="0"/>
-              </a:rPr>
-              <a:t>the</a:t>
-            </a:r>
-            <a:r>
-              <a:rPr kumimoji="1" lang="zh-CN" altLang="en-US" sz="1000" dirty="0">
-                <a:latin typeface="Arial" charset="0"/>
-                <a:ea typeface="Arial" charset="0"/>
-                <a:cs typeface="Arial" charset="0"/>
-              </a:rPr>
-              <a:t> </a:t>
-            </a:r>
-            <a:r>
-              <a:rPr kumimoji="1" lang="en-US" altLang="zh-CN" sz="1000" dirty="0">
-                <a:latin typeface="Arial" charset="0"/>
-                <a:ea typeface="Arial" charset="0"/>
-                <a:cs typeface="Arial" charset="0"/>
-              </a:rPr>
-              <a:t>original</a:t>
-            </a:r>
-            <a:r>
-              <a:rPr kumimoji="1" lang="zh-CN" altLang="en-US" sz="1000" dirty="0">
-                <a:latin typeface="Arial" charset="0"/>
-                <a:ea typeface="Arial" charset="0"/>
-                <a:cs typeface="Arial" charset="0"/>
-              </a:rPr>
-              <a:t> </a:t>
-            </a:r>
-            <a:r>
-              <a:rPr kumimoji="1" lang="en-US" altLang="zh-CN" sz="1000" dirty="0">
-                <a:latin typeface="Arial" charset="0"/>
-                <a:ea typeface="Arial" charset="0"/>
-                <a:cs typeface="Arial" charset="0"/>
-              </a:rPr>
-              <a:t>samples</a:t>
-            </a:r>
-            <a:r>
-              <a:rPr kumimoji="1" lang="zh-CN" altLang="en-US" sz="1000" dirty="0">
-                <a:latin typeface="Arial" charset="0"/>
-                <a:ea typeface="Arial" charset="0"/>
-                <a:cs typeface="Arial" charset="0"/>
-              </a:rPr>
-              <a:t> </a:t>
-            </a:r>
-            <a:r>
-              <a:rPr kumimoji="1" lang="en-US" altLang="zh-CN" sz="1000" dirty="0">
-                <a:latin typeface="Arial" charset="0"/>
-                <a:ea typeface="Arial" charset="0"/>
-                <a:cs typeface="Arial" charset="0"/>
-              </a:rPr>
-              <a:t>for</a:t>
-            </a:r>
-            <a:r>
-              <a:rPr kumimoji="1" lang="zh-CN" altLang="en-US" sz="1000" dirty="0">
-                <a:latin typeface="Arial" charset="0"/>
-                <a:ea typeface="Arial" charset="0"/>
-                <a:cs typeface="Arial" charset="0"/>
-              </a:rPr>
-              <a:t> </a:t>
-            </a:r>
-            <a:r>
-              <a:rPr kumimoji="1" lang="en-US" altLang="zh-CN" sz="1000" dirty="0">
-                <a:latin typeface="Arial" charset="0"/>
-                <a:ea typeface="Arial" charset="0"/>
-                <a:cs typeface="Arial" charset="0"/>
-              </a:rPr>
-              <a:t>each</a:t>
-            </a:r>
-            <a:r>
-              <a:rPr kumimoji="1" lang="zh-CN" altLang="en-US" sz="1000" dirty="0">
-                <a:latin typeface="Arial" charset="0"/>
-                <a:ea typeface="Arial" charset="0"/>
-                <a:cs typeface="Arial" charset="0"/>
-              </a:rPr>
-              <a:t> </a:t>
-            </a:r>
-            <a:r>
-              <a:rPr kumimoji="1" lang="en-US" altLang="zh-CN" sz="1000" dirty="0">
-                <a:latin typeface="Arial" charset="0"/>
-                <a:ea typeface="Arial" charset="0"/>
-                <a:cs typeface="Arial" charset="0"/>
-              </a:rPr>
-              <a:t>tumor.</a:t>
-            </a:r>
-            <a:r>
-              <a:rPr kumimoji="1" lang="zh-CN" altLang="en-US" sz="1000" dirty="0">
-                <a:latin typeface="Arial" charset="0"/>
-                <a:ea typeface="Arial" charset="0"/>
-                <a:cs typeface="Arial" charset="0"/>
-              </a:rPr>
-              <a:t> </a:t>
-            </a:r>
-            <a:r>
-              <a:rPr kumimoji="1" lang="en-US" altLang="zh-CN" sz="1000" dirty="0">
-                <a:latin typeface="Arial" charset="0"/>
-                <a:ea typeface="Arial" charset="0"/>
-                <a:cs typeface="Arial" charset="0"/>
-              </a:rPr>
-              <a:t>(C)</a:t>
-            </a:r>
-            <a:r>
-              <a:rPr kumimoji="1" lang="zh-CN" altLang="en-US" sz="1000" dirty="0">
-                <a:latin typeface="Arial" charset="0"/>
-                <a:ea typeface="Arial" charset="0"/>
-                <a:cs typeface="Arial" charset="0"/>
-              </a:rPr>
-              <a:t> </a:t>
-            </a:r>
-            <a:r>
-              <a:rPr kumimoji="1" lang="en-US" altLang="zh-CN" sz="1000" dirty="0">
-                <a:latin typeface="Arial" charset="0"/>
-                <a:ea typeface="Arial" charset="0"/>
-                <a:cs typeface="Arial" charset="0"/>
-              </a:rPr>
-              <a:t>Distribution</a:t>
-            </a:r>
-            <a:r>
-              <a:rPr kumimoji="1" lang="zh-CN" altLang="en-US" sz="1000" dirty="0">
-                <a:latin typeface="Arial" charset="0"/>
-                <a:ea typeface="Arial" charset="0"/>
-                <a:cs typeface="Arial" charset="0"/>
-              </a:rPr>
-              <a:t> </a:t>
-            </a:r>
-            <a:r>
-              <a:rPr kumimoji="1" lang="en-US" altLang="zh-CN" sz="1000" dirty="0">
-                <a:latin typeface="Arial" charset="0"/>
-                <a:ea typeface="Arial" charset="0"/>
-                <a:cs typeface="Arial" charset="0"/>
-              </a:rPr>
-              <a:t>of</a:t>
-            </a:r>
-            <a:r>
-              <a:rPr kumimoji="1" lang="zh-CN" altLang="en-US" sz="1000" dirty="0">
-                <a:latin typeface="Arial" charset="0"/>
-                <a:ea typeface="Arial" charset="0"/>
-                <a:cs typeface="Arial" charset="0"/>
-              </a:rPr>
-              <a:t> </a:t>
-            </a:r>
-            <a:r>
-              <a:rPr kumimoji="1" lang="en-US" altLang="zh-CN" sz="1000" dirty="0">
-                <a:latin typeface="Arial" charset="0"/>
-                <a:ea typeface="Arial" charset="0"/>
-                <a:cs typeface="Arial" charset="0"/>
-              </a:rPr>
-              <a:t>signature</a:t>
-            </a:r>
-            <a:r>
-              <a:rPr kumimoji="1" lang="zh-CN" altLang="en-US" sz="1000" dirty="0">
-                <a:latin typeface="Arial" charset="0"/>
-                <a:ea typeface="Arial" charset="0"/>
-                <a:cs typeface="Arial" charset="0"/>
-              </a:rPr>
-              <a:t> </a:t>
-            </a:r>
-            <a:r>
-              <a:rPr kumimoji="1" lang="en-US" altLang="zh-CN" sz="1000" dirty="0">
-                <a:latin typeface="Arial" charset="0"/>
-                <a:ea typeface="Arial" charset="0"/>
-                <a:cs typeface="Arial" charset="0"/>
-              </a:rPr>
-              <a:t>exposures</a:t>
-            </a:r>
-            <a:r>
-              <a:rPr kumimoji="1" lang="zh-CN" altLang="en-US" sz="1000" dirty="0">
-                <a:latin typeface="Arial" charset="0"/>
-                <a:ea typeface="Arial" charset="0"/>
-                <a:cs typeface="Arial" charset="0"/>
-              </a:rPr>
-              <a:t> </a:t>
-            </a:r>
-            <a:r>
-              <a:rPr kumimoji="1" lang="en-US" altLang="zh-CN" sz="1000" dirty="0">
-                <a:latin typeface="Arial" charset="0"/>
-                <a:ea typeface="Arial" charset="0"/>
-                <a:cs typeface="Arial" charset="0"/>
-              </a:rPr>
-              <a:t>(left</a:t>
-            </a:r>
-            <a:r>
-              <a:rPr kumimoji="1" lang="zh-CN" altLang="en-US" sz="1000" dirty="0">
-                <a:latin typeface="Arial" charset="0"/>
-                <a:ea typeface="Arial" charset="0"/>
-                <a:cs typeface="Arial" charset="0"/>
-              </a:rPr>
-              <a:t> </a:t>
-            </a:r>
-            <a:r>
-              <a:rPr kumimoji="1" lang="en-US" altLang="zh-CN" sz="1000" dirty="0">
-                <a:latin typeface="Arial" charset="0"/>
-                <a:ea typeface="Arial" charset="0"/>
-                <a:cs typeface="Arial" charset="0"/>
-              </a:rPr>
-              <a:t>panel)</a:t>
-            </a:r>
-            <a:r>
-              <a:rPr kumimoji="1" lang="zh-CN" altLang="en-US" sz="1000" dirty="0">
-                <a:latin typeface="Arial" charset="0"/>
-                <a:ea typeface="Arial" charset="0"/>
-                <a:cs typeface="Arial" charset="0"/>
-              </a:rPr>
-              <a:t> </a:t>
-            </a:r>
-            <a:r>
-              <a:rPr kumimoji="1" lang="en-US" altLang="zh-CN" sz="1000" dirty="0">
-                <a:latin typeface="Arial" charset="0"/>
-                <a:ea typeface="Arial" charset="0"/>
-                <a:cs typeface="Arial" charset="0"/>
-              </a:rPr>
-              <a:t>and</a:t>
-            </a:r>
-            <a:r>
-              <a:rPr kumimoji="1" lang="zh-CN" altLang="en-US" sz="1000" dirty="0">
-                <a:latin typeface="Arial" charset="0"/>
-                <a:ea typeface="Arial" charset="0"/>
-                <a:cs typeface="Arial" charset="0"/>
-              </a:rPr>
-              <a:t> </a:t>
-            </a:r>
-            <a:r>
-              <a:rPr kumimoji="1" lang="en-US" altLang="zh-CN" sz="1000" dirty="0">
-                <a:latin typeface="Arial" charset="0"/>
-                <a:ea typeface="Arial" charset="0"/>
-                <a:cs typeface="Arial" charset="0"/>
-              </a:rPr>
-              <a:t>reconstruction</a:t>
-            </a:r>
-            <a:r>
-              <a:rPr kumimoji="1" lang="zh-CN" altLang="en-US" sz="1000" dirty="0">
-                <a:latin typeface="Arial" charset="0"/>
-                <a:ea typeface="Arial" charset="0"/>
-                <a:cs typeface="Arial" charset="0"/>
-              </a:rPr>
-              <a:t> </a:t>
-            </a:r>
-            <a:r>
-              <a:rPr kumimoji="1" lang="en-US" altLang="zh-CN" sz="1000" dirty="0">
-                <a:latin typeface="Arial" charset="0"/>
-                <a:ea typeface="Arial" charset="0"/>
-                <a:cs typeface="Arial" charset="0"/>
-              </a:rPr>
-              <a:t>error</a:t>
-            </a:r>
-            <a:r>
-              <a:rPr kumimoji="1" lang="zh-CN" altLang="en-US" sz="1000" dirty="0">
-                <a:latin typeface="Arial" charset="0"/>
-                <a:ea typeface="Arial" charset="0"/>
-                <a:cs typeface="Arial" charset="0"/>
-              </a:rPr>
-              <a:t> </a:t>
-            </a:r>
-            <a:r>
-              <a:rPr kumimoji="1" lang="en-US" altLang="zh-CN" sz="1000" dirty="0">
-                <a:latin typeface="Arial" charset="0"/>
-                <a:ea typeface="Arial" charset="0"/>
-                <a:cs typeface="Arial" charset="0"/>
-              </a:rPr>
-              <a:t>(right</a:t>
-            </a:r>
-            <a:r>
-              <a:rPr kumimoji="1" lang="zh-CN" altLang="en-US" sz="1000" dirty="0">
-                <a:latin typeface="Arial" charset="0"/>
-                <a:ea typeface="Arial" charset="0"/>
-                <a:cs typeface="Arial" charset="0"/>
-              </a:rPr>
-              <a:t> </a:t>
-            </a:r>
-            <a:r>
-              <a:rPr kumimoji="1" lang="en-US" altLang="zh-CN" sz="1000" dirty="0">
-                <a:latin typeface="Arial" charset="0"/>
-                <a:ea typeface="Arial" charset="0"/>
-                <a:cs typeface="Arial" charset="0"/>
-              </a:rPr>
-              <a:t>panel)</a:t>
-            </a:r>
-            <a:r>
-              <a:rPr kumimoji="1" lang="zh-CN" altLang="en-US" sz="1000" dirty="0">
-                <a:latin typeface="Arial" charset="0"/>
-                <a:ea typeface="Arial" charset="0"/>
-                <a:cs typeface="Arial" charset="0"/>
-              </a:rPr>
-              <a:t> </a:t>
-            </a:r>
-            <a:r>
-              <a:rPr kumimoji="1" lang="en-US" altLang="zh-CN" sz="1000" dirty="0">
-                <a:latin typeface="Arial" charset="0"/>
-                <a:ea typeface="Arial" charset="0"/>
-                <a:cs typeface="Arial" charset="0"/>
-              </a:rPr>
-              <a:t>in</a:t>
-            </a:r>
-            <a:r>
-              <a:rPr kumimoji="1" lang="zh-CN" altLang="en-US" sz="1000" dirty="0">
-                <a:latin typeface="Arial" charset="0"/>
-                <a:ea typeface="Arial" charset="0"/>
-                <a:cs typeface="Arial" charset="0"/>
-              </a:rPr>
-              <a:t> </a:t>
-            </a:r>
-            <a:r>
-              <a:rPr kumimoji="1" lang="en-US" altLang="zh-CN" sz="1000" dirty="0">
-                <a:latin typeface="Arial" charset="0"/>
-                <a:ea typeface="Arial" charset="0"/>
-                <a:cs typeface="Arial" charset="0"/>
-              </a:rPr>
-              <a:t>100</a:t>
-            </a:r>
-            <a:r>
-              <a:rPr kumimoji="1" lang="zh-CN" altLang="en-US" sz="1000" dirty="0">
-                <a:latin typeface="Arial" charset="0"/>
-                <a:ea typeface="Arial" charset="0"/>
-                <a:cs typeface="Arial" charset="0"/>
-              </a:rPr>
-              <a:t> </a:t>
-            </a:r>
-            <a:r>
-              <a:rPr kumimoji="1" lang="en-US" altLang="zh-CN" sz="1000" dirty="0">
-                <a:latin typeface="Arial" charset="0"/>
-                <a:ea typeface="Arial" charset="0"/>
-                <a:cs typeface="Arial" charset="0"/>
-              </a:rPr>
-              <a:t>bootstrap</a:t>
-            </a:r>
-            <a:r>
-              <a:rPr kumimoji="1" lang="zh-CN" altLang="en-US" sz="1000" dirty="0">
-                <a:latin typeface="Arial" charset="0"/>
-                <a:ea typeface="Arial" charset="0"/>
-                <a:cs typeface="Arial" charset="0"/>
-              </a:rPr>
-              <a:t> </a:t>
-            </a:r>
-            <a:r>
-              <a:rPr kumimoji="1" lang="en-US" altLang="zh-CN" sz="1000" dirty="0">
-                <a:latin typeface="Arial" charset="0"/>
-                <a:ea typeface="Arial" charset="0"/>
-                <a:cs typeface="Arial" charset="0"/>
-              </a:rPr>
-              <a:t>samples</a:t>
-            </a:r>
-            <a:r>
-              <a:rPr kumimoji="1" lang="zh-CN" altLang="en-US" sz="1000" dirty="0">
-                <a:latin typeface="Arial" charset="0"/>
-                <a:ea typeface="Arial" charset="0"/>
-                <a:cs typeface="Arial" charset="0"/>
-              </a:rPr>
-              <a:t> </a:t>
-            </a:r>
-            <a:r>
-              <a:rPr kumimoji="1" lang="en-US" altLang="zh-CN" sz="1000" dirty="0">
-                <a:latin typeface="Arial" charset="0"/>
-                <a:ea typeface="Arial" charset="0"/>
-                <a:cs typeface="Arial" charset="0"/>
-              </a:rPr>
-              <a:t>for</a:t>
-            </a:r>
-            <a:r>
-              <a:rPr kumimoji="1" lang="zh-CN" altLang="en-US" sz="1000" dirty="0">
-                <a:latin typeface="Arial" charset="0"/>
-                <a:ea typeface="Arial" charset="0"/>
-                <a:cs typeface="Arial" charset="0"/>
-              </a:rPr>
-              <a:t> </a:t>
-            </a:r>
-            <a:r>
-              <a:rPr kumimoji="1" lang="en-US" altLang="zh-CN" sz="1000" dirty="0">
-                <a:latin typeface="Arial" charset="0"/>
-                <a:ea typeface="Arial" charset="0"/>
-                <a:cs typeface="Arial" charset="0"/>
-              </a:rPr>
-              <a:t>a</a:t>
-            </a:r>
-            <a:r>
-              <a:rPr kumimoji="1" lang="zh-CN" altLang="en-US" sz="1000" dirty="0">
-                <a:latin typeface="Arial" charset="0"/>
-                <a:ea typeface="Arial" charset="0"/>
-                <a:cs typeface="Arial" charset="0"/>
-              </a:rPr>
-              <a:t> </a:t>
-            </a:r>
-            <a:r>
-              <a:rPr kumimoji="1" lang="en-US" altLang="zh-CN" sz="1000" dirty="0">
-                <a:latin typeface="Arial" charset="0"/>
-                <a:ea typeface="Arial" charset="0"/>
-                <a:cs typeface="Arial" charset="0"/>
-              </a:rPr>
-              <a:t>selected</a:t>
-            </a:r>
-            <a:r>
-              <a:rPr kumimoji="1" lang="zh-CN" altLang="en-US" sz="1000" dirty="0">
-                <a:latin typeface="Arial" charset="0"/>
-                <a:ea typeface="Arial" charset="0"/>
-                <a:cs typeface="Arial" charset="0"/>
-              </a:rPr>
-              <a:t> </a:t>
-            </a:r>
-            <a:r>
-              <a:rPr kumimoji="1" lang="en-US" altLang="zh-CN" sz="1000" dirty="0">
-                <a:latin typeface="Arial" charset="0"/>
-                <a:ea typeface="Arial" charset="0"/>
-                <a:cs typeface="Arial" charset="0"/>
-              </a:rPr>
-              <a:t>sample</a:t>
-            </a:r>
-            <a:r>
-              <a:rPr kumimoji="1" lang="zh-CN" altLang="en-US" sz="1000" dirty="0">
-                <a:latin typeface="Arial" charset="0"/>
-                <a:ea typeface="Arial" charset="0"/>
-                <a:cs typeface="Arial" charset="0"/>
-              </a:rPr>
-              <a:t> </a:t>
-            </a:r>
-            <a:r>
-              <a:rPr kumimoji="1" lang="en-US" altLang="zh-CN" sz="1000" dirty="0">
-                <a:latin typeface="Arial" charset="0"/>
-                <a:ea typeface="Arial" charset="0"/>
-                <a:cs typeface="Arial" charset="0"/>
-              </a:rPr>
-              <a:t>using</a:t>
-            </a:r>
-            <a:r>
-              <a:rPr kumimoji="1" lang="zh-CN" altLang="en-US" sz="1000" dirty="0">
-                <a:latin typeface="Arial" charset="0"/>
-                <a:ea typeface="Arial" charset="0"/>
-                <a:cs typeface="Arial" charset="0"/>
-              </a:rPr>
-              <a:t> </a:t>
-            </a:r>
-            <a:r>
-              <a:rPr kumimoji="1" lang="en-US" altLang="zh-CN" sz="1000" dirty="0">
-                <a:latin typeface="Arial" charset="0"/>
-                <a:ea typeface="Arial" charset="0"/>
-                <a:cs typeface="Arial" charset="0"/>
-              </a:rPr>
-              <a:t>LS</a:t>
-            </a:r>
-            <a:r>
-              <a:rPr kumimoji="1" lang="zh-CN" altLang="en-US" sz="1000" dirty="0">
-                <a:latin typeface="Arial" charset="0"/>
-                <a:ea typeface="Arial" charset="0"/>
-                <a:cs typeface="Arial" charset="0"/>
-              </a:rPr>
-              <a:t> </a:t>
-            </a:r>
-            <a:r>
-              <a:rPr kumimoji="1" lang="en-US" altLang="zh-CN" sz="1000" dirty="0">
-                <a:latin typeface="Arial" charset="0"/>
-                <a:ea typeface="Arial" charset="0"/>
-                <a:cs typeface="Arial" charset="0"/>
-              </a:rPr>
-              <a:t>and</a:t>
-            </a:r>
-            <a:r>
-              <a:rPr kumimoji="1" lang="zh-CN" altLang="en-US" sz="1000" dirty="0">
-                <a:latin typeface="Arial" charset="0"/>
-                <a:ea typeface="Arial" charset="0"/>
-                <a:cs typeface="Arial" charset="0"/>
-              </a:rPr>
-              <a:t> </a:t>
-            </a:r>
-            <a:r>
-              <a:rPr kumimoji="1" lang="en-US" altLang="zh-CN" sz="1000" dirty="0">
-                <a:latin typeface="Arial" charset="0"/>
-                <a:ea typeface="Arial" charset="0"/>
-                <a:cs typeface="Arial" charset="0"/>
-              </a:rPr>
-              <a:t>QP</a:t>
-            </a:r>
-            <a:r>
-              <a:rPr kumimoji="1" lang="zh-CN" altLang="en-US" sz="1000" dirty="0">
-                <a:latin typeface="Arial" charset="0"/>
-                <a:ea typeface="Arial" charset="0"/>
-                <a:cs typeface="Arial" charset="0"/>
-              </a:rPr>
-              <a:t> </a:t>
-            </a:r>
-            <a:r>
-              <a:rPr kumimoji="1" lang="en-US" altLang="zh-CN" sz="1000" dirty="0">
-                <a:latin typeface="Arial" charset="0"/>
-                <a:ea typeface="Arial" charset="0"/>
-                <a:cs typeface="Arial" charset="0"/>
-              </a:rPr>
-              <a:t>methods.</a:t>
-            </a:r>
-            <a:r>
-              <a:rPr kumimoji="1" lang="zh-CN" altLang="en-US" sz="1000" dirty="0">
-                <a:latin typeface="Arial" charset="0"/>
-                <a:ea typeface="Arial" charset="0"/>
-                <a:cs typeface="Arial" charset="0"/>
-              </a:rPr>
-              <a:t> </a:t>
-            </a:r>
-            <a:r>
-              <a:rPr kumimoji="1" lang="en-US" altLang="zh-CN" sz="1000" dirty="0">
-                <a:latin typeface="Arial" charset="0"/>
-                <a:ea typeface="Arial" charset="0"/>
-                <a:cs typeface="Arial" charset="0"/>
-              </a:rPr>
-              <a:t>The</a:t>
-            </a:r>
-            <a:r>
-              <a:rPr kumimoji="1" lang="zh-CN" altLang="en-US" sz="1000" dirty="0">
-                <a:latin typeface="Arial" charset="0"/>
-                <a:ea typeface="Arial" charset="0"/>
-                <a:cs typeface="Arial" charset="0"/>
-              </a:rPr>
-              <a:t> </a:t>
-            </a:r>
-            <a:r>
-              <a:rPr kumimoji="1" lang="en-US" altLang="zh-CN" sz="1000" dirty="0">
-                <a:latin typeface="Arial" charset="0"/>
-                <a:ea typeface="Arial" charset="0"/>
-                <a:cs typeface="Arial" charset="0"/>
-              </a:rPr>
-              <a:t>triangles</a:t>
-            </a:r>
-            <a:r>
-              <a:rPr kumimoji="1" lang="zh-CN" altLang="en-US" sz="1000" dirty="0">
-                <a:latin typeface="Arial" charset="0"/>
-                <a:ea typeface="Arial" charset="0"/>
-                <a:cs typeface="Arial" charset="0"/>
-              </a:rPr>
-              <a:t> </a:t>
-            </a:r>
-            <a:r>
-              <a:rPr kumimoji="1" lang="en-US" altLang="zh-CN" sz="1000" dirty="0">
-                <a:latin typeface="Arial" charset="0"/>
-                <a:ea typeface="Arial" charset="0"/>
-                <a:cs typeface="Arial" charset="0"/>
-              </a:rPr>
-              <a:t>indicate</a:t>
-            </a:r>
-            <a:r>
-              <a:rPr kumimoji="1" lang="zh-CN" altLang="en-US" sz="1000" dirty="0">
-                <a:latin typeface="Arial" charset="0"/>
-                <a:ea typeface="Arial" charset="0"/>
-                <a:cs typeface="Arial" charset="0"/>
-              </a:rPr>
-              <a:t> </a:t>
-            </a:r>
-            <a:r>
-              <a:rPr kumimoji="1" lang="en-US" altLang="zh-CN" sz="1000" dirty="0">
-                <a:latin typeface="Arial" charset="0"/>
-                <a:ea typeface="Arial" charset="0"/>
-                <a:cs typeface="Arial" charset="0"/>
-              </a:rPr>
-              <a:t>signature</a:t>
-            </a:r>
-            <a:r>
-              <a:rPr kumimoji="1" lang="zh-CN" altLang="en-US" sz="1000" dirty="0">
-                <a:latin typeface="Arial" charset="0"/>
-                <a:ea typeface="Arial" charset="0"/>
-                <a:cs typeface="Arial" charset="0"/>
-              </a:rPr>
-              <a:t> </a:t>
-            </a:r>
-            <a:r>
-              <a:rPr kumimoji="1" lang="en-US" altLang="zh-CN" sz="1000" dirty="0">
-                <a:latin typeface="Arial" charset="0"/>
-                <a:ea typeface="Arial" charset="0"/>
-                <a:cs typeface="Arial" charset="0"/>
-              </a:rPr>
-              <a:t>exposures</a:t>
-            </a:r>
-            <a:r>
-              <a:rPr kumimoji="1" lang="zh-CN" altLang="en-US" sz="1000" dirty="0">
-                <a:latin typeface="Arial" charset="0"/>
-                <a:ea typeface="Arial" charset="0"/>
-                <a:cs typeface="Arial" charset="0"/>
-              </a:rPr>
-              <a:t> </a:t>
-            </a:r>
-            <a:r>
-              <a:rPr kumimoji="1" lang="en-US" altLang="zh-CN" sz="1000" dirty="0">
-                <a:latin typeface="Arial" charset="0"/>
-                <a:ea typeface="Arial" charset="0"/>
-                <a:cs typeface="Arial" charset="0"/>
-              </a:rPr>
-              <a:t>or</a:t>
-            </a:r>
-            <a:r>
-              <a:rPr kumimoji="1" lang="zh-CN" altLang="en-US" sz="1000" dirty="0">
-                <a:latin typeface="Arial" charset="0"/>
-                <a:ea typeface="Arial" charset="0"/>
-                <a:cs typeface="Arial" charset="0"/>
-              </a:rPr>
-              <a:t> </a:t>
-            </a:r>
-            <a:r>
-              <a:rPr kumimoji="1" lang="en-US" altLang="zh-CN" sz="1000" dirty="0">
-                <a:latin typeface="Arial" charset="0"/>
-                <a:ea typeface="Arial" charset="0"/>
-                <a:cs typeface="Arial" charset="0"/>
-              </a:rPr>
-              <a:t>reconstruction</a:t>
-            </a:r>
-            <a:r>
-              <a:rPr kumimoji="1" lang="zh-CN" altLang="en-US" sz="1000" dirty="0">
-                <a:latin typeface="Arial" charset="0"/>
-                <a:ea typeface="Arial" charset="0"/>
-                <a:cs typeface="Arial" charset="0"/>
-              </a:rPr>
-              <a:t> </a:t>
-            </a:r>
-            <a:r>
-              <a:rPr kumimoji="1" lang="en-US" altLang="zh-CN" sz="1000" dirty="0">
-                <a:latin typeface="Arial" charset="0"/>
-                <a:ea typeface="Arial" charset="0"/>
-                <a:cs typeface="Arial" charset="0"/>
-              </a:rPr>
-              <a:t>errors</a:t>
-            </a:r>
-            <a:r>
-              <a:rPr kumimoji="1" lang="zh-CN" altLang="en-US" sz="1000" dirty="0">
-                <a:latin typeface="Arial" charset="0"/>
-                <a:ea typeface="Arial" charset="0"/>
-                <a:cs typeface="Arial" charset="0"/>
-              </a:rPr>
-              <a:t> </a:t>
-            </a:r>
-            <a:r>
-              <a:rPr kumimoji="1" lang="en-US" altLang="zh-CN" sz="1000" dirty="0">
-                <a:latin typeface="Arial" charset="0"/>
-                <a:ea typeface="Arial" charset="0"/>
-                <a:cs typeface="Arial" charset="0"/>
-              </a:rPr>
-              <a:t>obtained</a:t>
-            </a:r>
-            <a:r>
-              <a:rPr kumimoji="1" lang="zh-CN" altLang="en-US" sz="1000" dirty="0">
-                <a:latin typeface="Arial" charset="0"/>
-                <a:ea typeface="Arial" charset="0"/>
-                <a:cs typeface="Arial" charset="0"/>
-              </a:rPr>
-              <a:t> </a:t>
-            </a:r>
-            <a:r>
-              <a:rPr kumimoji="1" lang="en-US" altLang="zh-CN" sz="1000" dirty="0">
-                <a:latin typeface="Arial" charset="0"/>
-                <a:ea typeface="Arial" charset="0"/>
-                <a:cs typeface="Arial" charset="0"/>
-              </a:rPr>
-              <a:t>from</a:t>
-            </a:r>
-            <a:r>
-              <a:rPr kumimoji="1" lang="zh-CN" altLang="en-US" sz="1000" dirty="0">
-                <a:latin typeface="Arial" charset="0"/>
-                <a:ea typeface="Arial" charset="0"/>
-                <a:cs typeface="Arial" charset="0"/>
-              </a:rPr>
-              <a:t> </a:t>
-            </a:r>
-            <a:r>
-              <a:rPr kumimoji="1" lang="en-US" altLang="zh-CN" sz="1000" dirty="0">
-                <a:latin typeface="Arial" charset="0"/>
-                <a:ea typeface="Arial" charset="0"/>
-                <a:cs typeface="Arial" charset="0"/>
-              </a:rPr>
-              <a:t>original</a:t>
-            </a:r>
-            <a:r>
-              <a:rPr kumimoji="1" lang="zh-CN" altLang="en-US" sz="1000" dirty="0">
-                <a:latin typeface="Arial" charset="0"/>
-                <a:ea typeface="Arial" charset="0"/>
-                <a:cs typeface="Arial" charset="0"/>
-              </a:rPr>
-              <a:t> </a:t>
-            </a:r>
-            <a:r>
-              <a:rPr kumimoji="1" lang="en-US" altLang="zh-CN" sz="1000" dirty="0">
-                <a:latin typeface="Arial" charset="0"/>
-                <a:ea typeface="Arial" charset="0"/>
-                <a:cs typeface="Arial" charset="0"/>
-              </a:rPr>
-              <a:t>catalogues</a:t>
-            </a:r>
-            <a:r>
-              <a:rPr kumimoji="1" lang="zh-CN" altLang="en-US" sz="1000" dirty="0">
-                <a:latin typeface="Arial" charset="0"/>
-                <a:ea typeface="Arial" charset="0"/>
-                <a:cs typeface="Arial" charset="0"/>
-              </a:rPr>
-              <a:t> </a:t>
-            </a:r>
-            <a:r>
-              <a:rPr kumimoji="1" lang="en-US" altLang="zh-CN" sz="1000" dirty="0">
-                <a:latin typeface="Arial" charset="0"/>
-                <a:ea typeface="Arial" charset="0"/>
-                <a:cs typeface="Arial" charset="0"/>
-              </a:rPr>
-              <a:t>of</a:t>
-            </a:r>
-            <a:r>
-              <a:rPr kumimoji="1" lang="zh-CN" altLang="en-US" sz="1000" dirty="0">
-                <a:latin typeface="Arial" charset="0"/>
-                <a:ea typeface="Arial" charset="0"/>
-                <a:cs typeface="Arial" charset="0"/>
-              </a:rPr>
-              <a:t> </a:t>
-            </a:r>
-            <a:r>
-              <a:rPr kumimoji="1" lang="en-US" altLang="zh-CN" sz="1000" dirty="0">
-                <a:latin typeface="Arial" charset="0"/>
-                <a:ea typeface="Arial" charset="0"/>
-                <a:cs typeface="Arial" charset="0"/>
-              </a:rPr>
-              <a:t>this</a:t>
-            </a:r>
-            <a:r>
-              <a:rPr kumimoji="1" lang="zh-CN" altLang="en-US" sz="1000" dirty="0">
-                <a:latin typeface="Arial" charset="0"/>
-                <a:ea typeface="Arial" charset="0"/>
-                <a:cs typeface="Arial" charset="0"/>
-              </a:rPr>
-              <a:t> </a:t>
-            </a:r>
-            <a:r>
-              <a:rPr kumimoji="1" lang="en-US" altLang="zh-CN" sz="1000" dirty="0">
-                <a:latin typeface="Arial" charset="0"/>
-                <a:ea typeface="Arial" charset="0"/>
-                <a:cs typeface="Arial" charset="0"/>
-              </a:rPr>
-              <a:t>patient.</a:t>
-            </a:r>
-            <a:r>
-              <a:rPr kumimoji="1" lang="zh-CN" altLang="en-US" sz="1000" dirty="0">
-                <a:latin typeface="Arial" charset="0"/>
-                <a:ea typeface="Arial" charset="0"/>
-                <a:cs typeface="Arial" charset="0"/>
-              </a:rPr>
-              <a:t> </a:t>
-            </a:r>
-            <a:r>
-              <a:rPr kumimoji="1" lang="en-US" altLang="zh-CN" sz="1000" dirty="0">
-                <a:latin typeface="Arial" charset="0"/>
-                <a:ea typeface="Arial" charset="0"/>
-                <a:cs typeface="Arial" charset="0"/>
-              </a:rPr>
               <a:t>Abbr.:</a:t>
-            </a:r>
-            <a:r>
-              <a:rPr kumimoji="1" lang="zh-CN" altLang="en-US" sz="1000" dirty="0">
-                <a:latin typeface="Arial" charset="0"/>
-                <a:ea typeface="Arial" charset="0"/>
-                <a:cs typeface="Arial" charset="0"/>
-              </a:rPr>
-              <a:t> </a:t>
-            </a:r>
-            <a:r>
-              <a:rPr kumimoji="1" lang="en-US" altLang="zh-CN" sz="1000" dirty="0">
-                <a:latin typeface="Arial" charset="0"/>
-                <a:ea typeface="Arial" charset="0"/>
-                <a:cs typeface="Arial" charset="0"/>
-              </a:rPr>
-              <a:t>LS,</a:t>
-            </a:r>
-            <a:r>
-              <a:rPr kumimoji="1" lang="zh-CN" altLang="en-US" sz="1000" dirty="0">
-                <a:latin typeface="Arial" charset="0"/>
-                <a:ea typeface="Arial" charset="0"/>
-                <a:cs typeface="Arial" charset="0"/>
-              </a:rPr>
-              <a:t> </a:t>
-            </a:r>
-            <a:r>
-              <a:rPr kumimoji="1" lang="en-US" altLang="zh-CN" sz="1000" dirty="0">
-                <a:latin typeface="Arial" charset="0"/>
-                <a:ea typeface="Arial" charset="0"/>
-                <a:cs typeface="Arial" charset="0"/>
-              </a:rPr>
-              <a:t>non-negative</a:t>
-            </a:r>
-            <a:r>
-              <a:rPr kumimoji="1" lang="zh-CN" altLang="en-US" sz="1000" dirty="0">
-                <a:latin typeface="Arial" charset="0"/>
-                <a:ea typeface="Arial" charset="0"/>
-                <a:cs typeface="Arial" charset="0"/>
-              </a:rPr>
-              <a:t> </a:t>
-            </a:r>
-            <a:r>
-              <a:rPr kumimoji="1" lang="en-US" altLang="zh-CN" sz="1000" dirty="0">
-                <a:latin typeface="Arial" charset="0"/>
-                <a:ea typeface="Arial" charset="0"/>
-                <a:cs typeface="Arial" charset="0"/>
-              </a:rPr>
-              <a:t>least</a:t>
-            </a:r>
-            <a:r>
-              <a:rPr kumimoji="1" lang="zh-CN" altLang="en-US" sz="1000" dirty="0">
-                <a:latin typeface="Arial" charset="0"/>
-                <a:ea typeface="Arial" charset="0"/>
-                <a:cs typeface="Arial" charset="0"/>
-              </a:rPr>
-              <a:t> </a:t>
-            </a:r>
-            <a:r>
-              <a:rPr kumimoji="1" lang="en-US" altLang="zh-CN" sz="1000" dirty="0">
-                <a:latin typeface="Arial" charset="0"/>
-                <a:ea typeface="Arial" charset="0"/>
-                <a:cs typeface="Arial" charset="0"/>
-              </a:rPr>
-              <a:t>square;</a:t>
             </a:r>
             <a:r>
               <a:rPr kumimoji="1" lang="zh-CN" altLang="en-US" sz="1000" dirty="0">
@@ -11752,4 +15563,299 @@
     </a:ext>
   </a:extLst>
 </a:theme>
+</file>
+
+<file path=ppt/theme/theme2.xml><?xml version="1.0" encoding="utf-8"?>
+<a:theme xmlns:a="http://schemas.openxmlformats.org/drawingml/2006/main" name="Office 主题​​">
+  <a:themeElements>
+    <a:clrScheme name="Office">
+      <a:dk1>
+        <a:sysClr val="windowText" lastClr="000000"/>
+      </a:dk1>
+      <a:lt1>
+        <a:sysClr val="window" lastClr="FFFFFF"/>
+      </a:lt1>
+      <a:dk2>
+        <a:srgbClr val="44546A"/>
+      </a:dk2>
+      <a:lt2>
+        <a:srgbClr val="E7E6E6"/>
+      </a:lt2>
+      <a:accent1>
+        <a:srgbClr val="4472C4"/>
+      </a:accent1>
+      <a:accent2>
+        <a:srgbClr val="ED7D31"/>
+      </a:accent2>
+      <a:accent3>
+        <a:srgbClr val="A5A5A5"/>
+      </a:accent3>
+      <a:accent4>
+        <a:srgbClr val="FFC000"/>
+      </a:accent4>
+      <a:accent5>
+        <a:srgbClr val="5B9BD5"/>
+      </a:accent5>
+      <a:accent6>
+        <a:srgbClr val="70AD47"/>
+      </a:accent6>
+      <a:hlink>
+        <a:srgbClr val="0563C1"/>
+      </a:hlink>
+      <a:folHlink>
+        <a:srgbClr val="954F72"/>
+      </a:folHlink>
+    </a:clrScheme>
+    <a:fontScheme name="Office">
+      <a:majorFont>
+        <a:latin typeface="等线 Light" panose="020F0302020204030204"/>
+        <a:ea typeface=""/>
+        <a:cs typeface=""/>
+        <a:font script="Jpan" typeface="游ゴシック Light"/>
+        <a:font script="Hang" typeface="맑은 고딕"/>
+        <a:font script="Hans" typeface="等线 Light"/>
+        <a:font script="Hant" typeface="新細明體"/>
+        <a:font script="Arab" typeface="Times New Roman"/>
+        <a:font script="Hebr" typeface="Times New Roman"/>
+        <a:font script="Thai" typeface="Angsana New"/>
+        <a:font script="Ethi" typeface="Nyala"/>
+        <a:font script="Beng" typeface="Vrinda"/>
+        <a:font script="Gujr" typeface="Shruti"/>
+        <a:font script="Khmr" typeface="MoolBoran"/>
+        <a:font script="Knda" typeface="Tunga"/>
+        <a:font script="Guru" typeface="Raavi"/>
+        <a:font script="Cans" typeface="Euphemia"/>
+        <a:font script="Cher" typeface="Plantagenet Cherokee"/>
+        <a:font script="Yiii" typeface="Microsoft Yi Baiti"/>
+        <a:font script="Tibt" typeface="Microsoft Himalaya"/>
+        <a:font script="Thaa" typeface="MV Boli"/>
+        <a:font script="Deva" typeface="Mangal"/>
+        <a:font script="Telu" typeface="Gautami"/>
+        <a:font script="Taml" typeface="Latha"/>
+        <a:font script="Syrc" typeface="Estrangelo Edessa"/>
+        <a:font script="Orya" typeface="Kalinga"/>
+        <a:font script="Mlym" typeface="Kartika"/>
+        <a:font script="Laoo" typeface="DokChampa"/>
+        <a:font script="Sinh" typeface="Iskoola Pota"/>
+        <a:font script="Mong" typeface="Mongolian Baiti"/>
+        <a:font script="Viet" typeface="Times New Roman"/>
+        <a:font script="Uigh" typeface="Microsoft Uighur"/>
+        <a:font script="Geor" typeface="Sylfaen"/>
+        <a:font script="Armn" typeface="Arial"/>
+        <a:font script="Bugi" typeface="Leelawadee UI"/>
+        <a:font script="Bopo" typeface="Microsoft JhengHei"/>
+        <a:font script="Java" typeface="Javanese Text"/>
+        <a:font script="Lisu" typeface="Segoe UI"/>
+        <a:font script="Mymr" typeface="Myanmar Text"/>
+        <a:font script="Nkoo" typeface="Ebrima"/>
+        <a:font script="Olck" typeface="Nirmala UI"/>
+        <a:font script="Osma" typeface="Ebrima"/>
+        <a:font script="Phag" typeface="Phagspa"/>
+        <a:font script="Syrn" typeface="Estrangelo Edessa"/>
+        <a:font script="Syrj" typeface="Estrangelo Edessa"/>
+        <a:font script="Syre" typeface="Estrangelo Edessa"/>
+        <a:font script="Sora" typeface="Nirmala UI"/>
+        <a:font script="Tale" typeface="Microsoft Tai Le"/>
+        <a:font script="Talu" typeface="Microsoft New Tai Lue"/>
+        <a:font script="Tfng" typeface="Ebrima"/>
+      </a:majorFont>
+      <a:minorFont>
+        <a:latin typeface="等线" panose="020F0502020204030204"/>
+        <a:ea typeface=""/>
+        <a:cs typeface=""/>
+        <a:font script="Jpan" typeface="游ゴシック"/>
+        <a:font script="Hang" typeface="맑은 고딕"/>
+        <a:font script="Hans" typeface="等线"/>
+        <a:font script="Hant" typeface="新細明體"/>
+        <a:font script="Arab" typeface="Arial"/>
+        <a:font script="Hebr" typeface="Arial"/>
+        <a:font script="Thai" typeface="Cordia New"/>
+        <a:font script="Ethi" typeface="Nyala"/>
+        <a:font script="Beng" typeface="Vrinda"/>
+        <a:font script="Gujr" typeface="Shruti"/>
+        <a:font script="Khmr" typeface="DaunPenh"/>
+        <a:font script="Knda" typeface="Tunga"/>
+        <a:font script="Guru" typeface="Raavi"/>
+        <a:font script="Cans" typeface="Euphemia"/>
+        <a:font script="Cher" typeface="Plantagenet Cherokee"/>
+        <a:font script="Yiii" typeface="Microsoft Yi Baiti"/>
+        <a:font script="Tibt" typeface="Microsoft Himalaya"/>
+        <a:font script="Thaa" typeface="MV Boli"/>
+        <a:font script="Deva" typeface="Mangal"/>
+        <a:font script="Telu" typeface="Gautami"/>
+        <a:font script="Taml" typeface="Latha"/>
+        <a:font script="Syrc" typeface="Estrangelo Edessa"/>
+        <a:font script="Orya" typeface="Kalinga"/>
+        <a:font script="Mlym" typeface="Kartika"/>
+        <a:font script="Laoo" typeface="DokChampa"/>
+        <a:font script="Sinh" typeface="Iskoola Pota"/>
+        <a:font script="Mong" typeface="Mongolian Baiti"/>
+        <a:font script="Viet" typeface="Arial"/>
+        <a:font script="Uigh" typeface="Microsoft Uighur"/>
+        <a:font script="Geor" typeface="Sylfaen"/>
+        <a:font script="Armn" typeface="Arial"/>
+        <a:font script="Bugi" typeface="Leelawadee UI"/>
+        <a:font script="Bopo" typeface="Microsoft JhengHei"/>
+        <a:font script="Java" typeface="Javanese Text"/>
+        <a:font script="Lisu" typeface="Segoe UI"/>
+        <a:font script="Mymr" typeface="Myanmar Text"/>
+        <a:font script="Nkoo" typeface="Ebrima"/>
+        <a:font script="Olck" typeface="Nirmala UI"/>
+        <a:font script="Osma" typeface="Ebrima"/>
+        <a:font script="Phag" typeface="Phagspa"/>
+        <a:font script="Syrn" typeface="Estrangelo Edessa"/>
+        <a:font script="Syrj" typeface="Estrangelo Edessa"/>
+        <a:font script="Syre" typeface="Estrangelo Edessa"/>
+        <a:font script="Sora" typeface="Nirmala UI"/>
+        <a:font script="Tale" typeface="Microsoft Tai Le"/>
+        <a:font script="Talu" typeface="Microsoft New Tai Lue"/>
+        <a:font script="Tfng" typeface="Ebrima"/>
+      </a:minorFont>
+    </a:fontScheme>
+    <a:fmtScheme name="Office">
+      <a:fillStyleLst>
+        <a:solidFill>
+          <a:schemeClr val="phClr"/>
+        </a:solidFill>
+        <a:gradFill rotWithShape="1">
+          <a:gsLst>
+            <a:gs pos="0">
+              <a:schemeClr val="phClr">
+                <a:lumMod val="110000"/>
+                <a:satMod val="105000"/>
+                <a:tint val="67000"/>
+              </a:schemeClr>
+            </a:gs>
+            <a:gs pos="50000">
+              <a:schemeClr val="phClr">
+                <a:lumMod val="105000"/>
+                <a:satMod val="103000"/>
+                <a:tint val="73000"/>
+              </a:schemeClr>
+            </a:gs>
+            <a:gs pos="100000">
+              <a:schemeClr val="phClr">
+                <a:lumMod val="105000"/>
+                <a:satMod val="109000"/>
+                <a:tint val="81000"/>
+              </a:schemeClr>
+            </a:gs>
+          </a:gsLst>
+          <a:lin ang="5400000" scaled="0"/>
+        </a:gradFill>
+        <a:gradFill rotWithShape="1">
+          <a:gsLst>
+            <a:gs pos="0">
+              <a:schemeClr val="phClr">
+                <a:satMod val="103000"/>
+                <a:lumMod val="102000"/>
+                <a:tint val="94000"/>
+              </a:schemeClr>
+            </a:gs>
+            <a:gs pos="50000">
+              <a:schemeClr val="phClr">
+                <a:satMod val="110000"/>
+                <a:lumMod val="100000"/>
+                <a:shade val="100000"/>
+              </a:schemeClr>
+            </a:gs>
+            <a:gs pos="100000">
+              <a:schemeClr val="phClr">
+                <a:lumMod val="99000"/>
+                <a:satMod val="120000"/>
+                <a:shade val="78000"/>
+              </a:schemeClr>
+            </a:gs>
+          </a:gsLst>
+          <a:lin ang="5400000" scaled="0"/>
+        </a:gradFill>
+      </a:fillStyleLst>
+      <a:lnStyleLst>
+        <a:ln w="6350" cap="flat" cmpd="sng" algn="ctr">
+          <a:solidFill>
+            <a:schemeClr val="phClr"/>
+          </a:solidFill>
+          <a:prstDash val="solid"/>
+          <a:miter lim="800000"/>
+        </a:ln>
+        <a:ln w="12700" cap="flat" cmpd="sng" algn="ctr">
+          <a:solidFill>
+            <a:schemeClr val="phClr"/>
+          </a:solidFill>
+          <a:prstDash val="solid"/>
+          <a:miter lim="800000"/>
+        </a:ln>
+        <a:ln w="19050" cap="flat" cmpd="sng" algn="ctr">
+          <a:solidFill>
+            <a:schemeClr val="phClr"/>
+          </a:solidFill>
+          <a:prstDash val="solid"/>
+          <a:miter lim="800000"/>
+        </a:ln>
+      </a:lnStyleLst>
+      <a:effectStyleLst>
+        <a:effectStyle>
+          <a:effectLst/>
+        </a:effectStyle>
+        <a:effectStyle>
+          <a:effectLst/>
+        </a:effectStyle>
+        <a:effectStyle>
+          <a:effectLst>
+            <a:outerShdw blurRad="57150" dist="19050" dir="5400000" algn="ctr" rotWithShape="0">
+              <a:srgbClr val="000000">
+                <a:alpha val="63000"/>
+              </a:srgbClr>
+            </a:outerShdw>
+          </a:effectLst>
+        </a:effectStyle>
+      </a:effectStyleLst>
+      <a:bgFillStyleLst>
+        <a:solidFill>
+          <a:schemeClr val="phClr"/>
+        </a:solidFill>
+        <a:solidFill>
+          <a:schemeClr val="phClr">
+            <a:tint val="95000"/>
+            <a:satMod val="170000"/>
+          </a:schemeClr>
+        </a:solidFill>
+        <a:gradFill rotWithShape="1">
+          <a:gsLst>
+            <a:gs pos="0">
+              <a:schemeClr val="phClr">
+                <a:tint val="93000"/>
+                <a:satMod val="150000"/>
+                <a:shade val="98000"/>
+                <a:lumMod val="102000"/>
+              </a:schemeClr>
+            </a:gs>
+            <a:gs pos="50000">
+              <a:schemeClr val="phClr">
+                <a:tint val="98000"/>
+                <a:satMod val="130000"/>
+                <a:shade val="90000"/>
+                <a:lumMod val="103000"/>
+              </a:schemeClr>
+            </a:gs>
+            <a:gs pos="100000">
+              <a:schemeClr val="phClr">
+                <a:shade val="63000"/>
+                <a:satMod val="120000"/>
+              </a:schemeClr>
+            </a:gs>
+          </a:gsLst>
+          <a:lin ang="5400000" scaled="0"/>
+        </a:gradFill>
+      </a:bgFillStyleLst>
+    </a:fmtScheme>
+  </a:themeElements>
+  <a:objectDefaults/>
+  <a:extraClrSchemeLst/>
+  <a:extLst>
+    <a:ext uri="{05A4C25C-085E-4340-85A3-A5531E510DB2}">
+      <thm15:themeFamily xmlns:thm15="http://schemas.microsoft.com/office/thememl/2012/main" name="Office Theme" id="{62F939B6-93AF-4DB8-9C6B-D6C7DFDC589F}" vid="{4A3C46E8-61CC-4603-A589-7422A47A8E4A}"/>
+    </a:ext>
+  </a:extLst>
+</a:theme>
 </file>